--- a/TCC - Apresentação.pptx
+++ b/TCC - Apresentação.pptx
@@ -7,6 +7,7 @@
   <p:sldIdLst>
     <p:sldId id="256" r:id="rId2"/>
     <p:sldId id="257" r:id="rId3"/>
+    <p:sldId id="258" r:id="rId4"/>
   </p:sldIdLst>
   <p:sldSz cx="12192000" cy="6858000"/>
   <p:notesSz cx="6858000" cy="9144000"/>
@@ -105,6 +106,11 @@
       </a:defRPr>
     </a:lvl9pPr>
   </p:defaultTextStyle>
+  <p:extLst>
+    <p:ext uri="{EFAFB233-063F-42B5-8137-9DF3F51BA10A}">
+      <p15:sldGuideLst xmlns:p15="http://schemas.microsoft.com/office/powerpoint/2012/main"/>
+    </p:ext>
+  </p:extLst>
 </p:presentation>
 </file>
 
@@ -3185,6 +3191,153 @@
           <a:chExt cx="0" cy="0"/>
         </a:xfrm>
       </p:grpSpPr>
+      <p:sp>
+        <p:nvSpPr>
+          <p:cNvPr id="5" name="CaixaDeTexto 4"/>
+          <p:cNvSpPr txBox="1"/>
+          <p:nvPr/>
+        </p:nvSpPr>
+        <p:spPr>
+          <a:xfrm>
+            <a:off x="618837" y="1294510"/>
+            <a:ext cx="5899962" cy="5262979"/>
+          </a:xfrm>
+          <a:prstGeom prst="rect">
+            <a:avLst/>
+          </a:prstGeom>
+          <a:noFill/>
+        </p:spPr>
+        <p:txBody>
+          <a:bodyPr wrap="square" rtlCol="0">
+            <a:spAutoFit/>
+          </a:bodyPr>
+          <a:lstStyle/>
+          <a:p>
+            <a:pPr marL="457200" indent="-457200">
+              <a:buAutoNum type="arabicPeriod"/>
+            </a:pPr>
+            <a:r>
+              <a:rPr lang="pt-BR" sz="2400" b="1" dirty="0" smtClean="0"/>
+              <a:t>Entendimento do Domínio do Problema</a:t>
+            </a:r>
+          </a:p>
+          <a:p>
+            <a:pPr marL="457200" indent="-457200">
+              <a:buAutoNum type="arabicPeriod"/>
+            </a:pPr>
+            <a:endParaRPr lang="pt-BR" sz="2400" b="1" dirty="0" smtClean="0"/>
+          </a:p>
+          <a:p>
+            <a:pPr marL="457200" indent="-457200">
+              <a:buAutoNum type="arabicPeriod"/>
+            </a:pPr>
+            <a:r>
+              <a:rPr lang="pt-BR" sz="2400" b="1" dirty="0" smtClean="0"/>
+              <a:t>Coleta de Dados</a:t>
+            </a:r>
+          </a:p>
+          <a:p>
+            <a:pPr marL="457200" indent="-457200">
+              <a:buAutoNum type="arabicPeriod"/>
+            </a:pPr>
+            <a:endParaRPr lang="pt-BR" sz="2400" b="1" dirty="0"/>
+          </a:p>
+          <a:p>
+            <a:pPr marL="457200" indent="-457200">
+              <a:buAutoNum type="arabicPeriod"/>
+            </a:pPr>
+            <a:r>
+              <a:rPr lang="pt-BR" sz="2400" b="1" dirty="0" smtClean="0"/>
+              <a:t>Análise </a:t>
+            </a:r>
+            <a:r>
+              <a:rPr lang="pt-BR" sz="2400" b="1" dirty="0" smtClean="0"/>
+              <a:t>Exploratória dos Dados</a:t>
+            </a:r>
+          </a:p>
+          <a:p>
+            <a:pPr marL="457200" indent="-457200">
+              <a:buAutoNum type="arabicPeriod"/>
+            </a:pPr>
+            <a:endParaRPr lang="pt-BR" sz="2400" b="1" dirty="0" smtClean="0"/>
+          </a:p>
+          <a:p>
+            <a:pPr marL="457200" indent="-457200">
+              <a:buAutoNum type="arabicPeriod"/>
+            </a:pPr>
+            <a:r>
+              <a:rPr lang="pt-BR" sz="2400" b="1" dirty="0" smtClean="0"/>
+              <a:t>Preparação dos </a:t>
+            </a:r>
+            <a:r>
+              <a:rPr lang="pt-BR" sz="2400" b="1" dirty="0" smtClean="0"/>
+              <a:t>Dados</a:t>
+            </a:r>
+          </a:p>
+          <a:p>
+            <a:pPr marL="457200" indent="-457200">
+              <a:buAutoNum type="arabicPeriod"/>
+            </a:pPr>
+            <a:endParaRPr lang="pt-BR" sz="2400" b="1" dirty="0" smtClean="0"/>
+          </a:p>
+          <a:p>
+            <a:pPr marL="457200" indent="-457200">
+              <a:buAutoNum type="arabicPeriod"/>
+            </a:pPr>
+            <a:r>
+              <a:rPr lang="pt-BR" sz="2400" b="1" dirty="0" smtClean="0"/>
+              <a:t>Criação de </a:t>
+            </a:r>
+            <a:r>
+              <a:rPr lang="pt-BR" sz="2400" b="1" dirty="0" smtClean="0"/>
+              <a:t>Modelos </a:t>
+            </a:r>
+            <a:r>
+              <a:rPr lang="pt-BR" sz="2400" b="1" dirty="0" smtClean="0"/>
+              <a:t>de </a:t>
+            </a:r>
+            <a:r>
+              <a:rPr lang="pt-BR" sz="2400" b="1" dirty="0" err="1" smtClean="0"/>
+              <a:t>Machine</a:t>
+            </a:r>
+            <a:r>
+              <a:rPr lang="pt-BR" sz="2400" b="1" dirty="0" smtClean="0"/>
+              <a:t> Learning</a:t>
+            </a:r>
+          </a:p>
+          <a:p>
+            <a:pPr marL="457200" indent="-457200">
+              <a:buAutoNum type="arabicPeriod"/>
+            </a:pPr>
+            <a:endParaRPr lang="pt-BR" sz="2400" b="1" dirty="0" smtClean="0"/>
+          </a:p>
+          <a:p>
+            <a:pPr marL="457200" indent="-457200">
+              <a:buAutoNum type="arabicPeriod"/>
+            </a:pPr>
+            <a:r>
+              <a:rPr lang="pt-BR" sz="2400" b="1" dirty="0" smtClean="0"/>
+              <a:t>Apresentação dos Resultados</a:t>
+            </a:r>
+          </a:p>
+          <a:p>
+            <a:pPr marL="457200" indent="-457200">
+              <a:buAutoNum type="arabicPeriod"/>
+            </a:pPr>
+            <a:endParaRPr lang="pt-BR" sz="2400" b="1" dirty="0" smtClean="0"/>
+          </a:p>
+          <a:p>
+            <a:pPr marL="457200" indent="-457200">
+              <a:buAutoNum type="arabicPeriod"/>
+            </a:pPr>
+            <a:r>
+              <a:rPr lang="pt-BR" sz="2400" b="1" dirty="0" smtClean="0"/>
+              <a:t>Implantação da Solução em Ambiente de Produção</a:t>
+            </a:r>
+            <a:endParaRPr lang="pt-BR" sz="2400" b="1" dirty="0"/>
+          </a:p>
+        </p:txBody>
+      </p:sp>
       <p:pic>
         <p:nvPicPr>
           <p:cNvPr id="1026" name="Picture 2" descr="CRISP-DM_Process_Diagram"/>
@@ -3208,7 +3361,7 @@
         </p:blipFill>
         <p:spPr bwMode="auto">
           <a:xfrm>
-            <a:off x="7010408" y="1602959"/>
+            <a:off x="7010408" y="1321606"/>
             <a:ext cx="4950691" cy="4980337"/>
           </a:xfrm>
           <a:prstGeom prst="rect">
@@ -3247,8 +3400,55 @@
         </p:nvSpPr>
         <p:spPr>
           <a:xfrm>
-            <a:off x="0" y="-63203"/>
+            <a:off x="0" y="-1659"/>
             <a:ext cx="12191999" cy="584775"/>
+          </a:xfrm>
+          <a:prstGeom prst="rect">
+            <a:avLst/>
+          </a:prstGeom>
+          <a:solidFill>
+            <a:schemeClr val="bg2">
+              <a:lumMod val="90000"/>
+            </a:schemeClr>
+          </a:solidFill>
+        </p:spPr>
+        <p:txBody>
+          <a:bodyPr wrap="square" rtlCol="0">
+            <a:spAutoFit/>
+          </a:bodyPr>
+          <a:lstStyle/>
+          <a:p>
+            <a:pPr algn="ctr"/>
+            <a:r>
+              <a:rPr lang="pt-BR" sz="3200" b="1" dirty="0" smtClean="0">
+                <a:solidFill>
+                  <a:schemeClr val="accent1">
+                    <a:lumMod val="50000"/>
+                  </a:schemeClr>
+                </a:solidFill>
+              </a:rPr>
+              <a:t>INTRODUÇÃO</a:t>
+            </a:r>
+            <a:endParaRPr lang="pt-BR" sz="3200" dirty="0">
+              <a:solidFill>
+                <a:schemeClr val="accent1">
+                  <a:lumMod val="50000"/>
+                </a:schemeClr>
+              </a:solidFill>
+            </a:endParaRPr>
+          </a:p>
+        </p:txBody>
+      </p:sp>
+      <p:sp>
+        <p:nvSpPr>
+          <p:cNvPr id="6" name="CaixaDeTexto 5"/>
+          <p:cNvSpPr txBox="1"/>
+          <p:nvPr/>
+        </p:nvSpPr>
+        <p:spPr>
+          <a:xfrm>
+            <a:off x="7010408" y="650553"/>
+            <a:ext cx="4950691" cy="461665"/>
           </a:xfrm>
           <a:prstGeom prst="rect">
             <a:avLst/>
@@ -3259,176 +3459,27 @@
           <a:bodyPr wrap="square" rtlCol="0">
             <a:spAutoFit/>
           </a:bodyPr>
-          <a:lstStyle/>
+          <a:lstStyle>
+            <a:defPPr>
+              <a:defRPr lang="pt-BR"/>
+            </a:defPPr>
+            <a:lvl1pPr algn="just">
+              <a:defRPr sz="2400" b="1">
+                <a:solidFill>
+                  <a:schemeClr val="accent1">
+                    <a:lumMod val="75000"/>
+                  </a:schemeClr>
+                </a:solidFill>
+              </a:defRPr>
+            </a:lvl1pPr>
+          </a:lstStyle>
           <a:p>
             <a:pPr algn="ctr"/>
             <a:r>
-              <a:rPr lang="pt-BR" sz="3200" b="1" dirty="0" smtClean="0"/>
-              <a:t>AGENDA / ETAPAS DO PROJETO</a:t>
-            </a:r>
-            <a:endParaRPr lang="pt-BR" sz="3200" dirty="0"/>
-          </a:p>
-        </p:txBody>
-      </p:sp>
-      <p:sp>
-        <p:nvSpPr>
-          <p:cNvPr id="5" name="CaixaDeTexto 4"/>
-          <p:cNvSpPr txBox="1"/>
-          <p:nvPr/>
-        </p:nvSpPr>
-        <p:spPr>
-          <a:xfrm>
-            <a:off x="618836" y="1039542"/>
-            <a:ext cx="5846617" cy="5262979"/>
-          </a:xfrm>
-          <a:prstGeom prst="rect">
-            <a:avLst/>
-          </a:prstGeom>
-          <a:noFill/>
-        </p:spPr>
-        <p:txBody>
-          <a:bodyPr wrap="square" rtlCol="0">
-            <a:spAutoFit/>
-          </a:bodyPr>
-          <a:lstStyle/>
-          <a:p>
-            <a:pPr marL="457200" indent="-457200">
-              <a:buAutoNum type="arabicPeriod"/>
-            </a:pPr>
-            <a:r>
-              <a:rPr lang="pt-BR" sz="2400" b="1" dirty="0" smtClean="0"/>
-              <a:t>Entendimento do Domínio do Problema</a:t>
-            </a:r>
-          </a:p>
-          <a:p>
-            <a:pPr marL="457200" indent="-457200">
-              <a:buAutoNum type="arabicPeriod"/>
-            </a:pPr>
-            <a:endParaRPr lang="pt-BR" sz="2400" b="1" dirty="0" smtClean="0"/>
-          </a:p>
-          <a:p>
-            <a:pPr marL="457200" indent="-457200">
-              <a:buAutoNum type="arabicPeriod"/>
-            </a:pPr>
-            <a:r>
-              <a:rPr lang="pt-BR" sz="2400" b="1" dirty="0" smtClean="0"/>
-              <a:t>Coleta de Dados</a:t>
-            </a:r>
-          </a:p>
-          <a:p>
-            <a:pPr marL="457200" indent="-457200">
-              <a:buAutoNum type="arabicPeriod"/>
-            </a:pPr>
-            <a:endParaRPr lang="pt-BR" sz="2400" b="1" dirty="0"/>
-          </a:p>
-          <a:p>
-            <a:pPr marL="457200" indent="-457200">
-              <a:buAutoNum type="arabicPeriod"/>
-            </a:pPr>
-            <a:r>
-              <a:rPr lang="pt-BR" sz="2400" b="1" dirty="0" smtClean="0"/>
-              <a:t>Análise Exploratória</a:t>
-            </a:r>
-          </a:p>
-          <a:p>
-            <a:pPr marL="457200" indent="-457200">
-              <a:buAutoNum type="arabicPeriod"/>
-            </a:pPr>
-            <a:endParaRPr lang="pt-BR" sz="2400" b="1" dirty="0" smtClean="0"/>
-          </a:p>
-          <a:p>
-            <a:pPr marL="457200" indent="-457200">
-              <a:buAutoNum type="arabicPeriod"/>
-            </a:pPr>
-            <a:r>
-              <a:rPr lang="pt-BR" sz="2400" b="1" dirty="0" smtClean="0"/>
-              <a:t>Preparação de Dados</a:t>
-            </a:r>
-          </a:p>
-          <a:p>
-            <a:pPr marL="457200" indent="-457200">
-              <a:buAutoNum type="arabicPeriod"/>
-            </a:pPr>
-            <a:endParaRPr lang="pt-BR" sz="2400" b="1" dirty="0" smtClean="0"/>
-          </a:p>
-          <a:p>
-            <a:pPr marL="457200" indent="-457200">
-              <a:buAutoNum type="arabicPeriod"/>
-            </a:pPr>
-            <a:r>
-              <a:rPr lang="pt-BR" sz="2400" b="1" dirty="0" smtClean="0"/>
-              <a:t>Criação de Modelo de </a:t>
-            </a:r>
-            <a:r>
-              <a:rPr lang="pt-BR" sz="2400" b="1" dirty="0" err="1" smtClean="0"/>
-              <a:t>Machine</a:t>
-            </a:r>
-            <a:r>
-              <a:rPr lang="pt-BR" sz="2400" b="1" dirty="0" smtClean="0"/>
-              <a:t> Learning</a:t>
-            </a:r>
-          </a:p>
-          <a:p>
-            <a:pPr marL="457200" indent="-457200">
-              <a:buAutoNum type="arabicPeriod"/>
-            </a:pPr>
-            <a:endParaRPr lang="pt-BR" sz="2400" b="1" dirty="0" smtClean="0"/>
-          </a:p>
-          <a:p>
-            <a:pPr marL="457200" indent="-457200">
-              <a:buAutoNum type="arabicPeriod"/>
-            </a:pPr>
-            <a:r>
-              <a:rPr lang="pt-BR" sz="2400" b="1" dirty="0" smtClean="0"/>
-              <a:t>Apresentação dos Resultados</a:t>
-            </a:r>
-          </a:p>
-          <a:p>
-            <a:pPr marL="457200" indent="-457200">
-              <a:buAutoNum type="arabicPeriod"/>
-            </a:pPr>
-            <a:endParaRPr lang="pt-BR" sz="2400" b="1" dirty="0" smtClean="0"/>
-          </a:p>
-          <a:p>
-            <a:pPr marL="457200" indent="-457200">
-              <a:buAutoNum type="arabicPeriod"/>
-            </a:pPr>
-            <a:r>
-              <a:rPr lang="pt-BR" sz="2400" b="1" dirty="0" smtClean="0"/>
-              <a:t>Implantação da Solução em Ambiente de Produção</a:t>
-            </a:r>
-            <a:endParaRPr lang="pt-BR" sz="2400" b="1" dirty="0"/>
-          </a:p>
-        </p:txBody>
-      </p:sp>
-      <p:sp>
-        <p:nvSpPr>
-          <p:cNvPr id="6" name="CaixaDeTexto 5"/>
-          <p:cNvSpPr txBox="1"/>
-          <p:nvPr/>
-        </p:nvSpPr>
-        <p:spPr>
-          <a:xfrm>
-            <a:off x="7010408" y="932916"/>
-            <a:ext cx="4950691" cy="461665"/>
-          </a:xfrm>
-          <a:prstGeom prst="rect">
-            <a:avLst/>
-          </a:prstGeom>
-          <a:noFill/>
-        </p:spPr>
-        <p:txBody>
-          <a:bodyPr wrap="square" rtlCol="0">
-            <a:spAutoFit/>
-          </a:bodyPr>
-          <a:lstStyle/>
-          <a:p>
-            <a:pPr algn="ctr"/>
-            <a:r>
-              <a:rPr lang="pt-BR" sz="2400" b="1" dirty="0" smtClean="0"/>
+              <a:rPr lang="pt-BR" dirty="0"/>
               <a:t>MODELO CRISP-DM</a:t>
             </a:r>
-            <a:endParaRPr lang="pt-BR" sz="2400" dirty="0"/>
+            <a:endParaRPr lang="pt-BR" dirty="0"/>
           </a:p>
         </p:txBody>
       </p:sp>
@@ -3440,7 +3491,7 @@
         </p:nvSpPr>
         <p:spPr>
           <a:xfrm>
-            <a:off x="8713395" y="5067670"/>
+            <a:off x="8713395" y="4786317"/>
             <a:ext cx="1544715" cy="976543"/>
           </a:xfrm>
           <a:prstGeom prst="ellipse">
@@ -3482,7 +3533,7 @@
         </p:nvSpPr>
         <p:spPr>
           <a:xfrm>
-            <a:off x="9607118" y="2194265"/>
+            <a:off x="9607118" y="1912912"/>
             <a:ext cx="1544715" cy="976543"/>
           </a:xfrm>
           <a:prstGeom prst="ellipse">
@@ -3524,7 +3575,7 @@
         </p:nvSpPr>
         <p:spPr>
           <a:xfrm>
-            <a:off x="10194517" y="3142696"/>
+            <a:off x="10194517" y="2861343"/>
             <a:ext cx="1544715" cy="976543"/>
           </a:xfrm>
           <a:prstGeom prst="ellipse">
@@ -3566,7 +3617,7 @@
         </p:nvSpPr>
         <p:spPr>
           <a:xfrm>
-            <a:off x="10194516" y="4119239"/>
+            <a:off x="10194516" y="3837886"/>
             <a:ext cx="1544715" cy="976543"/>
           </a:xfrm>
           <a:prstGeom prst="ellipse">
@@ -3608,7 +3659,7 @@
         </p:nvSpPr>
         <p:spPr>
           <a:xfrm>
-            <a:off x="7168680" y="3616911"/>
+            <a:off x="7168680" y="3335558"/>
             <a:ext cx="1544715" cy="976543"/>
           </a:xfrm>
           <a:prstGeom prst="ellipse">
@@ -3650,7 +3701,7 @@
         </p:nvSpPr>
         <p:spPr>
           <a:xfrm>
-            <a:off x="7830105" y="2166153"/>
+            <a:off x="7830105" y="1884800"/>
             <a:ext cx="1544715" cy="976543"/>
           </a:xfrm>
           <a:prstGeom prst="ellipse">
@@ -3681,6 +3732,424 @@
           <a:p>
             <a:pPr algn="ctr"/>
             <a:endParaRPr lang="pt-BR"/>
+          </a:p>
+        </p:txBody>
+      </p:sp>
+      <p:sp>
+        <p:nvSpPr>
+          <p:cNvPr id="13" name="CaixaDeTexto 12"/>
+          <p:cNvSpPr txBox="1"/>
+          <p:nvPr/>
+        </p:nvSpPr>
+        <p:spPr>
+          <a:xfrm>
+            <a:off x="618835" y="1303302"/>
+            <a:ext cx="5667665" cy="461665"/>
+          </a:xfrm>
+          <a:prstGeom prst="rect">
+            <a:avLst/>
+          </a:prstGeom>
+          <a:solidFill>
+            <a:schemeClr val="accent2">
+              <a:lumMod val="20000"/>
+              <a:lumOff val="80000"/>
+            </a:schemeClr>
+          </a:solidFill>
+        </p:spPr>
+        <p:txBody>
+          <a:bodyPr wrap="square" rtlCol="0">
+            <a:spAutoFit/>
+          </a:bodyPr>
+          <a:lstStyle/>
+          <a:p>
+            <a:pPr marL="457200" indent="-457200">
+              <a:buAutoNum type="arabicPeriod"/>
+            </a:pPr>
+            <a:r>
+              <a:rPr lang="pt-BR" sz="2400" b="1" dirty="0" smtClean="0">
+                <a:solidFill>
+                  <a:schemeClr val="accent2">
+                    <a:lumMod val="75000"/>
+                  </a:schemeClr>
+                </a:solidFill>
+              </a:rPr>
+              <a:t>Entendimento do Domínio do Problema</a:t>
+            </a:r>
+            <a:endParaRPr lang="pt-BR" sz="2400" b="1" dirty="0">
+              <a:solidFill>
+                <a:schemeClr val="accent2">
+                  <a:lumMod val="75000"/>
+                </a:schemeClr>
+              </a:solidFill>
+            </a:endParaRPr>
+          </a:p>
+        </p:txBody>
+      </p:sp>
+      <p:sp>
+        <p:nvSpPr>
+          <p:cNvPr id="14" name="CaixaDeTexto 13"/>
+          <p:cNvSpPr txBox="1"/>
+          <p:nvPr/>
+        </p:nvSpPr>
+        <p:spPr>
+          <a:xfrm>
+            <a:off x="618836" y="2025728"/>
+            <a:ext cx="4624990" cy="1200329"/>
+          </a:xfrm>
+          <a:prstGeom prst="rect">
+            <a:avLst/>
+          </a:prstGeom>
+          <a:solidFill>
+            <a:schemeClr val="accent2">
+              <a:lumMod val="20000"/>
+              <a:lumOff val="80000"/>
+            </a:schemeClr>
+          </a:solidFill>
+        </p:spPr>
+        <p:txBody>
+          <a:bodyPr wrap="square" rtlCol="0">
+            <a:spAutoFit/>
+          </a:bodyPr>
+          <a:lstStyle>
+            <a:defPPr>
+              <a:defRPr lang="pt-BR"/>
+            </a:defPPr>
+            <a:lvl1pPr marL="457200" indent="-457200">
+              <a:buAutoNum type="arabicPeriod"/>
+              <a:defRPr sz="2400" b="1">
+                <a:solidFill>
+                  <a:schemeClr val="accent2">
+                    <a:lumMod val="75000"/>
+                  </a:schemeClr>
+                </a:solidFill>
+              </a:defRPr>
+            </a:lvl1pPr>
+          </a:lstStyle>
+          <a:p>
+            <a:pPr>
+              <a:buFont typeface="+mj-lt"/>
+              <a:buAutoNum type="arabicPeriod" startAt="2"/>
+            </a:pPr>
+            <a:r>
+              <a:rPr lang="pt-BR" dirty="0"/>
+              <a:t>Coleta de </a:t>
+            </a:r>
+            <a:r>
+              <a:rPr lang="pt-BR" dirty="0" smtClean="0"/>
+              <a:t>Dados</a:t>
+            </a:r>
+          </a:p>
+          <a:p>
+            <a:pPr>
+              <a:buFont typeface="+mj-lt"/>
+              <a:buAutoNum type="arabicPeriod" startAt="2"/>
+            </a:pPr>
+            <a:endParaRPr lang="pt-BR" dirty="0" smtClean="0"/>
+          </a:p>
+          <a:p>
+            <a:pPr>
+              <a:buFont typeface="+mj-lt"/>
+              <a:buAutoNum type="arabicPeriod" startAt="2"/>
+            </a:pPr>
+            <a:r>
+              <a:rPr lang="pt-BR" dirty="0"/>
+              <a:t>Análise </a:t>
+            </a:r>
+            <a:r>
+              <a:rPr lang="pt-BR" dirty="0" smtClean="0"/>
+              <a:t>Exploratória dos Dados</a:t>
+            </a:r>
+            <a:endParaRPr lang="pt-BR" dirty="0"/>
+          </a:p>
+        </p:txBody>
+      </p:sp>
+      <p:sp>
+        <p:nvSpPr>
+          <p:cNvPr id="15" name="CaixaDeTexto 14"/>
+          <p:cNvSpPr txBox="1"/>
+          <p:nvPr/>
+        </p:nvSpPr>
+        <p:spPr>
+          <a:xfrm>
+            <a:off x="618834" y="3495783"/>
+            <a:ext cx="3469589" cy="461665"/>
+          </a:xfrm>
+          <a:prstGeom prst="rect">
+            <a:avLst/>
+          </a:prstGeom>
+          <a:solidFill>
+            <a:schemeClr val="accent2">
+              <a:lumMod val="20000"/>
+              <a:lumOff val="80000"/>
+            </a:schemeClr>
+          </a:solidFill>
+        </p:spPr>
+        <p:txBody>
+          <a:bodyPr wrap="square" rtlCol="0">
+            <a:spAutoFit/>
+          </a:bodyPr>
+          <a:lstStyle>
+            <a:defPPr>
+              <a:defRPr lang="pt-BR"/>
+            </a:defPPr>
+            <a:lvl1pPr marL="457200" indent="-457200">
+              <a:buAutoNum type="arabicPeriod"/>
+              <a:defRPr sz="2400" b="1">
+                <a:solidFill>
+                  <a:schemeClr val="accent2">
+                    <a:lumMod val="75000"/>
+                  </a:schemeClr>
+                </a:solidFill>
+              </a:defRPr>
+            </a:lvl1pPr>
+          </a:lstStyle>
+          <a:p>
+            <a:pPr>
+              <a:buFont typeface="+mj-lt"/>
+              <a:buAutoNum type="arabicPeriod" startAt="4"/>
+            </a:pPr>
+            <a:r>
+              <a:rPr lang="pt-BR" dirty="0"/>
+              <a:t>Preparação </a:t>
+            </a:r>
+            <a:r>
+              <a:rPr lang="pt-BR" dirty="0" smtClean="0"/>
+              <a:t>dos Dados</a:t>
+            </a:r>
+            <a:endParaRPr lang="pt-BR" dirty="0"/>
+          </a:p>
+        </p:txBody>
+      </p:sp>
+      <p:sp>
+        <p:nvSpPr>
+          <p:cNvPr id="16" name="CaixaDeTexto 15"/>
+          <p:cNvSpPr txBox="1"/>
+          <p:nvPr/>
+        </p:nvSpPr>
+        <p:spPr>
+          <a:xfrm>
+            <a:off x="618834" y="4229932"/>
+            <a:ext cx="5865110" cy="461665"/>
+          </a:xfrm>
+          <a:prstGeom prst="rect">
+            <a:avLst/>
+          </a:prstGeom>
+          <a:solidFill>
+            <a:schemeClr val="accent2">
+              <a:lumMod val="20000"/>
+              <a:lumOff val="80000"/>
+            </a:schemeClr>
+          </a:solidFill>
+        </p:spPr>
+        <p:txBody>
+          <a:bodyPr wrap="square" rtlCol="0">
+            <a:spAutoFit/>
+          </a:bodyPr>
+          <a:lstStyle>
+            <a:defPPr>
+              <a:defRPr lang="pt-BR"/>
+            </a:defPPr>
+            <a:lvl1pPr marL="457200" indent="-457200">
+              <a:buFont typeface="+mj-lt"/>
+              <a:buAutoNum type="arabicPeriod" startAt="4"/>
+              <a:defRPr sz="2400" b="1">
+                <a:solidFill>
+                  <a:schemeClr val="accent2">
+                    <a:lumMod val="75000"/>
+                  </a:schemeClr>
+                </a:solidFill>
+              </a:defRPr>
+            </a:lvl1pPr>
+          </a:lstStyle>
+          <a:p>
+            <a:pPr>
+              <a:buFont typeface="+mj-lt"/>
+              <a:buAutoNum type="arabicPeriod" startAt="5"/>
+            </a:pPr>
+            <a:r>
+              <a:rPr lang="pt-BR" dirty="0"/>
+              <a:t>Criação de </a:t>
+            </a:r>
+            <a:r>
+              <a:rPr lang="pt-BR" dirty="0" smtClean="0"/>
+              <a:t>Modelos </a:t>
+            </a:r>
+            <a:r>
+              <a:rPr lang="pt-BR" dirty="0"/>
+              <a:t>de </a:t>
+            </a:r>
+            <a:r>
+              <a:rPr lang="pt-BR" dirty="0" err="1"/>
+              <a:t>Machine</a:t>
+            </a:r>
+            <a:r>
+              <a:rPr lang="pt-BR" dirty="0"/>
+              <a:t> </a:t>
+            </a:r>
+            <a:r>
+              <a:rPr lang="pt-BR" dirty="0" smtClean="0"/>
+              <a:t>Learning</a:t>
+            </a:r>
+            <a:endParaRPr lang="pt-BR" dirty="0"/>
+          </a:p>
+        </p:txBody>
+      </p:sp>
+      <p:sp>
+        <p:nvSpPr>
+          <p:cNvPr id="17" name="CaixaDeTexto 16"/>
+          <p:cNvSpPr txBox="1"/>
+          <p:nvPr/>
+        </p:nvSpPr>
+        <p:spPr>
+          <a:xfrm>
+            <a:off x="618833" y="4946497"/>
+            <a:ext cx="4383990" cy="461665"/>
+          </a:xfrm>
+          <a:prstGeom prst="rect">
+            <a:avLst/>
+          </a:prstGeom>
+          <a:solidFill>
+            <a:schemeClr val="accent2">
+              <a:lumMod val="20000"/>
+              <a:lumOff val="80000"/>
+            </a:schemeClr>
+          </a:solidFill>
+        </p:spPr>
+        <p:txBody>
+          <a:bodyPr wrap="square" rtlCol="0">
+            <a:spAutoFit/>
+          </a:bodyPr>
+          <a:lstStyle>
+            <a:defPPr>
+              <a:defRPr lang="pt-BR"/>
+            </a:defPPr>
+            <a:lvl1pPr marL="457200" indent="-457200">
+              <a:buFont typeface="+mj-lt"/>
+              <a:buAutoNum type="arabicPeriod" startAt="5"/>
+              <a:defRPr sz="2400" b="1">
+                <a:solidFill>
+                  <a:schemeClr val="accent2">
+                    <a:lumMod val="75000"/>
+                  </a:schemeClr>
+                </a:solidFill>
+              </a:defRPr>
+            </a:lvl1pPr>
+          </a:lstStyle>
+          <a:p>
+            <a:pPr>
+              <a:buFont typeface="+mj-lt"/>
+              <a:buAutoNum type="arabicPeriod" startAt="6"/>
+            </a:pPr>
+            <a:r>
+              <a:rPr lang="pt-BR" dirty="0"/>
+              <a:t>Apresentação dos </a:t>
+            </a:r>
+            <a:r>
+              <a:rPr lang="pt-BR" dirty="0" smtClean="0"/>
+              <a:t>Resultados</a:t>
+            </a:r>
+            <a:endParaRPr lang="pt-BR" dirty="0"/>
+          </a:p>
+        </p:txBody>
+      </p:sp>
+      <p:sp>
+        <p:nvSpPr>
+          <p:cNvPr id="18" name="CaixaDeTexto 17"/>
+          <p:cNvSpPr txBox="1"/>
+          <p:nvPr/>
+        </p:nvSpPr>
+        <p:spPr>
+          <a:xfrm>
+            <a:off x="618832" y="5686680"/>
+            <a:ext cx="5846621" cy="830997"/>
+          </a:xfrm>
+          <a:prstGeom prst="rect">
+            <a:avLst/>
+          </a:prstGeom>
+          <a:solidFill>
+            <a:schemeClr val="accent2">
+              <a:lumMod val="20000"/>
+              <a:lumOff val="80000"/>
+            </a:schemeClr>
+          </a:solidFill>
+        </p:spPr>
+        <p:txBody>
+          <a:bodyPr wrap="square" rtlCol="0">
+            <a:spAutoFit/>
+          </a:bodyPr>
+          <a:lstStyle>
+            <a:defPPr>
+              <a:defRPr lang="pt-BR"/>
+            </a:defPPr>
+            <a:lvl1pPr marL="457200" indent="-457200">
+              <a:buFont typeface="+mj-lt"/>
+              <a:buAutoNum type="arabicPeriod" startAt="6"/>
+              <a:defRPr sz="2400" b="1">
+                <a:solidFill>
+                  <a:schemeClr val="accent2">
+                    <a:lumMod val="75000"/>
+                  </a:schemeClr>
+                </a:solidFill>
+              </a:defRPr>
+            </a:lvl1pPr>
+          </a:lstStyle>
+          <a:p>
+            <a:pPr>
+              <a:buFont typeface="+mj-lt"/>
+              <a:buAutoNum type="arabicPeriod" startAt="7"/>
+            </a:pPr>
+            <a:r>
+              <a:rPr lang="pt-BR" dirty="0"/>
+              <a:t>Implantação da Solução em Ambiente de </a:t>
+            </a:r>
+            <a:r>
+              <a:rPr lang="pt-BR" dirty="0" smtClean="0"/>
+              <a:t>Produção</a:t>
+            </a:r>
+            <a:endParaRPr lang="pt-BR" dirty="0"/>
+          </a:p>
+        </p:txBody>
+      </p:sp>
+      <p:sp>
+        <p:nvSpPr>
+          <p:cNvPr id="19" name="CaixaDeTexto 18"/>
+          <p:cNvSpPr txBox="1"/>
+          <p:nvPr/>
+        </p:nvSpPr>
+        <p:spPr>
+          <a:xfrm>
+            <a:off x="618832" y="661672"/>
+            <a:ext cx="4950691" cy="461665"/>
+          </a:xfrm>
+          <a:prstGeom prst="rect">
+            <a:avLst/>
+          </a:prstGeom>
+          <a:noFill/>
+        </p:spPr>
+        <p:txBody>
+          <a:bodyPr wrap="square" rtlCol="0">
+            <a:spAutoFit/>
+          </a:bodyPr>
+          <a:lstStyle/>
+          <a:p>
+            <a:pPr algn="just"/>
+            <a:r>
+              <a:rPr lang="pt-BR" sz="2400" b="1" dirty="0" smtClean="0">
+                <a:solidFill>
+                  <a:schemeClr val="accent1">
+                    <a:lumMod val="75000"/>
+                  </a:schemeClr>
+                </a:solidFill>
+              </a:rPr>
+              <a:t>ETAPAS DO PROJETO</a:t>
+            </a:r>
+            <a:endParaRPr lang="pt-BR" sz="2400" dirty="0">
+              <a:solidFill>
+                <a:schemeClr val="accent1">
+                  <a:lumMod val="75000"/>
+                </a:schemeClr>
+              </a:solidFill>
+            </a:endParaRPr>
           </a:p>
         </p:txBody>
       </p:sp>
@@ -3741,6 +4210,33 @@
                                   </p:childTnLst>
                                 </p:cTn>
                               </p:par>
+                              <p:par>
+                                <p:cTn id="7" presetID="1" presetClass="entr" presetSubtype="0" fill="hold" grpId="0" nodeType="withEffect">
+                                  <p:stCondLst>
+                                    <p:cond delay="0"/>
+                                  </p:stCondLst>
+                                  <p:childTnLst>
+                                    <p:set>
+                                      <p:cBhvr>
+                                        <p:cTn id="8" dur="1" fill="hold">
+                                          <p:stCondLst>
+                                            <p:cond delay="0"/>
+                                          </p:stCondLst>
+                                        </p:cTn>
+                                        <p:tgtEl>
+                                          <p:spTgt spid="13"/>
+                                        </p:tgtEl>
+                                        <p:attrNameLst>
+                                          <p:attrName>style.visibility</p:attrName>
+                                        </p:attrNameLst>
+                                      </p:cBhvr>
+                                      <p:to>
+                                        <p:strVal val="visible"/>
+                                      </p:to>
+                                    </p:set>
+                                  </p:childTnLst>
+                                </p:cTn>
+                              </p:par>
                             </p:childTnLst>
                           </p:cTn>
                         </p:par>
@@ -3748,26 +4244,26 @@
                     </p:cTn>
                   </p:par>
                   <p:par>
-                    <p:cTn id="7" fill="hold">
+                    <p:cTn id="9" fill="hold">
                       <p:stCondLst>
                         <p:cond delay="indefinite"/>
                       </p:stCondLst>
                       <p:childTnLst>
                         <p:par>
-                          <p:cTn id="8" fill="hold">
+                          <p:cTn id="10" fill="hold">
                             <p:stCondLst>
                               <p:cond delay="0"/>
                             </p:stCondLst>
                             <p:childTnLst>
                               <p:par>
-                                <p:cTn id="9" presetID="1" presetClass="entr" presetSubtype="0" fill="hold" grpId="0" nodeType="clickEffect">
+                                <p:cTn id="11" presetID="1" presetClass="entr" presetSubtype="0" fill="hold" grpId="0" nodeType="clickEffect">
                                   <p:stCondLst>
                                     <p:cond delay="0"/>
                                   </p:stCondLst>
                                   <p:childTnLst>
                                     <p:set>
                                       <p:cBhvr>
-                                        <p:cTn id="10" dur="1" fill="hold">
+                                        <p:cTn id="12" dur="1" fill="hold">
                                           <p:stCondLst>
                                             <p:cond delay="0"/>
                                           </p:stCondLst>
@@ -3787,14 +4283,14 @@
                                 </p:cTn>
                               </p:par>
                               <p:par>
-                                <p:cTn id="11" presetID="1" presetClass="exit" presetSubtype="0" fill="hold" grpId="1" nodeType="withEffect">
+                                <p:cTn id="13" presetID="1" presetClass="exit" presetSubtype="0" fill="hold" grpId="1" nodeType="withEffect">
                                   <p:stCondLst>
                                     <p:cond delay="0"/>
                                   </p:stCondLst>
                                   <p:childTnLst>
                                     <p:set>
                                       <p:cBhvr>
-                                        <p:cTn id="12" dur="1" fill="hold">
+                                        <p:cTn id="14" dur="1" fill="hold">
                                           <p:stCondLst>
                                             <p:cond delay="0"/>
                                           </p:stCondLst>
@@ -3813,26 +4309,8 @@
                                   </p:childTnLst>
                                 </p:cTn>
                               </p:par>
-                            </p:childTnLst>
-                          </p:cTn>
-                        </p:par>
-                      </p:childTnLst>
-                    </p:cTn>
-                  </p:par>
-                  <p:par>
-                    <p:cTn id="13" fill="hold">
-                      <p:stCondLst>
-                        <p:cond delay="indefinite"/>
-                      </p:stCondLst>
-                      <p:childTnLst>
-                        <p:par>
-                          <p:cTn id="14" fill="hold">
-                            <p:stCondLst>
-                              <p:cond delay="0"/>
-                            </p:stCondLst>
-                            <p:childTnLst>
                               <p:par>
-                                <p:cTn id="15" presetID="1" presetClass="entr" presetSubtype="0" fill="hold" grpId="0" nodeType="clickEffect">
+                                <p:cTn id="15" presetID="1" presetClass="exit" presetSubtype="0" fill="hold" grpId="1" nodeType="withEffect">
                                   <p:stCondLst>
                                     <p:cond delay="0"/>
                                   </p:stCondLst>
@@ -3845,21 +4323,21 @@
                                           </p:stCondLst>
                                         </p:cTn>
                                         <p:tgtEl>
-                                          <p:spTgt spid="9"/>
+                                          <p:spTgt spid="13"/>
                                         </p:tgtEl>
                                         <p:attrNameLst>
                                           <p:attrName>style.visibility</p:attrName>
                                         </p:attrNameLst>
                                       </p:cBhvr>
                                       <p:to>
-                                        <p:strVal val="visible"/>
+                                        <p:strVal val="hidden"/>
                                       </p:to>
                                     </p:set>
                                   </p:childTnLst>
                                 </p:cTn>
                               </p:par>
                               <p:par>
-                                <p:cTn id="17" presetID="1" presetClass="exit" presetSubtype="0" fill="hold" grpId="1" nodeType="withEffect">
+                                <p:cTn id="17" presetID="1" presetClass="entr" presetSubtype="0" fill="hold" grpId="0" nodeType="withEffect">
                                   <p:stCondLst>
                                     <p:cond delay="0"/>
                                   </p:stCondLst>
@@ -3872,14 +4350,14 @@
                                           </p:stCondLst>
                                         </p:cTn>
                                         <p:tgtEl>
-                                          <p:spTgt spid="8"/>
+                                          <p:spTgt spid="14"/>
                                         </p:tgtEl>
                                         <p:attrNameLst>
                                           <p:attrName>style.visibility</p:attrName>
                                         </p:attrNameLst>
                                       </p:cBhvr>
                                       <p:to>
-                                        <p:strVal val="hidden"/>
+                                        <p:strVal val="visible"/>
                                       </p:to>
                                     </p:set>
                                   </p:childTnLst>
@@ -3917,7 +4395,7 @@
                                           </p:stCondLst>
                                         </p:cTn>
                                         <p:tgtEl>
-                                          <p:spTgt spid="10"/>
+                                          <p:spTgt spid="9"/>
                                         </p:tgtEl>
                                         <p:attrNameLst>
                                           <p:attrName>style.visibility</p:attrName>
@@ -3944,6 +4422,132 @@
                                           </p:stCondLst>
                                         </p:cTn>
                                         <p:tgtEl>
+                                          <p:spTgt spid="8"/>
+                                        </p:tgtEl>
+                                        <p:attrNameLst>
+                                          <p:attrName>style.visibility</p:attrName>
+                                        </p:attrNameLst>
+                                      </p:cBhvr>
+                                      <p:to>
+                                        <p:strVal val="hidden"/>
+                                      </p:to>
+                                    </p:set>
+                                  </p:childTnLst>
+                                </p:cTn>
+                              </p:par>
+                              <p:par>
+                                <p:cTn id="25" presetID="1" presetClass="exit" presetSubtype="0" fill="hold" grpId="1" nodeType="withEffect">
+                                  <p:stCondLst>
+                                    <p:cond delay="0"/>
+                                  </p:stCondLst>
+                                  <p:childTnLst>
+                                    <p:set>
+                                      <p:cBhvr>
+                                        <p:cTn id="26" dur="1" fill="hold">
+                                          <p:stCondLst>
+                                            <p:cond delay="0"/>
+                                          </p:stCondLst>
+                                        </p:cTn>
+                                        <p:tgtEl>
+                                          <p:spTgt spid="14"/>
+                                        </p:tgtEl>
+                                        <p:attrNameLst>
+                                          <p:attrName>style.visibility</p:attrName>
+                                        </p:attrNameLst>
+                                      </p:cBhvr>
+                                      <p:to>
+                                        <p:strVal val="hidden"/>
+                                      </p:to>
+                                    </p:set>
+                                  </p:childTnLst>
+                                </p:cTn>
+                              </p:par>
+                              <p:par>
+                                <p:cTn id="27" presetID="1" presetClass="entr" presetSubtype="0" fill="hold" grpId="0" nodeType="withEffect">
+                                  <p:stCondLst>
+                                    <p:cond delay="0"/>
+                                  </p:stCondLst>
+                                  <p:childTnLst>
+                                    <p:set>
+                                      <p:cBhvr>
+                                        <p:cTn id="28" dur="1" fill="hold">
+                                          <p:stCondLst>
+                                            <p:cond delay="0"/>
+                                          </p:stCondLst>
+                                        </p:cTn>
+                                        <p:tgtEl>
+                                          <p:spTgt spid="15"/>
+                                        </p:tgtEl>
+                                        <p:attrNameLst>
+                                          <p:attrName>style.visibility</p:attrName>
+                                        </p:attrNameLst>
+                                      </p:cBhvr>
+                                      <p:to>
+                                        <p:strVal val="visible"/>
+                                      </p:to>
+                                    </p:set>
+                                  </p:childTnLst>
+                                </p:cTn>
+                              </p:par>
+                            </p:childTnLst>
+                          </p:cTn>
+                        </p:par>
+                      </p:childTnLst>
+                    </p:cTn>
+                  </p:par>
+                  <p:par>
+                    <p:cTn id="29" fill="hold">
+                      <p:stCondLst>
+                        <p:cond delay="indefinite"/>
+                      </p:stCondLst>
+                      <p:childTnLst>
+                        <p:par>
+                          <p:cTn id="30" fill="hold">
+                            <p:stCondLst>
+                              <p:cond delay="0"/>
+                            </p:stCondLst>
+                            <p:childTnLst>
+                              <p:par>
+                                <p:cTn id="31" presetID="1" presetClass="entr" presetSubtype="0" fill="hold" grpId="0" nodeType="clickEffect">
+                                  <p:stCondLst>
+                                    <p:cond delay="0"/>
+                                  </p:stCondLst>
+                                  <p:childTnLst>
+                                    <p:set>
+                                      <p:cBhvr>
+                                        <p:cTn id="32" dur="1" fill="hold">
+                                          <p:stCondLst>
+                                            <p:cond delay="0"/>
+                                          </p:stCondLst>
+                                        </p:cTn>
+                                        <p:tgtEl>
+                                          <p:spTgt spid="10"/>
+                                        </p:tgtEl>
+                                        <p:attrNameLst>
+                                          <p:attrName>style.visibility</p:attrName>
+                                        </p:attrNameLst>
+                                      </p:cBhvr>
+                                      <p:to>
+                                        <p:strVal val="visible"/>
+                                      </p:to>
+                                    </p:set>
+                                  </p:childTnLst>
+                                </p:cTn>
+                              </p:par>
+                              <p:par>
+                                <p:cTn id="33" presetID="1" presetClass="exit" presetSubtype="0" fill="hold" grpId="1" nodeType="withEffect">
+                                  <p:stCondLst>
+                                    <p:cond delay="0"/>
+                                  </p:stCondLst>
+                                  <p:childTnLst>
+                                    <p:set>
+                                      <p:cBhvr>
+                                        <p:cTn id="34" dur="1" fill="hold">
+                                          <p:stCondLst>
+                                            <p:cond delay="0"/>
+                                          </p:stCondLst>
+                                        </p:cTn>
+                                        <p:tgtEl>
                                           <p:spTgt spid="9"/>
                                         </p:tgtEl>
                                         <p:attrNameLst>
@@ -3957,6 +4561,60 @@
                                   </p:childTnLst>
                                 </p:cTn>
                               </p:par>
+                              <p:par>
+                                <p:cTn id="35" presetID="1" presetClass="exit" presetSubtype="0" fill="hold" grpId="1" nodeType="withEffect">
+                                  <p:stCondLst>
+                                    <p:cond delay="0"/>
+                                  </p:stCondLst>
+                                  <p:childTnLst>
+                                    <p:set>
+                                      <p:cBhvr>
+                                        <p:cTn id="36" dur="1" fill="hold">
+                                          <p:stCondLst>
+                                            <p:cond delay="0"/>
+                                          </p:stCondLst>
+                                        </p:cTn>
+                                        <p:tgtEl>
+                                          <p:spTgt spid="15"/>
+                                        </p:tgtEl>
+                                        <p:attrNameLst>
+                                          <p:attrName>style.visibility</p:attrName>
+                                        </p:attrNameLst>
+                                      </p:cBhvr>
+                                      <p:to>
+                                        <p:strVal val="hidden"/>
+                                      </p:to>
+                                    </p:set>
+                                  </p:childTnLst>
+                                </p:cTn>
+                              </p:par>
+                              <p:par>
+                                <p:cTn id="37" presetID="1" presetClass="entr" presetSubtype="0" fill="hold" grpId="0" nodeType="withEffect">
+                                  <p:stCondLst>
+                                    <p:cond delay="0"/>
+                                  </p:stCondLst>
+                                  <p:childTnLst>
+                                    <p:set>
+                                      <p:cBhvr>
+                                        <p:cTn id="38" dur="1" fill="hold">
+                                          <p:stCondLst>
+                                            <p:cond delay="0"/>
+                                          </p:stCondLst>
+                                        </p:cTn>
+                                        <p:tgtEl>
+                                          <p:spTgt spid="16"/>
+                                        </p:tgtEl>
+                                        <p:attrNameLst>
+                                          <p:attrName>style.visibility</p:attrName>
+                                        </p:attrNameLst>
+                                      </p:cBhvr>
+                                      <p:to>
+                                        <p:strVal val="visible"/>
+                                      </p:to>
+                                    </p:set>
+                                  </p:childTnLst>
+                                </p:cTn>
+                              </p:par>
                             </p:childTnLst>
                           </p:cTn>
                         </p:par>
@@ -3964,26 +4622,26 @@
                     </p:cTn>
                   </p:par>
                   <p:par>
-                    <p:cTn id="25" fill="hold">
+                    <p:cTn id="39" fill="hold">
                       <p:stCondLst>
                         <p:cond delay="indefinite"/>
                       </p:stCondLst>
                       <p:childTnLst>
                         <p:par>
-                          <p:cTn id="26" fill="hold">
+                          <p:cTn id="40" fill="hold">
                             <p:stCondLst>
                               <p:cond delay="0"/>
                             </p:stCondLst>
                             <p:childTnLst>
                               <p:par>
-                                <p:cTn id="27" presetID="1" presetClass="entr" presetSubtype="0" fill="hold" grpId="0" nodeType="clickEffect">
+                                <p:cTn id="41" presetID="1" presetClass="entr" presetSubtype="0" fill="hold" grpId="0" nodeType="clickEffect">
                                   <p:stCondLst>
                                     <p:cond delay="0"/>
                                   </p:stCondLst>
                                   <p:childTnLst>
                                     <p:set>
                                       <p:cBhvr>
-                                        <p:cTn id="28" dur="1" fill="hold">
+                                        <p:cTn id="42" dur="1" fill="hold">
                                           <p:stCondLst>
                                             <p:cond delay="0"/>
                                           </p:stCondLst>
@@ -4003,14 +4661,14 @@
                                 </p:cTn>
                               </p:par>
                               <p:par>
-                                <p:cTn id="29" presetID="1" presetClass="exit" presetSubtype="0" fill="hold" grpId="1" nodeType="withEffect">
+                                <p:cTn id="43" presetID="1" presetClass="exit" presetSubtype="0" fill="hold" grpId="1" nodeType="withEffect">
                                   <p:stCondLst>
                                     <p:cond delay="0"/>
                                   </p:stCondLst>
                                   <p:childTnLst>
                                     <p:set>
                                       <p:cBhvr>
-                                        <p:cTn id="30" dur="1" fill="hold">
+                                        <p:cTn id="44" dur="1" fill="hold">
                                           <p:stCondLst>
                                             <p:cond delay="0"/>
                                           </p:stCondLst>
@@ -4029,6 +4687,60 @@
                                   </p:childTnLst>
                                 </p:cTn>
                               </p:par>
+                              <p:par>
+                                <p:cTn id="45" presetID="1" presetClass="exit" presetSubtype="0" fill="hold" grpId="1" nodeType="withEffect">
+                                  <p:stCondLst>
+                                    <p:cond delay="0"/>
+                                  </p:stCondLst>
+                                  <p:childTnLst>
+                                    <p:set>
+                                      <p:cBhvr>
+                                        <p:cTn id="46" dur="1" fill="hold">
+                                          <p:stCondLst>
+                                            <p:cond delay="0"/>
+                                          </p:stCondLst>
+                                        </p:cTn>
+                                        <p:tgtEl>
+                                          <p:spTgt spid="16"/>
+                                        </p:tgtEl>
+                                        <p:attrNameLst>
+                                          <p:attrName>style.visibility</p:attrName>
+                                        </p:attrNameLst>
+                                      </p:cBhvr>
+                                      <p:to>
+                                        <p:strVal val="hidden"/>
+                                      </p:to>
+                                    </p:set>
+                                  </p:childTnLst>
+                                </p:cTn>
+                              </p:par>
+                              <p:par>
+                                <p:cTn id="47" presetID="1" presetClass="entr" presetSubtype="0" fill="hold" grpId="0" nodeType="withEffect">
+                                  <p:stCondLst>
+                                    <p:cond delay="0"/>
+                                  </p:stCondLst>
+                                  <p:childTnLst>
+                                    <p:set>
+                                      <p:cBhvr>
+                                        <p:cTn id="48" dur="1" fill="hold">
+                                          <p:stCondLst>
+                                            <p:cond delay="0"/>
+                                          </p:stCondLst>
+                                        </p:cTn>
+                                        <p:tgtEl>
+                                          <p:spTgt spid="17"/>
+                                        </p:tgtEl>
+                                        <p:attrNameLst>
+                                          <p:attrName>style.visibility</p:attrName>
+                                        </p:attrNameLst>
+                                      </p:cBhvr>
+                                      <p:to>
+                                        <p:strVal val="visible"/>
+                                      </p:to>
+                                    </p:set>
+                                  </p:childTnLst>
+                                </p:cTn>
+                              </p:par>
                             </p:childTnLst>
                           </p:cTn>
                         </p:par>
@@ -4036,26 +4748,26 @@
                     </p:cTn>
                   </p:par>
                   <p:par>
-                    <p:cTn id="31" fill="hold">
+                    <p:cTn id="49" fill="hold">
                       <p:stCondLst>
                         <p:cond delay="indefinite"/>
                       </p:stCondLst>
                       <p:childTnLst>
                         <p:par>
-                          <p:cTn id="32" fill="hold">
+                          <p:cTn id="50" fill="hold">
                             <p:stCondLst>
                               <p:cond delay="0"/>
                             </p:stCondLst>
                             <p:childTnLst>
                               <p:par>
-                                <p:cTn id="33" presetID="1" presetClass="entr" presetSubtype="0" fill="hold" grpId="0" nodeType="clickEffect">
+                                <p:cTn id="51" presetID="1" presetClass="entr" presetSubtype="0" fill="hold" grpId="0" nodeType="clickEffect">
                                   <p:stCondLst>
                                     <p:cond delay="0"/>
                                   </p:stCondLst>
                                   <p:childTnLst>
                                     <p:set>
                                       <p:cBhvr>
-                                        <p:cTn id="34" dur="1" fill="hold">
+                                        <p:cTn id="52" dur="1" fill="hold">
                                           <p:stCondLst>
                                             <p:cond delay="0"/>
                                           </p:stCondLst>
@@ -4075,14 +4787,14 @@
                                 </p:cTn>
                               </p:par>
                               <p:par>
-                                <p:cTn id="35" presetID="1" presetClass="exit" presetSubtype="0" fill="hold" grpId="1" nodeType="withEffect">
+                                <p:cTn id="53" presetID="1" presetClass="exit" presetSubtype="0" fill="hold" grpId="1" nodeType="withEffect">
                                   <p:stCondLst>
                                     <p:cond delay="0"/>
                                   </p:stCondLst>
                                   <p:childTnLst>
                                     <p:set>
                                       <p:cBhvr>
-                                        <p:cTn id="36" dur="1" fill="hold">
+                                        <p:cTn id="54" dur="1" fill="hold">
                                           <p:stCondLst>
                                             <p:cond delay="0"/>
                                           </p:stCondLst>
@@ -4101,6 +4813,60 @@
                                   </p:childTnLst>
                                 </p:cTn>
                               </p:par>
+                              <p:par>
+                                <p:cTn id="55" presetID="1" presetClass="exit" presetSubtype="0" fill="hold" grpId="1" nodeType="withEffect">
+                                  <p:stCondLst>
+                                    <p:cond delay="0"/>
+                                  </p:stCondLst>
+                                  <p:childTnLst>
+                                    <p:set>
+                                      <p:cBhvr>
+                                        <p:cTn id="56" dur="1" fill="hold">
+                                          <p:stCondLst>
+                                            <p:cond delay="0"/>
+                                          </p:stCondLst>
+                                        </p:cTn>
+                                        <p:tgtEl>
+                                          <p:spTgt spid="17"/>
+                                        </p:tgtEl>
+                                        <p:attrNameLst>
+                                          <p:attrName>style.visibility</p:attrName>
+                                        </p:attrNameLst>
+                                      </p:cBhvr>
+                                      <p:to>
+                                        <p:strVal val="hidden"/>
+                                      </p:to>
+                                    </p:set>
+                                  </p:childTnLst>
+                                </p:cTn>
+                              </p:par>
+                              <p:par>
+                                <p:cTn id="57" presetID="1" presetClass="entr" presetSubtype="0" fill="hold" grpId="0" nodeType="withEffect">
+                                  <p:stCondLst>
+                                    <p:cond delay="0"/>
+                                  </p:stCondLst>
+                                  <p:childTnLst>
+                                    <p:set>
+                                      <p:cBhvr>
+                                        <p:cTn id="58" dur="1" fill="hold">
+                                          <p:stCondLst>
+                                            <p:cond delay="0"/>
+                                          </p:stCondLst>
+                                        </p:cTn>
+                                        <p:tgtEl>
+                                          <p:spTgt spid="18"/>
+                                        </p:tgtEl>
+                                        <p:attrNameLst>
+                                          <p:attrName>style.visibility</p:attrName>
+                                        </p:attrNameLst>
+                                      </p:cBhvr>
+                                      <p:to>
+                                        <p:strVal val="visible"/>
+                                      </p:to>
+                                    </p:set>
+                                  </p:childTnLst>
+                                </p:cTn>
+                              </p:par>
                             </p:childTnLst>
                           </p:cTn>
                         </p:par>
@@ -4108,32 +4874,59 @@
                     </p:cTn>
                   </p:par>
                   <p:par>
-                    <p:cTn id="37" fill="hold">
+                    <p:cTn id="59" fill="hold">
                       <p:stCondLst>
                         <p:cond delay="indefinite"/>
                       </p:stCondLst>
                       <p:childTnLst>
                         <p:par>
-                          <p:cTn id="38" fill="hold">
+                          <p:cTn id="60" fill="hold">
                             <p:stCondLst>
                               <p:cond delay="0"/>
                             </p:stCondLst>
                             <p:childTnLst>
                               <p:par>
-                                <p:cTn id="39" presetID="1" presetClass="exit" presetSubtype="0" fill="hold" grpId="1" nodeType="clickEffect">
+                                <p:cTn id="61" presetID="1" presetClass="exit" presetSubtype="0" fill="hold" grpId="1" nodeType="clickEffect">
                                   <p:stCondLst>
                                     <p:cond delay="0"/>
                                   </p:stCondLst>
                                   <p:childTnLst>
                                     <p:set>
                                       <p:cBhvr>
-                                        <p:cTn id="40" dur="1" fill="hold">
+                                        <p:cTn id="62" dur="1" fill="hold">
                                           <p:stCondLst>
                                             <p:cond delay="0"/>
                                           </p:stCondLst>
                                         </p:cTn>
                                         <p:tgtEl>
                                           <p:spTgt spid="11"/>
+                                        </p:tgtEl>
+                                        <p:attrNameLst>
+                                          <p:attrName>style.visibility</p:attrName>
+                                        </p:attrNameLst>
+                                      </p:cBhvr>
+                                      <p:to>
+                                        <p:strVal val="hidden"/>
+                                      </p:to>
+                                    </p:set>
+                                  </p:childTnLst>
+                                </p:cTn>
+                              </p:par>
+                              <p:par>
+                                <p:cTn id="63" presetID="1" presetClass="exit" presetSubtype="0" fill="hold" grpId="1" nodeType="withEffect">
+                                  <p:stCondLst>
+                                    <p:cond delay="0"/>
+                                  </p:stCondLst>
+                                  <p:childTnLst>
+                                    <p:set>
+                                      <p:cBhvr>
+                                        <p:cTn id="64" dur="1" fill="hold">
+                                          <p:stCondLst>
+                                            <p:cond delay="0"/>
+                                          </p:stCondLst>
+                                        </p:cTn>
+                                        <p:tgtEl>
+                                          <p:spTgt spid="18"/>
                                         </p:tgtEl>
                                         <p:attrNameLst>
                                           <p:attrName>style.visibility</p:attrName>
@@ -4186,7 +4979,745 @@
       <p:bldP spid="11" grpId="1" animBg="1"/>
       <p:bldP spid="12" grpId="0" animBg="1"/>
       <p:bldP spid="12" grpId="1" animBg="1"/>
+      <p:bldP spid="13" grpId="0" animBg="1"/>
+      <p:bldP spid="13" grpId="1" animBg="1"/>
+      <p:bldP spid="14" grpId="0" animBg="1"/>
+      <p:bldP spid="14" grpId="1" animBg="1"/>
+      <p:bldP spid="15" grpId="0" animBg="1"/>
+      <p:bldP spid="15" grpId="1" animBg="1"/>
+      <p:bldP spid="16" grpId="0" animBg="1"/>
+      <p:bldP spid="16" grpId="1" animBg="1"/>
+      <p:bldP spid="17" grpId="0" animBg="1"/>
+      <p:bldP spid="17" grpId="1" animBg="1"/>
+      <p:bldP spid="18" grpId="0" animBg="1"/>
+      <p:bldP spid="18" grpId="1" animBg="1"/>
     </p:bldLst>
+  </p:timing>
+</p:sld>
+</file>
+
+<file path=ppt/slides/slide3.xml><?xml version="1.0" encoding="utf-8"?>
+<p:sld xmlns:a="http://schemas.openxmlformats.org/drawingml/2006/main" xmlns:r="http://schemas.openxmlformats.org/officeDocument/2006/relationships" xmlns:p="http://schemas.openxmlformats.org/presentationml/2006/main">
+  <p:cSld>
+    <p:spTree>
+      <p:nvGrpSpPr>
+        <p:cNvPr id="1" name=""/>
+        <p:cNvGrpSpPr/>
+        <p:nvPr/>
+      </p:nvGrpSpPr>
+      <p:grpSpPr>
+        <a:xfrm>
+          <a:off x="0" y="0"/>
+          <a:ext cx="0" cy="0"/>
+          <a:chOff x="0" y="0"/>
+          <a:chExt cx="0" cy="0"/>
+        </a:xfrm>
+      </p:grpSpPr>
+      <p:sp>
+        <p:nvSpPr>
+          <p:cNvPr id="4" name="CaixaDeTexto 3"/>
+          <p:cNvSpPr txBox="1"/>
+          <p:nvPr/>
+        </p:nvSpPr>
+        <p:spPr>
+          <a:xfrm>
+            <a:off x="0" y="-1659"/>
+            <a:ext cx="12191999" cy="584775"/>
+          </a:xfrm>
+          <a:prstGeom prst="rect">
+            <a:avLst/>
+          </a:prstGeom>
+          <a:solidFill>
+            <a:schemeClr val="bg2">
+              <a:lumMod val="90000"/>
+            </a:schemeClr>
+          </a:solidFill>
+        </p:spPr>
+        <p:txBody>
+          <a:bodyPr wrap="square" rtlCol="0">
+            <a:spAutoFit/>
+          </a:bodyPr>
+          <a:lstStyle/>
+          <a:p>
+            <a:pPr algn="ctr"/>
+            <a:r>
+              <a:rPr lang="pt-BR" sz="3200" b="1" dirty="0" smtClean="0">
+                <a:solidFill>
+                  <a:schemeClr val="accent1">
+                    <a:lumMod val="50000"/>
+                  </a:schemeClr>
+                </a:solidFill>
+              </a:rPr>
+              <a:t>AMBIENTE TECNOLÓGICO</a:t>
+            </a:r>
+            <a:endParaRPr lang="pt-BR" sz="3200" dirty="0">
+              <a:solidFill>
+                <a:schemeClr val="accent1">
+                  <a:lumMod val="50000"/>
+                </a:schemeClr>
+              </a:solidFill>
+            </a:endParaRPr>
+          </a:p>
+        </p:txBody>
+      </p:sp>
+      <p:sp>
+        <p:nvSpPr>
+          <p:cNvPr id="19" name="CaixaDeTexto 18"/>
+          <p:cNvSpPr txBox="1"/>
+          <p:nvPr/>
+        </p:nvSpPr>
+        <p:spPr>
+          <a:xfrm>
+            <a:off x="1" y="890272"/>
+            <a:ext cx="6119445" cy="830997"/>
+          </a:xfrm>
+          <a:prstGeom prst="rect">
+            <a:avLst/>
+          </a:prstGeom>
+          <a:noFill/>
+        </p:spPr>
+        <p:txBody>
+          <a:bodyPr wrap="square" rtlCol="0">
+            <a:spAutoFit/>
+          </a:bodyPr>
+          <a:lstStyle/>
+          <a:p>
+            <a:pPr algn="ctr"/>
+            <a:r>
+              <a:rPr lang="pt-BR" sz="2400" b="1" dirty="0" smtClean="0">
+                <a:solidFill>
+                  <a:schemeClr val="accent1">
+                    <a:lumMod val="75000"/>
+                  </a:schemeClr>
+                </a:solidFill>
+              </a:rPr>
+              <a:t>ANÁLISE EXPLORATÓRIA / PREPARAÇÃO DE DADOS / MACHINE LEARNING</a:t>
+            </a:r>
+            <a:endParaRPr lang="pt-BR" sz="2400" dirty="0">
+              <a:solidFill>
+                <a:schemeClr val="accent1">
+                  <a:lumMod val="75000"/>
+                </a:schemeClr>
+              </a:solidFill>
+            </a:endParaRPr>
+          </a:p>
+        </p:txBody>
+      </p:sp>
+      <p:pic>
+        <p:nvPicPr>
+          <p:cNvPr id="2" name="Imagem 1"/>
+          <p:cNvPicPr>
+            <a:picLocks noChangeAspect="1"/>
+          </p:cNvPicPr>
+          <p:nvPr/>
+        </p:nvPicPr>
+        <p:blipFill>
+          <a:blip r:embed="rId2" cstate="print">
+            <a:extLst>
+              <a:ext uri="{28A0092B-C50C-407E-A947-70E740481C1C}">
+                <a14:useLocalDpi xmlns:a14="http://schemas.microsoft.com/office/drawing/2010/main" val="0"/>
+              </a:ext>
+            </a:extLst>
+          </a:blip>
+          <a:stretch>
+            <a:fillRect/>
+          </a:stretch>
+        </p:blipFill>
+        <p:spPr>
+          <a:xfrm>
+            <a:off x="556507" y="2425238"/>
+            <a:ext cx="5060469" cy="2972778"/>
+          </a:xfrm>
+          <a:prstGeom prst="rect">
+            <a:avLst/>
+          </a:prstGeom>
+          <a:ln/>
+        </p:spPr>
+        <p:style>
+          <a:lnRef idx="2">
+            <a:schemeClr val="dk1"/>
+          </a:lnRef>
+          <a:fillRef idx="1">
+            <a:schemeClr val="lt1"/>
+          </a:fillRef>
+          <a:effectRef idx="0">
+            <a:schemeClr val="dk1"/>
+          </a:effectRef>
+          <a:fontRef idx="minor">
+            <a:schemeClr val="dk1"/>
+          </a:fontRef>
+        </p:style>
+      </p:pic>
+      <p:sp>
+        <p:nvSpPr>
+          <p:cNvPr id="20" name="CaixaDeTexto 19"/>
+          <p:cNvSpPr txBox="1"/>
+          <p:nvPr/>
+        </p:nvSpPr>
+        <p:spPr>
+          <a:xfrm>
+            <a:off x="7350368" y="890272"/>
+            <a:ext cx="4038600" cy="830997"/>
+          </a:xfrm>
+          <a:prstGeom prst="rect">
+            <a:avLst/>
+          </a:prstGeom>
+          <a:noFill/>
+        </p:spPr>
+        <p:txBody>
+          <a:bodyPr wrap="square" rtlCol="0">
+            <a:spAutoFit/>
+          </a:bodyPr>
+          <a:lstStyle/>
+          <a:p>
+            <a:pPr algn="ctr"/>
+            <a:r>
+              <a:rPr lang="pt-BR" sz="2400" b="1" dirty="0" smtClean="0">
+                <a:solidFill>
+                  <a:schemeClr val="accent1">
+                    <a:lumMod val="75000"/>
+                  </a:schemeClr>
+                </a:solidFill>
+              </a:rPr>
+              <a:t>APLICAÇÃO WEB DE PRODUÇÃO</a:t>
+            </a:r>
+            <a:endParaRPr lang="pt-BR" sz="2400" dirty="0">
+              <a:solidFill>
+                <a:schemeClr val="accent1">
+                  <a:lumMod val="75000"/>
+                </a:schemeClr>
+              </a:solidFill>
+            </a:endParaRPr>
+          </a:p>
+        </p:txBody>
+      </p:sp>
+      <p:pic>
+        <p:nvPicPr>
+          <p:cNvPr id="7" name="Imagem 6"/>
+          <p:cNvPicPr>
+            <a:picLocks noChangeAspect="1"/>
+          </p:cNvPicPr>
+          <p:nvPr/>
+        </p:nvPicPr>
+        <p:blipFill>
+          <a:blip r:embed="rId3" cstate="print">
+            <a:extLst>
+              <a:ext uri="{28A0092B-C50C-407E-A947-70E740481C1C}">
+                <a14:useLocalDpi xmlns:a14="http://schemas.microsoft.com/office/drawing/2010/main" val="0"/>
+              </a:ext>
+            </a:extLst>
+          </a:blip>
+          <a:stretch>
+            <a:fillRect/>
+          </a:stretch>
+        </p:blipFill>
+        <p:spPr>
+          <a:xfrm>
+            <a:off x="6625566" y="2425239"/>
+            <a:ext cx="5488204" cy="2972777"/>
+          </a:xfrm>
+          <a:prstGeom prst="rect">
+            <a:avLst/>
+          </a:prstGeom>
+        </p:spPr>
+      </p:pic>
+      <p:sp>
+        <p:nvSpPr>
+          <p:cNvPr id="21" name="Retângulo 20"/>
+          <p:cNvSpPr/>
+          <p:nvPr/>
+        </p:nvSpPr>
+        <p:spPr>
+          <a:xfrm>
+            <a:off x="552091" y="2425239"/>
+            <a:ext cx="5072332" cy="2972777"/>
+          </a:xfrm>
+          <a:prstGeom prst="rect">
+            <a:avLst/>
+          </a:prstGeom>
+          <a:noFill/>
+        </p:spPr>
+        <p:style>
+          <a:lnRef idx="2">
+            <a:schemeClr val="accent1">
+              <a:shade val="50000"/>
+            </a:schemeClr>
+          </a:lnRef>
+          <a:fillRef idx="1">
+            <a:schemeClr val="accent1"/>
+          </a:fillRef>
+          <a:effectRef idx="0">
+            <a:schemeClr val="accent1"/>
+          </a:effectRef>
+          <a:fontRef idx="minor">
+            <a:schemeClr val="lt1"/>
+          </a:fontRef>
+        </p:style>
+        <p:txBody>
+          <a:bodyPr rtlCol="0" anchor="ctr"/>
+          <a:lstStyle/>
+          <a:p>
+            <a:pPr algn="ctr"/>
+            <a:endParaRPr lang="pt-BR"/>
+          </a:p>
+        </p:txBody>
+      </p:sp>
+      <p:pic>
+        <p:nvPicPr>
+          <p:cNvPr id="22" name="Imagem 21"/>
+          <p:cNvPicPr>
+            <a:picLocks noChangeAspect="1"/>
+          </p:cNvPicPr>
+          <p:nvPr/>
+        </p:nvPicPr>
+        <p:blipFill>
+          <a:blip r:embed="rId4" cstate="print">
+            <a:extLst>
+              <a:ext uri="{28A0092B-C50C-407E-A947-70E740481C1C}">
+                <a14:useLocalDpi xmlns:a14="http://schemas.microsoft.com/office/drawing/2010/main" val="0"/>
+              </a:ext>
+            </a:extLst>
+          </a:blip>
+          <a:stretch>
+            <a:fillRect/>
+          </a:stretch>
+        </p:blipFill>
+        <p:spPr>
+          <a:xfrm>
+            <a:off x="1863303" y="1871466"/>
+            <a:ext cx="707368" cy="435916"/>
+          </a:xfrm>
+          <a:prstGeom prst="rect">
+            <a:avLst/>
+          </a:prstGeom>
+        </p:spPr>
+      </p:pic>
+      <p:sp>
+        <p:nvSpPr>
+          <p:cNvPr id="23" name="CaixaDeTexto 22"/>
+          <p:cNvSpPr txBox="1"/>
+          <p:nvPr/>
+        </p:nvSpPr>
+        <p:spPr>
+          <a:xfrm>
+            <a:off x="2449901" y="1877669"/>
+            <a:ext cx="1596912" cy="400110"/>
+          </a:xfrm>
+          <a:prstGeom prst="rect">
+            <a:avLst/>
+          </a:prstGeom>
+          <a:noFill/>
+        </p:spPr>
+        <p:txBody>
+          <a:bodyPr wrap="none" rtlCol="0">
+            <a:spAutoFit/>
+          </a:bodyPr>
+          <a:lstStyle/>
+          <a:p>
+            <a:r>
+              <a:rPr lang="pt-BR" sz="2000" b="1" dirty="0" smtClean="0">
+                <a:solidFill>
+                  <a:schemeClr val="accent2"/>
+                </a:solidFill>
+              </a:rPr>
+              <a:t>Google </a:t>
+            </a:r>
+            <a:r>
+              <a:rPr lang="pt-BR" sz="2000" b="1" dirty="0" err="1" smtClean="0">
+                <a:solidFill>
+                  <a:schemeClr val="accent2"/>
+                </a:solidFill>
+              </a:rPr>
+              <a:t>Colab</a:t>
+            </a:r>
+            <a:endParaRPr lang="pt-BR" sz="2000" b="1" dirty="0">
+              <a:solidFill>
+                <a:schemeClr val="accent2"/>
+              </a:solidFill>
+            </a:endParaRPr>
+          </a:p>
+        </p:txBody>
+      </p:sp>
+      <p:pic>
+        <p:nvPicPr>
+          <p:cNvPr id="27" name="Imagem 26"/>
+          <p:cNvPicPr>
+            <a:picLocks noChangeAspect="1"/>
+          </p:cNvPicPr>
+          <p:nvPr/>
+        </p:nvPicPr>
+        <p:blipFill>
+          <a:blip r:embed="rId5" cstate="print">
+            <a:extLst>
+              <a:ext uri="{28A0092B-C50C-407E-A947-70E740481C1C}">
+                <a14:useLocalDpi xmlns:a14="http://schemas.microsoft.com/office/drawing/2010/main" val="0"/>
+              </a:ext>
+            </a:extLst>
+          </a:blip>
+          <a:stretch>
+            <a:fillRect/>
+          </a:stretch>
+        </p:blipFill>
+        <p:spPr>
+          <a:xfrm>
+            <a:off x="8039818" y="1807068"/>
+            <a:ext cx="618169" cy="618169"/>
+          </a:xfrm>
+          <a:prstGeom prst="rect">
+            <a:avLst/>
+          </a:prstGeom>
+        </p:spPr>
+      </p:pic>
+      <p:sp>
+        <p:nvSpPr>
+          <p:cNvPr id="29" name="CaixaDeTexto 28"/>
+          <p:cNvSpPr txBox="1"/>
+          <p:nvPr/>
+        </p:nvSpPr>
+        <p:spPr>
+          <a:xfrm>
+            <a:off x="8571212" y="1916097"/>
+            <a:ext cx="2172390" cy="400110"/>
+          </a:xfrm>
+          <a:prstGeom prst="rect">
+            <a:avLst/>
+          </a:prstGeom>
+          <a:noFill/>
+        </p:spPr>
+        <p:txBody>
+          <a:bodyPr wrap="none" rtlCol="0">
+            <a:spAutoFit/>
+          </a:bodyPr>
+          <a:lstStyle/>
+          <a:p>
+            <a:r>
+              <a:rPr lang="pt-BR" sz="2000" b="1" dirty="0" smtClean="0">
+                <a:solidFill>
+                  <a:schemeClr val="accent1">
+                    <a:lumMod val="75000"/>
+                  </a:schemeClr>
+                </a:solidFill>
+              </a:rPr>
+              <a:t>Visual Studio </a:t>
+            </a:r>
+            <a:r>
+              <a:rPr lang="pt-BR" sz="2000" b="1" dirty="0" err="1" smtClean="0">
+                <a:solidFill>
+                  <a:schemeClr val="accent1">
+                    <a:lumMod val="75000"/>
+                  </a:schemeClr>
+                </a:solidFill>
+              </a:rPr>
+              <a:t>Code</a:t>
+            </a:r>
+            <a:endParaRPr lang="pt-BR" sz="2000" b="1" dirty="0">
+              <a:solidFill>
+                <a:schemeClr val="accent1">
+                  <a:lumMod val="75000"/>
+                </a:schemeClr>
+              </a:solidFill>
+            </a:endParaRPr>
+          </a:p>
+        </p:txBody>
+      </p:sp>
+      <p:pic>
+        <p:nvPicPr>
+          <p:cNvPr id="28" name="Imagem 27"/>
+          <p:cNvPicPr>
+            <a:picLocks noChangeAspect="1"/>
+          </p:cNvPicPr>
+          <p:nvPr/>
+        </p:nvPicPr>
+        <p:blipFill>
+          <a:blip r:embed="rId6">
+            <a:extLst>
+              <a:ext uri="{28A0092B-C50C-407E-A947-70E740481C1C}">
+                <a14:useLocalDpi xmlns:a14="http://schemas.microsoft.com/office/drawing/2010/main" val="0"/>
+              </a:ext>
+            </a:extLst>
+          </a:blip>
+          <a:stretch>
+            <a:fillRect/>
+          </a:stretch>
+        </p:blipFill>
+        <p:spPr>
+          <a:xfrm>
+            <a:off x="1088366" y="5788325"/>
+            <a:ext cx="455724" cy="455724"/>
+          </a:xfrm>
+          <a:prstGeom prst="rect">
+            <a:avLst/>
+          </a:prstGeom>
+        </p:spPr>
+      </p:pic>
+      <p:sp>
+        <p:nvSpPr>
+          <p:cNvPr id="31" name="CaixaDeTexto 30"/>
+          <p:cNvSpPr txBox="1"/>
+          <p:nvPr/>
+        </p:nvSpPr>
+        <p:spPr>
+          <a:xfrm>
+            <a:off x="1462811" y="5816132"/>
+            <a:ext cx="954107" cy="400110"/>
+          </a:xfrm>
+          <a:prstGeom prst="rect">
+            <a:avLst/>
+          </a:prstGeom>
+          <a:noFill/>
+        </p:spPr>
+        <p:txBody>
+          <a:bodyPr wrap="none" rtlCol="0">
+            <a:spAutoFit/>
+          </a:bodyPr>
+          <a:lstStyle/>
+          <a:p>
+            <a:r>
+              <a:rPr lang="pt-BR" sz="2000" b="1" dirty="0" smtClean="0">
+                <a:solidFill>
+                  <a:schemeClr val="accent5">
+                    <a:lumMod val="50000"/>
+                  </a:schemeClr>
+                </a:solidFill>
+              </a:rPr>
+              <a:t>pandas</a:t>
+            </a:r>
+            <a:endParaRPr lang="pt-BR" sz="2000" b="1" dirty="0">
+              <a:solidFill>
+                <a:schemeClr val="accent5">
+                  <a:lumMod val="50000"/>
+                </a:schemeClr>
+              </a:solidFill>
+            </a:endParaRPr>
+          </a:p>
+        </p:txBody>
+      </p:sp>
+      <p:pic>
+        <p:nvPicPr>
+          <p:cNvPr id="30" name="Imagem 29"/>
+          <p:cNvPicPr>
+            <a:picLocks noChangeAspect="1"/>
+          </p:cNvPicPr>
+          <p:nvPr/>
+        </p:nvPicPr>
+        <p:blipFill>
+          <a:blip r:embed="rId7" cstate="print">
+            <a:extLst>
+              <a:ext uri="{28A0092B-C50C-407E-A947-70E740481C1C}">
+                <a14:useLocalDpi xmlns:a14="http://schemas.microsoft.com/office/drawing/2010/main" val="0"/>
+              </a:ext>
+            </a:extLst>
+          </a:blip>
+          <a:stretch>
+            <a:fillRect/>
+          </a:stretch>
+        </p:blipFill>
+        <p:spPr>
+          <a:xfrm>
+            <a:off x="3521355" y="5788325"/>
+            <a:ext cx="597067" cy="400110"/>
+          </a:xfrm>
+          <a:prstGeom prst="rect">
+            <a:avLst/>
+          </a:prstGeom>
+        </p:spPr>
+      </p:pic>
+      <p:pic>
+        <p:nvPicPr>
+          <p:cNvPr id="32" name="Imagem 31"/>
+          <p:cNvPicPr>
+            <a:picLocks noChangeAspect="1"/>
+          </p:cNvPicPr>
+          <p:nvPr/>
+        </p:nvPicPr>
+        <p:blipFill>
+          <a:blip r:embed="rId8" cstate="print">
+            <a:extLst>
+              <a:ext uri="{28A0092B-C50C-407E-A947-70E740481C1C}">
+                <a14:useLocalDpi xmlns:a14="http://schemas.microsoft.com/office/drawing/2010/main" val="0"/>
+              </a:ext>
+            </a:extLst>
+          </a:blip>
+          <a:stretch>
+            <a:fillRect/>
+          </a:stretch>
+        </p:blipFill>
+        <p:spPr>
+          <a:xfrm>
+            <a:off x="7618568" y="5847234"/>
+            <a:ext cx="730334" cy="396815"/>
+          </a:xfrm>
+          <a:prstGeom prst="rect">
+            <a:avLst/>
+          </a:prstGeom>
+        </p:spPr>
+      </p:pic>
+      <p:pic>
+        <p:nvPicPr>
+          <p:cNvPr id="33" name="Imagem 32"/>
+          <p:cNvPicPr>
+            <a:picLocks noChangeAspect="1"/>
+          </p:cNvPicPr>
+          <p:nvPr/>
+        </p:nvPicPr>
+        <p:blipFill>
+          <a:blip r:embed="rId9">
+            <a:extLst>
+              <a:ext uri="{28A0092B-C50C-407E-A947-70E740481C1C}">
+                <a14:useLocalDpi xmlns:a14="http://schemas.microsoft.com/office/drawing/2010/main" val="0"/>
+              </a:ext>
+            </a:extLst>
+          </a:blip>
+          <a:stretch>
+            <a:fillRect/>
+          </a:stretch>
+        </p:blipFill>
+        <p:spPr>
+          <a:xfrm>
+            <a:off x="5318857" y="1565975"/>
+            <a:ext cx="1718524" cy="859262"/>
+          </a:xfrm>
+          <a:prstGeom prst="rect">
+            <a:avLst/>
+          </a:prstGeom>
+        </p:spPr>
+      </p:pic>
+      <p:pic>
+        <p:nvPicPr>
+          <p:cNvPr id="34" name="Imagem 33"/>
+          <p:cNvPicPr>
+            <a:picLocks noChangeAspect="1"/>
+          </p:cNvPicPr>
+          <p:nvPr/>
+        </p:nvPicPr>
+        <p:blipFill>
+          <a:blip r:embed="rId10" cstate="print">
+            <a:extLst>
+              <a:ext uri="{28A0092B-C50C-407E-A947-70E740481C1C}">
+                <a14:useLocalDpi xmlns:a14="http://schemas.microsoft.com/office/drawing/2010/main" val="0"/>
+              </a:ext>
+            </a:extLst>
+          </a:blip>
+          <a:stretch>
+            <a:fillRect/>
+          </a:stretch>
+        </p:blipFill>
+        <p:spPr>
+          <a:xfrm>
+            <a:off x="5002547" y="5816132"/>
+            <a:ext cx="466905" cy="466905"/>
+          </a:xfrm>
+          <a:prstGeom prst="rect">
+            <a:avLst/>
+          </a:prstGeom>
+        </p:spPr>
+      </p:pic>
+      <p:pic>
+        <p:nvPicPr>
+          <p:cNvPr id="36" name="Imagem 35"/>
+          <p:cNvPicPr>
+            <a:picLocks noChangeAspect="1"/>
+          </p:cNvPicPr>
+          <p:nvPr/>
+        </p:nvPicPr>
+        <p:blipFill>
+          <a:blip r:embed="rId11" cstate="print">
+            <a:extLst>
+              <a:ext uri="{28A0092B-C50C-407E-A947-70E740481C1C}">
+                <a14:useLocalDpi xmlns:a14="http://schemas.microsoft.com/office/drawing/2010/main" val="0"/>
+              </a:ext>
+            </a:extLst>
+          </a:blip>
+          <a:stretch>
+            <a:fillRect/>
+          </a:stretch>
+        </p:blipFill>
+        <p:spPr>
+          <a:xfrm>
+            <a:off x="6198526" y="5762033"/>
+            <a:ext cx="636845" cy="679906"/>
+          </a:xfrm>
+          <a:prstGeom prst="rect">
+            <a:avLst/>
+          </a:prstGeom>
+        </p:spPr>
+      </p:pic>
+      <p:pic>
+        <p:nvPicPr>
+          <p:cNvPr id="37" name="Imagem 36"/>
+          <p:cNvPicPr>
+            <a:picLocks noChangeAspect="1"/>
+          </p:cNvPicPr>
+          <p:nvPr/>
+        </p:nvPicPr>
+        <p:blipFill>
+          <a:blip r:embed="rId12" cstate="print">
+            <a:extLst>
+              <a:ext uri="{28A0092B-C50C-407E-A947-70E740481C1C}">
+                <a14:useLocalDpi xmlns:a14="http://schemas.microsoft.com/office/drawing/2010/main" val="0"/>
+              </a:ext>
+            </a:extLst>
+          </a:blip>
+          <a:stretch>
+            <a:fillRect/>
+          </a:stretch>
+        </p:blipFill>
+        <p:spPr>
+          <a:xfrm>
+            <a:off x="2348371" y="5604360"/>
+            <a:ext cx="1361361" cy="326727"/>
+          </a:xfrm>
+          <a:prstGeom prst="rect">
+            <a:avLst/>
+          </a:prstGeom>
+        </p:spPr>
+      </p:pic>
+      <p:pic>
+        <p:nvPicPr>
+          <p:cNvPr id="38" name="Imagem 37"/>
+          <p:cNvPicPr>
+            <a:picLocks noChangeAspect="1"/>
+          </p:cNvPicPr>
+          <p:nvPr/>
+        </p:nvPicPr>
+        <p:blipFill>
+          <a:blip r:embed="rId13" cstate="print">
+            <a:extLst>
+              <a:ext uri="{28A0092B-C50C-407E-A947-70E740481C1C}">
+                <a14:useLocalDpi xmlns:a14="http://schemas.microsoft.com/office/drawing/2010/main" val="0"/>
+              </a:ext>
+            </a:extLst>
+          </a:blip>
+          <a:stretch>
+            <a:fillRect/>
+          </a:stretch>
+        </p:blipFill>
+        <p:spPr>
+          <a:xfrm>
+            <a:off x="8999037" y="5675010"/>
+            <a:ext cx="741261" cy="741261"/>
+          </a:xfrm>
+          <a:prstGeom prst="rect">
+            <a:avLst/>
+          </a:prstGeom>
+        </p:spPr>
+      </p:pic>
+    </p:spTree>
+    <p:extLst>
+      <p:ext uri="{BB962C8B-B14F-4D97-AF65-F5344CB8AC3E}">
+        <p14:creationId xmlns:p14="http://schemas.microsoft.com/office/powerpoint/2010/main" val="4024159248"/>
+      </p:ext>
+    </p:extLst>
+  </p:cSld>
+  <p:clrMapOvr>
+    <a:masterClrMapping/>
+  </p:clrMapOvr>
+  <p:timing>
+    <p:tnLst>
+      <p:par>
+        <p:cTn id="1" dur="indefinite" restart="never" nodeType="tmRoot"/>
+      </p:par>
+    </p:tnLst>
   </p:timing>
 </p:sld>
 </file>

--- a/TCC - Apresentação.pptx
+++ b/TCC - Apresentação.pptx
@@ -8,6 +8,16 @@
     <p:sldId id="256" r:id="rId2"/>
     <p:sldId id="257" r:id="rId3"/>
     <p:sldId id="258" r:id="rId4"/>
+    <p:sldId id="260" r:id="rId5"/>
+    <p:sldId id="261" r:id="rId6"/>
+    <p:sldId id="262" r:id="rId7"/>
+    <p:sldId id="265" r:id="rId8"/>
+    <p:sldId id="264" r:id="rId9"/>
+    <p:sldId id="263" r:id="rId10"/>
+    <p:sldId id="268" r:id="rId11"/>
+    <p:sldId id="269" r:id="rId12"/>
+    <p:sldId id="266" r:id="rId13"/>
+    <p:sldId id="259" r:id="rId14"/>
   </p:sldIdLst>
   <p:sldSz cx="12192000" cy="6858000"/>
   <p:notesSz cx="6858000" cy="9144000"/>
@@ -245,7 +255,7 @@
           <a:p>
             <a:fld id="{7DAFC8E8-7D94-4986-8A35-4FC85E3272BD}" type="datetimeFigureOut">
               <a:rPr lang="pt-BR" smtClean="0"/>
-              <a:t>24/05/2024</a:t>
+              <a:t>25/05/2024</a:t>
             </a:fld>
             <a:endParaRPr lang="pt-BR"/>
           </a:p>
@@ -415,7 +425,7 @@
           <a:p>
             <a:fld id="{7DAFC8E8-7D94-4986-8A35-4FC85E3272BD}" type="datetimeFigureOut">
               <a:rPr lang="pt-BR" smtClean="0"/>
-              <a:t>24/05/2024</a:t>
+              <a:t>25/05/2024</a:t>
             </a:fld>
             <a:endParaRPr lang="pt-BR"/>
           </a:p>
@@ -595,7 +605,7 @@
           <a:p>
             <a:fld id="{7DAFC8E8-7D94-4986-8A35-4FC85E3272BD}" type="datetimeFigureOut">
               <a:rPr lang="pt-BR" smtClean="0"/>
-              <a:t>24/05/2024</a:t>
+              <a:t>25/05/2024</a:t>
             </a:fld>
             <a:endParaRPr lang="pt-BR"/>
           </a:p>
@@ -765,7 +775,7 @@
           <a:p>
             <a:fld id="{7DAFC8E8-7D94-4986-8A35-4FC85E3272BD}" type="datetimeFigureOut">
               <a:rPr lang="pt-BR" smtClean="0"/>
-              <a:t>24/05/2024</a:t>
+              <a:t>25/05/2024</a:t>
             </a:fld>
             <a:endParaRPr lang="pt-BR"/>
           </a:p>
@@ -1011,7 +1021,7 @@
           <a:p>
             <a:fld id="{7DAFC8E8-7D94-4986-8A35-4FC85E3272BD}" type="datetimeFigureOut">
               <a:rPr lang="pt-BR" smtClean="0"/>
-              <a:t>24/05/2024</a:t>
+              <a:t>25/05/2024</a:t>
             </a:fld>
             <a:endParaRPr lang="pt-BR"/>
           </a:p>
@@ -1243,7 +1253,7 @@
           <a:p>
             <a:fld id="{7DAFC8E8-7D94-4986-8A35-4FC85E3272BD}" type="datetimeFigureOut">
               <a:rPr lang="pt-BR" smtClean="0"/>
-              <a:t>24/05/2024</a:t>
+              <a:t>25/05/2024</a:t>
             </a:fld>
             <a:endParaRPr lang="pt-BR"/>
           </a:p>
@@ -1610,7 +1620,7 @@
           <a:p>
             <a:fld id="{7DAFC8E8-7D94-4986-8A35-4FC85E3272BD}" type="datetimeFigureOut">
               <a:rPr lang="pt-BR" smtClean="0"/>
-              <a:t>24/05/2024</a:t>
+              <a:t>25/05/2024</a:t>
             </a:fld>
             <a:endParaRPr lang="pt-BR"/>
           </a:p>
@@ -1728,7 +1738,7 @@
           <a:p>
             <a:fld id="{7DAFC8E8-7D94-4986-8A35-4FC85E3272BD}" type="datetimeFigureOut">
               <a:rPr lang="pt-BR" smtClean="0"/>
-              <a:t>24/05/2024</a:t>
+              <a:t>25/05/2024</a:t>
             </a:fld>
             <a:endParaRPr lang="pt-BR"/>
           </a:p>
@@ -1823,7 +1833,7 @@
           <a:p>
             <a:fld id="{7DAFC8E8-7D94-4986-8A35-4FC85E3272BD}" type="datetimeFigureOut">
               <a:rPr lang="pt-BR" smtClean="0"/>
-              <a:t>24/05/2024</a:t>
+              <a:t>25/05/2024</a:t>
             </a:fld>
             <a:endParaRPr lang="pt-BR"/>
           </a:p>
@@ -2100,7 +2110,7 @@
           <a:p>
             <a:fld id="{7DAFC8E8-7D94-4986-8A35-4FC85E3272BD}" type="datetimeFigureOut">
               <a:rPr lang="pt-BR" smtClean="0"/>
-              <a:t>24/05/2024</a:t>
+              <a:t>25/05/2024</a:t>
             </a:fld>
             <a:endParaRPr lang="pt-BR"/>
           </a:p>
@@ -2353,7 +2363,7 @@
           <a:p>
             <a:fld id="{7DAFC8E8-7D94-4986-8A35-4FC85E3272BD}" type="datetimeFigureOut">
               <a:rPr lang="pt-BR" smtClean="0"/>
-              <a:t>24/05/2024</a:t>
+              <a:t>25/05/2024</a:t>
             </a:fld>
             <a:endParaRPr lang="pt-BR"/>
           </a:p>
@@ -2566,7 +2576,7 @@
           <a:p>
             <a:fld id="{7DAFC8E8-7D94-4986-8A35-4FC85E3272BD}" type="datetimeFigureOut">
               <a:rPr lang="pt-BR" smtClean="0"/>
-              <a:t>24/05/2024</a:t>
+              <a:t>25/05/2024</a:t>
             </a:fld>
             <a:endParaRPr lang="pt-BR"/>
           </a:p>
@@ -3174,6 +3184,1633 @@
 </p:sld>
 </file>
 
+<file path=ppt/slides/slide10.xml><?xml version="1.0" encoding="utf-8"?>
+<p:sld xmlns:a="http://schemas.openxmlformats.org/drawingml/2006/main" xmlns:r="http://schemas.openxmlformats.org/officeDocument/2006/relationships" xmlns:p="http://schemas.openxmlformats.org/presentationml/2006/main">
+  <p:cSld>
+    <p:spTree>
+      <p:nvGrpSpPr>
+        <p:cNvPr id="1" name=""/>
+        <p:cNvGrpSpPr/>
+        <p:nvPr/>
+      </p:nvGrpSpPr>
+      <p:grpSpPr>
+        <a:xfrm>
+          <a:off x="0" y="0"/>
+          <a:ext cx="0" cy="0"/>
+          <a:chOff x="0" y="0"/>
+          <a:chExt cx="0" cy="0"/>
+        </a:xfrm>
+      </p:grpSpPr>
+      <p:sp>
+        <p:nvSpPr>
+          <p:cNvPr id="4" name="CaixaDeTexto 3"/>
+          <p:cNvSpPr txBox="1"/>
+          <p:nvPr/>
+        </p:nvSpPr>
+        <p:spPr>
+          <a:xfrm>
+            <a:off x="0" y="-1659"/>
+            <a:ext cx="12191999" cy="584775"/>
+          </a:xfrm>
+          <a:prstGeom prst="rect">
+            <a:avLst/>
+          </a:prstGeom>
+          <a:solidFill>
+            <a:schemeClr val="bg2">
+              <a:lumMod val="90000"/>
+            </a:schemeClr>
+          </a:solidFill>
+        </p:spPr>
+        <p:txBody>
+          <a:bodyPr wrap="square" rtlCol="0">
+            <a:spAutoFit/>
+          </a:bodyPr>
+          <a:lstStyle/>
+          <a:p>
+            <a:pPr algn="ctr"/>
+            <a:r>
+              <a:rPr lang="pt-BR" sz="3200" b="1" dirty="0" smtClean="0">
+                <a:solidFill>
+                  <a:schemeClr val="accent1">
+                    <a:lumMod val="50000"/>
+                  </a:schemeClr>
+                </a:solidFill>
+              </a:rPr>
+              <a:t>CRIAÇÃO DE MODELOS DE MACHINE LEARNING</a:t>
+            </a:r>
+            <a:endParaRPr lang="pt-BR" sz="3200" dirty="0">
+              <a:solidFill>
+                <a:schemeClr val="accent1">
+                  <a:lumMod val="50000"/>
+                </a:schemeClr>
+              </a:solidFill>
+            </a:endParaRPr>
+          </a:p>
+        </p:txBody>
+      </p:sp>
+      <p:sp>
+        <p:nvSpPr>
+          <p:cNvPr id="23" name="CaixaDeTexto 22"/>
+          <p:cNvSpPr txBox="1"/>
+          <p:nvPr/>
+        </p:nvSpPr>
+        <p:spPr>
+          <a:xfrm>
+            <a:off x="3583445" y="874231"/>
+            <a:ext cx="8608553" cy="1200329"/>
+          </a:xfrm>
+          <a:prstGeom prst="rect">
+            <a:avLst/>
+          </a:prstGeom>
+          <a:noFill/>
+        </p:spPr>
+        <p:txBody>
+          <a:bodyPr wrap="square" rtlCol="0">
+            <a:spAutoFit/>
+          </a:bodyPr>
+          <a:lstStyle/>
+          <a:p>
+            <a:r>
+              <a:rPr lang="pt-BR" sz="2400" b="1" dirty="0" smtClean="0">
+                <a:solidFill>
+                  <a:schemeClr val="accent1">
+                    <a:lumMod val="50000"/>
+                  </a:schemeClr>
+                </a:solidFill>
+              </a:rPr>
+              <a:t>Algoritmos</a:t>
+            </a:r>
+          </a:p>
+          <a:p>
+            <a:r>
+              <a:rPr lang="pt-BR" sz="1600" b="1" dirty="0" smtClean="0">
+                <a:solidFill>
+                  <a:schemeClr val="accent1">
+                    <a:lumMod val="50000"/>
+                  </a:schemeClr>
+                </a:solidFill>
+              </a:rPr>
+              <a:t>Selecionados diversos algoritmos de vários vieses indutivos</a:t>
+            </a:r>
+          </a:p>
+          <a:p>
+            <a:r>
+              <a:rPr lang="pt-BR" sz="1600" b="1" dirty="0" err="1" smtClean="0">
+                <a:solidFill>
+                  <a:schemeClr val="accent1">
+                    <a:lumMod val="50000"/>
+                  </a:schemeClr>
+                </a:solidFill>
+              </a:rPr>
+              <a:t>LinerRegression</a:t>
+            </a:r>
+            <a:r>
+              <a:rPr lang="pt-BR" sz="1600" b="1" dirty="0" smtClean="0">
+                <a:solidFill>
+                  <a:schemeClr val="accent1">
+                    <a:lumMod val="50000"/>
+                  </a:schemeClr>
+                </a:solidFill>
+              </a:rPr>
+              <a:t>, </a:t>
+            </a:r>
+            <a:r>
+              <a:rPr lang="pt-BR" sz="1600" b="1" dirty="0" err="1" smtClean="0">
+                <a:solidFill>
+                  <a:schemeClr val="accent1">
+                    <a:lumMod val="50000"/>
+                  </a:schemeClr>
+                </a:solidFill>
+              </a:rPr>
+              <a:t>Kneighboor</a:t>
+            </a:r>
+            <a:r>
+              <a:rPr lang="pt-BR" sz="1600" b="1" dirty="0" smtClean="0">
+                <a:solidFill>
+                  <a:schemeClr val="accent1">
+                    <a:lumMod val="50000"/>
+                  </a:schemeClr>
+                </a:solidFill>
+              </a:rPr>
+              <a:t>, </a:t>
+            </a:r>
+            <a:r>
+              <a:rPr lang="pt-BR" sz="1600" b="1" dirty="0" err="1" smtClean="0">
+                <a:solidFill>
+                  <a:schemeClr val="accent1">
+                    <a:lumMod val="50000"/>
+                  </a:schemeClr>
+                </a:solidFill>
+              </a:rPr>
+              <a:t>DecisionTree</a:t>
+            </a:r>
+            <a:r>
+              <a:rPr lang="pt-BR" sz="1600" b="1" dirty="0" smtClean="0">
+                <a:solidFill>
+                  <a:schemeClr val="accent1">
+                    <a:lumMod val="50000"/>
+                  </a:schemeClr>
+                </a:solidFill>
+              </a:rPr>
+              <a:t>,  </a:t>
+            </a:r>
+            <a:r>
+              <a:rPr lang="pt-BR" sz="1600" b="1" dirty="0" err="1" smtClean="0">
+                <a:solidFill>
+                  <a:schemeClr val="accent1">
+                    <a:lumMod val="50000"/>
+                  </a:schemeClr>
+                </a:solidFill>
+              </a:rPr>
+              <a:t>RandomForrest</a:t>
+            </a:r>
+            <a:r>
+              <a:rPr lang="pt-BR" sz="1600" b="1" dirty="0" smtClean="0">
+                <a:solidFill>
+                  <a:schemeClr val="accent1">
+                    <a:lumMod val="50000"/>
+                  </a:schemeClr>
+                </a:solidFill>
+              </a:rPr>
+              <a:t>, </a:t>
+            </a:r>
+            <a:r>
+              <a:rPr lang="pt-BR" sz="1600" b="1" dirty="0" err="1" smtClean="0">
+                <a:solidFill>
+                  <a:schemeClr val="accent1">
+                    <a:lumMod val="50000"/>
+                  </a:schemeClr>
+                </a:solidFill>
+              </a:rPr>
+              <a:t>ExtraTrees</a:t>
+            </a:r>
+            <a:r>
+              <a:rPr lang="pt-BR" sz="1600" b="1" dirty="0" smtClean="0">
+                <a:solidFill>
+                  <a:schemeClr val="accent1">
+                    <a:lumMod val="50000"/>
+                  </a:schemeClr>
+                </a:solidFill>
+              </a:rPr>
+              <a:t>, </a:t>
+            </a:r>
+            <a:r>
+              <a:rPr lang="pt-BR" sz="1600" b="1" dirty="0" err="1" smtClean="0">
+                <a:solidFill>
+                  <a:schemeClr val="accent1">
+                    <a:lumMod val="50000"/>
+                  </a:schemeClr>
+                </a:solidFill>
+              </a:rPr>
+              <a:t>Bagging</a:t>
+            </a:r>
+            <a:r>
+              <a:rPr lang="pt-BR" sz="1600" b="1" dirty="0" smtClean="0">
+                <a:solidFill>
+                  <a:schemeClr val="accent1">
+                    <a:lumMod val="50000"/>
+                  </a:schemeClr>
+                </a:solidFill>
+              </a:rPr>
+              <a:t>, </a:t>
+            </a:r>
+            <a:r>
+              <a:rPr lang="pt-BR" sz="1600" b="1" dirty="0" err="1" smtClean="0">
+                <a:solidFill>
+                  <a:schemeClr val="accent1">
+                    <a:lumMod val="50000"/>
+                  </a:schemeClr>
+                </a:solidFill>
+              </a:rPr>
+              <a:t>GradienteBoosting</a:t>
+            </a:r>
+            <a:r>
+              <a:rPr lang="pt-BR" sz="1600" b="1" dirty="0" smtClean="0">
+                <a:solidFill>
+                  <a:schemeClr val="accent1">
+                    <a:lumMod val="50000"/>
+                  </a:schemeClr>
+                </a:solidFill>
+              </a:rPr>
+              <a:t>, SVR, </a:t>
+            </a:r>
+            <a:r>
+              <a:rPr lang="pt-BR" sz="1600" b="1" dirty="0" err="1" smtClean="0">
+                <a:solidFill>
+                  <a:schemeClr val="accent1">
+                    <a:lumMod val="50000"/>
+                  </a:schemeClr>
+                </a:solidFill>
+              </a:rPr>
+              <a:t>GaussianNB</a:t>
+            </a:r>
+            <a:r>
+              <a:rPr lang="pt-BR" sz="1600" b="1" dirty="0" smtClean="0">
+                <a:solidFill>
+                  <a:schemeClr val="accent1">
+                    <a:lumMod val="50000"/>
+                  </a:schemeClr>
+                </a:solidFill>
+              </a:rPr>
+              <a:t>, Redes Neurais</a:t>
+            </a:r>
+            <a:endParaRPr lang="pt-BR" sz="2400" b="1" dirty="0" smtClean="0">
+              <a:solidFill>
+                <a:schemeClr val="accent1">
+                  <a:lumMod val="50000"/>
+                </a:schemeClr>
+              </a:solidFill>
+            </a:endParaRPr>
+          </a:p>
+        </p:txBody>
+      </p:sp>
+      <p:sp>
+        <p:nvSpPr>
+          <p:cNvPr id="14" name="CaixaDeTexto 13"/>
+          <p:cNvSpPr txBox="1"/>
+          <p:nvPr/>
+        </p:nvSpPr>
+        <p:spPr>
+          <a:xfrm>
+            <a:off x="0" y="2524791"/>
+            <a:ext cx="2752344" cy="184666"/>
+          </a:xfrm>
+          <a:prstGeom prst="rect">
+            <a:avLst/>
+          </a:prstGeom>
+          <a:noFill/>
+        </p:spPr>
+        <p:txBody>
+          <a:bodyPr wrap="square" rtlCol="0">
+            <a:spAutoFit/>
+          </a:bodyPr>
+          <a:lstStyle/>
+          <a:p>
+            <a:r>
+              <a:rPr lang="pt-BR" sz="600" dirty="0">
+                <a:hlinkClick r:id="rId2"/>
+              </a:rPr>
+              <a:t>https://blog.cefis.com.br/machine-learning-aprendizado-de-maquina</a:t>
+            </a:r>
+            <a:r>
+              <a:rPr lang="pt-BR" sz="600" dirty="0" smtClean="0">
+                <a:hlinkClick r:id="rId2"/>
+              </a:rPr>
+              <a:t>/</a:t>
+            </a:r>
+            <a:endParaRPr lang="pt-BR" sz="600" dirty="0" smtClean="0"/>
+          </a:p>
+        </p:txBody>
+      </p:sp>
+      <p:sp>
+        <p:nvSpPr>
+          <p:cNvPr id="10" name="CaixaDeTexto 9"/>
+          <p:cNvSpPr txBox="1"/>
+          <p:nvPr/>
+        </p:nvSpPr>
+        <p:spPr>
+          <a:xfrm>
+            <a:off x="3583444" y="2355733"/>
+            <a:ext cx="8608553" cy="954107"/>
+          </a:xfrm>
+          <a:prstGeom prst="rect">
+            <a:avLst/>
+          </a:prstGeom>
+          <a:noFill/>
+        </p:spPr>
+        <p:txBody>
+          <a:bodyPr wrap="square" rtlCol="0">
+            <a:spAutoFit/>
+          </a:bodyPr>
+          <a:lstStyle/>
+          <a:p>
+            <a:r>
+              <a:rPr lang="pt-BR" sz="2400" b="1" dirty="0" smtClean="0">
+                <a:solidFill>
+                  <a:schemeClr val="accent1">
+                    <a:lumMod val="50000"/>
+                  </a:schemeClr>
+                </a:solidFill>
+              </a:rPr>
+              <a:t>Estratégias de Validação</a:t>
+            </a:r>
+          </a:p>
+          <a:p>
+            <a:r>
+              <a:rPr lang="pt-BR" sz="1600" b="1" dirty="0" err="1" smtClean="0">
+                <a:solidFill>
+                  <a:schemeClr val="accent1">
+                    <a:lumMod val="50000"/>
+                  </a:schemeClr>
+                </a:solidFill>
+              </a:rPr>
+              <a:t>CrossValidation</a:t>
+            </a:r>
+            <a:r>
+              <a:rPr lang="pt-BR" sz="1600" b="1" dirty="0" smtClean="0">
+                <a:solidFill>
+                  <a:schemeClr val="accent1">
+                    <a:lumMod val="50000"/>
+                  </a:schemeClr>
+                </a:solidFill>
+              </a:rPr>
+              <a:t>, com </a:t>
+            </a:r>
+            <a:r>
+              <a:rPr lang="pt-BR" sz="1600" b="1" dirty="0" err="1" smtClean="0">
+                <a:solidFill>
+                  <a:schemeClr val="accent1">
+                    <a:lumMod val="50000"/>
+                  </a:schemeClr>
+                </a:solidFill>
+              </a:rPr>
+              <a:t>KFold</a:t>
+            </a:r>
+            <a:r>
+              <a:rPr lang="pt-BR" sz="1600" b="1" dirty="0" smtClean="0">
+                <a:solidFill>
+                  <a:schemeClr val="accent1">
+                    <a:lumMod val="50000"/>
+                  </a:schemeClr>
+                </a:solidFill>
+              </a:rPr>
+              <a:t> Repetido k = 10</a:t>
+            </a:r>
+          </a:p>
+          <a:p>
+            <a:r>
+              <a:rPr lang="pt-BR" sz="1600" b="1" dirty="0" err="1" smtClean="0">
+                <a:solidFill>
+                  <a:schemeClr val="accent1">
+                    <a:lumMod val="50000"/>
+                  </a:schemeClr>
+                </a:solidFill>
+              </a:rPr>
+              <a:t>RandomSearch</a:t>
+            </a:r>
+            <a:r>
+              <a:rPr lang="pt-BR" sz="1600" b="1" dirty="0" smtClean="0">
+                <a:solidFill>
+                  <a:schemeClr val="accent1">
+                    <a:lumMod val="50000"/>
+                  </a:schemeClr>
+                </a:solidFill>
+              </a:rPr>
+              <a:t> e </a:t>
+            </a:r>
+            <a:r>
+              <a:rPr lang="pt-BR" sz="1600" b="1" dirty="0" err="1" smtClean="0">
+                <a:solidFill>
+                  <a:schemeClr val="accent1">
+                    <a:lumMod val="50000"/>
+                  </a:schemeClr>
+                </a:solidFill>
+              </a:rPr>
+              <a:t>GridSearch</a:t>
+            </a:r>
+            <a:endParaRPr lang="pt-BR" sz="2400" b="1" u="sng" dirty="0" smtClean="0">
+              <a:solidFill>
+                <a:schemeClr val="accent1">
+                  <a:lumMod val="50000"/>
+                </a:schemeClr>
+              </a:solidFill>
+            </a:endParaRPr>
+          </a:p>
+        </p:txBody>
+      </p:sp>
+      <p:sp>
+        <p:nvSpPr>
+          <p:cNvPr id="11" name="CaixaDeTexto 10"/>
+          <p:cNvSpPr txBox="1"/>
+          <p:nvPr/>
+        </p:nvSpPr>
+        <p:spPr>
+          <a:xfrm>
+            <a:off x="3583447" y="3687025"/>
+            <a:ext cx="8608553" cy="707886"/>
+          </a:xfrm>
+          <a:prstGeom prst="rect">
+            <a:avLst/>
+          </a:prstGeom>
+          <a:noFill/>
+        </p:spPr>
+        <p:txBody>
+          <a:bodyPr wrap="square" rtlCol="0">
+            <a:spAutoFit/>
+          </a:bodyPr>
+          <a:lstStyle/>
+          <a:p>
+            <a:r>
+              <a:rPr lang="pt-BR" sz="2400" b="1" dirty="0" smtClean="0">
+                <a:solidFill>
+                  <a:schemeClr val="accent1">
+                    <a:lumMod val="50000"/>
+                  </a:schemeClr>
+                </a:solidFill>
+              </a:rPr>
+              <a:t>Métricas</a:t>
+            </a:r>
+          </a:p>
+          <a:p>
+            <a:r>
+              <a:rPr lang="pt-BR" sz="1600" b="1" dirty="0" smtClean="0">
+                <a:solidFill>
+                  <a:schemeClr val="accent1">
+                    <a:lumMod val="50000"/>
+                  </a:schemeClr>
+                </a:solidFill>
+              </a:rPr>
+              <a:t>MSE, RMSE, MAE, R2</a:t>
+            </a:r>
+            <a:endParaRPr lang="pt-BR" sz="2400" b="1" u="sng" dirty="0" smtClean="0">
+              <a:solidFill>
+                <a:schemeClr val="accent1">
+                  <a:lumMod val="50000"/>
+                </a:schemeClr>
+              </a:solidFill>
+            </a:endParaRPr>
+          </a:p>
+        </p:txBody>
+      </p:sp>
+      <p:pic>
+        <p:nvPicPr>
+          <p:cNvPr id="6" name="Imagem 5"/>
+          <p:cNvPicPr>
+            <a:picLocks noChangeAspect="1"/>
+          </p:cNvPicPr>
+          <p:nvPr/>
+        </p:nvPicPr>
+        <p:blipFill>
+          <a:blip r:embed="rId3">
+            <a:extLst>
+              <a:ext uri="{28A0092B-C50C-407E-A947-70E740481C1C}">
+                <a14:useLocalDpi xmlns:a14="http://schemas.microsoft.com/office/drawing/2010/main" val="0"/>
+              </a:ext>
+            </a:extLst>
+          </a:blip>
+          <a:stretch>
+            <a:fillRect/>
+          </a:stretch>
+        </p:blipFill>
+        <p:spPr>
+          <a:xfrm>
+            <a:off x="89727" y="729060"/>
+            <a:ext cx="3183826" cy="1838978"/>
+          </a:xfrm>
+          <a:prstGeom prst="rect">
+            <a:avLst/>
+          </a:prstGeom>
+        </p:spPr>
+      </p:pic>
+      <p:pic>
+        <p:nvPicPr>
+          <p:cNvPr id="8" name="Imagem 7"/>
+          <p:cNvPicPr>
+            <a:picLocks noChangeAspect="1"/>
+          </p:cNvPicPr>
+          <p:nvPr/>
+        </p:nvPicPr>
+        <p:blipFill>
+          <a:blip r:embed="rId4">
+            <a:extLst>
+              <a:ext uri="{28A0092B-C50C-407E-A947-70E740481C1C}">
+                <a14:useLocalDpi xmlns:a14="http://schemas.microsoft.com/office/drawing/2010/main" val="0"/>
+              </a:ext>
+            </a:extLst>
+          </a:blip>
+          <a:stretch>
+            <a:fillRect/>
+          </a:stretch>
+        </p:blipFill>
+        <p:spPr>
+          <a:xfrm>
+            <a:off x="253201" y="4826052"/>
+            <a:ext cx="5065777" cy="1913076"/>
+          </a:xfrm>
+          <a:prstGeom prst="rect">
+            <a:avLst/>
+          </a:prstGeom>
+        </p:spPr>
+      </p:pic>
+      <p:pic>
+        <p:nvPicPr>
+          <p:cNvPr id="16" name="Imagem 15"/>
+          <p:cNvPicPr>
+            <a:picLocks noChangeAspect="1"/>
+          </p:cNvPicPr>
+          <p:nvPr/>
+        </p:nvPicPr>
+        <p:blipFill>
+          <a:blip r:embed="rId5">
+            <a:extLst>
+              <a:ext uri="{28A0092B-C50C-407E-A947-70E740481C1C}">
+                <a14:useLocalDpi xmlns:a14="http://schemas.microsoft.com/office/drawing/2010/main" val="0"/>
+              </a:ext>
+            </a:extLst>
+          </a:blip>
+          <a:stretch>
+            <a:fillRect/>
+          </a:stretch>
+        </p:blipFill>
+        <p:spPr>
+          <a:xfrm>
+            <a:off x="6318503" y="4569832"/>
+            <a:ext cx="5518023" cy="2049377"/>
+          </a:xfrm>
+          <a:prstGeom prst="rect">
+            <a:avLst/>
+          </a:prstGeom>
+        </p:spPr>
+      </p:pic>
+      <p:sp>
+        <p:nvSpPr>
+          <p:cNvPr id="18" name="CaixaDeTexto 17"/>
+          <p:cNvSpPr txBox="1"/>
+          <p:nvPr/>
+        </p:nvSpPr>
+        <p:spPr>
+          <a:xfrm>
+            <a:off x="7075553" y="6551766"/>
+            <a:ext cx="3279645" cy="276999"/>
+          </a:xfrm>
+          <a:prstGeom prst="rect">
+            <a:avLst/>
+          </a:prstGeom>
+          <a:noFill/>
+        </p:spPr>
+        <p:txBody>
+          <a:bodyPr wrap="square" rtlCol="0">
+            <a:spAutoFit/>
+          </a:bodyPr>
+          <a:lstStyle/>
+          <a:p>
+            <a:r>
+              <a:rPr lang="pt-BR" sz="600" dirty="0">
+                <a:hlinkClick r:id="rId6"/>
+              </a:rPr>
+              <a:t>https://</a:t>
+            </a:r>
+            <a:r>
+              <a:rPr lang="pt-BR" sz="600" dirty="0" smtClean="0">
+                <a:hlinkClick r:id="rId6"/>
+              </a:rPr>
+              <a:t>www.numpyninja.com/post/hyper-parameter-tuning-using-grid-search-and-random-search</a:t>
+            </a:r>
+            <a:endParaRPr lang="pt-BR" sz="600" dirty="0" smtClean="0"/>
+          </a:p>
+          <a:p>
+            <a:endParaRPr lang="pt-BR" sz="600" dirty="0" smtClean="0"/>
+          </a:p>
+        </p:txBody>
+      </p:sp>
+      <p:sp>
+        <p:nvSpPr>
+          <p:cNvPr id="19" name="CaixaDeTexto 18"/>
+          <p:cNvSpPr txBox="1"/>
+          <p:nvPr/>
+        </p:nvSpPr>
+        <p:spPr>
+          <a:xfrm>
+            <a:off x="381000" y="6434542"/>
+            <a:ext cx="2752344" cy="215444"/>
+          </a:xfrm>
+          <a:prstGeom prst="rect">
+            <a:avLst/>
+          </a:prstGeom>
+          <a:noFill/>
+        </p:spPr>
+        <p:txBody>
+          <a:bodyPr wrap="square" rtlCol="0">
+            <a:spAutoFit/>
+          </a:bodyPr>
+          <a:lstStyle/>
+          <a:p>
+            <a:r>
+              <a:rPr lang="pt-BR" sz="800" b="1" dirty="0"/>
+              <a:t>[23. Farias, Thiago] </a:t>
+            </a:r>
+            <a:endParaRPr lang="pt-BR" sz="600" dirty="0" smtClean="0"/>
+          </a:p>
+        </p:txBody>
+      </p:sp>
+    </p:spTree>
+    <p:extLst>
+      <p:ext uri="{BB962C8B-B14F-4D97-AF65-F5344CB8AC3E}">
+        <p14:creationId xmlns:p14="http://schemas.microsoft.com/office/powerpoint/2010/main" val="3710744045"/>
+      </p:ext>
+    </p:extLst>
+  </p:cSld>
+  <p:clrMapOvr>
+    <a:masterClrMapping/>
+  </p:clrMapOvr>
+  <p:timing>
+    <p:tnLst>
+      <p:par>
+        <p:cTn id="1" dur="indefinite" restart="never" nodeType="tmRoot"/>
+      </p:par>
+    </p:tnLst>
+  </p:timing>
+</p:sld>
+</file>
+
+<file path=ppt/slides/slide11.xml><?xml version="1.0" encoding="utf-8"?>
+<p:sld xmlns:a="http://schemas.openxmlformats.org/drawingml/2006/main" xmlns:r="http://schemas.openxmlformats.org/officeDocument/2006/relationships" xmlns:p="http://schemas.openxmlformats.org/presentationml/2006/main">
+  <p:cSld>
+    <p:spTree>
+      <p:nvGrpSpPr>
+        <p:cNvPr id="1" name=""/>
+        <p:cNvGrpSpPr/>
+        <p:nvPr/>
+      </p:nvGrpSpPr>
+      <p:grpSpPr>
+        <a:xfrm>
+          <a:off x="0" y="0"/>
+          <a:ext cx="0" cy="0"/>
+          <a:chOff x="0" y="0"/>
+          <a:chExt cx="0" cy="0"/>
+        </a:xfrm>
+      </p:grpSpPr>
+      <p:sp>
+        <p:nvSpPr>
+          <p:cNvPr id="4" name="CaixaDeTexto 3"/>
+          <p:cNvSpPr txBox="1"/>
+          <p:nvPr/>
+        </p:nvSpPr>
+        <p:spPr>
+          <a:xfrm>
+            <a:off x="0" y="-1659"/>
+            <a:ext cx="12191999" cy="584775"/>
+          </a:xfrm>
+          <a:prstGeom prst="rect">
+            <a:avLst/>
+          </a:prstGeom>
+          <a:solidFill>
+            <a:schemeClr val="bg2">
+              <a:lumMod val="90000"/>
+            </a:schemeClr>
+          </a:solidFill>
+        </p:spPr>
+        <p:txBody>
+          <a:bodyPr wrap="square" rtlCol="0">
+            <a:spAutoFit/>
+          </a:bodyPr>
+          <a:lstStyle/>
+          <a:p>
+            <a:pPr algn="ctr"/>
+            <a:r>
+              <a:rPr lang="pt-BR" sz="3200" b="1" dirty="0" smtClean="0">
+                <a:solidFill>
+                  <a:schemeClr val="accent1">
+                    <a:lumMod val="50000"/>
+                  </a:schemeClr>
+                </a:solidFill>
+              </a:rPr>
+              <a:t>CRIAÇÃO DE MODELOS DE MACHINE LEARNING</a:t>
+            </a:r>
+            <a:endParaRPr lang="pt-BR" sz="3200" dirty="0">
+              <a:solidFill>
+                <a:schemeClr val="accent1">
+                  <a:lumMod val="50000"/>
+                </a:schemeClr>
+              </a:solidFill>
+            </a:endParaRPr>
+          </a:p>
+        </p:txBody>
+      </p:sp>
+      <p:sp>
+        <p:nvSpPr>
+          <p:cNvPr id="23" name="CaixaDeTexto 22"/>
+          <p:cNvSpPr txBox="1"/>
+          <p:nvPr/>
+        </p:nvSpPr>
+        <p:spPr>
+          <a:xfrm>
+            <a:off x="154445" y="700962"/>
+            <a:ext cx="8608553" cy="461665"/>
+          </a:xfrm>
+          <a:prstGeom prst="rect">
+            <a:avLst/>
+          </a:prstGeom>
+          <a:noFill/>
+        </p:spPr>
+        <p:txBody>
+          <a:bodyPr wrap="square" rtlCol="0">
+            <a:spAutoFit/>
+          </a:bodyPr>
+          <a:lstStyle/>
+          <a:p>
+            <a:r>
+              <a:rPr lang="pt-BR" sz="2400" b="1" dirty="0" smtClean="0">
+                <a:solidFill>
+                  <a:schemeClr val="accent1">
+                    <a:lumMod val="50000"/>
+                  </a:schemeClr>
+                </a:solidFill>
+              </a:rPr>
+              <a:t>Execução dos Testes de Modelos</a:t>
+            </a:r>
+          </a:p>
+        </p:txBody>
+      </p:sp>
+      <p:pic>
+        <p:nvPicPr>
+          <p:cNvPr id="9" name="Imagem 8"/>
+          <p:cNvPicPr>
+            <a:picLocks noChangeAspect="1"/>
+          </p:cNvPicPr>
+          <p:nvPr/>
+        </p:nvPicPr>
+        <p:blipFill>
+          <a:blip r:embed="rId2" cstate="print">
+            <a:extLst>
+              <a:ext uri="{28A0092B-C50C-407E-A947-70E740481C1C}">
+                <a14:useLocalDpi xmlns:a14="http://schemas.microsoft.com/office/drawing/2010/main" val="0"/>
+              </a:ext>
+            </a:extLst>
+          </a:blip>
+          <a:stretch>
+            <a:fillRect/>
+          </a:stretch>
+        </p:blipFill>
+        <p:spPr>
+          <a:xfrm>
+            <a:off x="154445" y="1280472"/>
+            <a:ext cx="4787947" cy="2121095"/>
+          </a:xfrm>
+          <a:prstGeom prst="rect">
+            <a:avLst/>
+          </a:prstGeom>
+        </p:spPr>
+      </p:pic>
+      <p:pic>
+        <p:nvPicPr>
+          <p:cNvPr id="15" name="Imagem 14"/>
+          <p:cNvPicPr>
+            <a:picLocks noChangeAspect="1"/>
+          </p:cNvPicPr>
+          <p:nvPr/>
+        </p:nvPicPr>
+        <p:blipFill>
+          <a:blip r:embed="rId3">
+            <a:extLst>
+              <a:ext uri="{28A0092B-C50C-407E-A947-70E740481C1C}">
+                <a14:useLocalDpi xmlns:a14="http://schemas.microsoft.com/office/drawing/2010/main" val="0"/>
+              </a:ext>
+            </a:extLst>
+          </a:blip>
+          <a:stretch>
+            <a:fillRect/>
+          </a:stretch>
+        </p:blipFill>
+        <p:spPr>
+          <a:xfrm>
+            <a:off x="154445" y="3466941"/>
+            <a:ext cx="11699064" cy="2664281"/>
+          </a:xfrm>
+          <a:prstGeom prst="rect">
+            <a:avLst/>
+          </a:prstGeom>
+        </p:spPr>
+      </p:pic>
+      <p:pic>
+        <p:nvPicPr>
+          <p:cNvPr id="2" name="Imagem 1"/>
+          <p:cNvPicPr>
+            <a:picLocks noChangeAspect="1"/>
+          </p:cNvPicPr>
+          <p:nvPr/>
+        </p:nvPicPr>
+        <p:blipFill>
+          <a:blip r:embed="rId4" cstate="print">
+            <a:extLst>
+              <a:ext uri="{28A0092B-C50C-407E-A947-70E740481C1C}">
+                <a14:useLocalDpi xmlns:a14="http://schemas.microsoft.com/office/drawing/2010/main" val="0"/>
+              </a:ext>
+            </a:extLst>
+          </a:blip>
+          <a:stretch>
+            <a:fillRect/>
+          </a:stretch>
+        </p:blipFill>
+        <p:spPr>
+          <a:xfrm>
+            <a:off x="5093207" y="801767"/>
+            <a:ext cx="6760301" cy="2599799"/>
+          </a:xfrm>
+          <a:prstGeom prst="rect">
+            <a:avLst/>
+          </a:prstGeom>
+        </p:spPr>
+      </p:pic>
+    </p:spTree>
+    <p:extLst>
+      <p:ext uri="{BB962C8B-B14F-4D97-AF65-F5344CB8AC3E}">
+        <p14:creationId xmlns:p14="http://schemas.microsoft.com/office/powerpoint/2010/main" val="2137677787"/>
+      </p:ext>
+    </p:extLst>
+  </p:cSld>
+  <p:clrMapOvr>
+    <a:masterClrMapping/>
+  </p:clrMapOvr>
+  <p:timing>
+    <p:tnLst>
+      <p:par>
+        <p:cTn id="1" dur="indefinite" restart="never" nodeType="tmRoot"/>
+      </p:par>
+    </p:tnLst>
+  </p:timing>
+</p:sld>
+</file>
+
+<file path=ppt/slides/slide12.xml><?xml version="1.0" encoding="utf-8"?>
+<p:sld xmlns:a="http://schemas.openxmlformats.org/drawingml/2006/main" xmlns:r="http://schemas.openxmlformats.org/officeDocument/2006/relationships" xmlns:p="http://schemas.openxmlformats.org/presentationml/2006/main">
+  <p:cSld>
+    <p:spTree>
+      <p:nvGrpSpPr>
+        <p:cNvPr id="1" name=""/>
+        <p:cNvGrpSpPr/>
+        <p:nvPr/>
+      </p:nvGrpSpPr>
+      <p:grpSpPr>
+        <a:xfrm>
+          <a:off x="0" y="0"/>
+          <a:ext cx="0" cy="0"/>
+          <a:chOff x="0" y="0"/>
+          <a:chExt cx="0" cy="0"/>
+        </a:xfrm>
+      </p:grpSpPr>
+      <p:sp>
+        <p:nvSpPr>
+          <p:cNvPr id="4" name="CaixaDeTexto 3"/>
+          <p:cNvSpPr txBox="1"/>
+          <p:nvPr/>
+        </p:nvSpPr>
+        <p:spPr>
+          <a:xfrm>
+            <a:off x="0" y="-1659"/>
+            <a:ext cx="12191999" cy="584775"/>
+          </a:xfrm>
+          <a:prstGeom prst="rect">
+            <a:avLst/>
+          </a:prstGeom>
+          <a:solidFill>
+            <a:schemeClr val="bg2">
+              <a:lumMod val="90000"/>
+            </a:schemeClr>
+          </a:solidFill>
+        </p:spPr>
+        <p:txBody>
+          <a:bodyPr wrap="square" rtlCol="0">
+            <a:spAutoFit/>
+          </a:bodyPr>
+          <a:lstStyle/>
+          <a:p>
+            <a:pPr algn="ctr"/>
+            <a:r>
+              <a:rPr lang="pt-BR" sz="3200" b="1" dirty="0" smtClean="0">
+                <a:solidFill>
+                  <a:schemeClr val="accent1">
+                    <a:lumMod val="50000"/>
+                  </a:schemeClr>
+                </a:solidFill>
+              </a:rPr>
+              <a:t>APRESENTAÇÃO DOS RESULTADOS</a:t>
+            </a:r>
+            <a:endParaRPr lang="pt-BR" sz="3200" dirty="0">
+              <a:solidFill>
+                <a:schemeClr val="accent1">
+                  <a:lumMod val="50000"/>
+                </a:schemeClr>
+              </a:solidFill>
+            </a:endParaRPr>
+          </a:p>
+        </p:txBody>
+      </p:sp>
+      <p:sp>
+        <p:nvSpPr>
+          <p:cNvPr id="23" name="CaixaDeTexto 22"/>
+          <p:cNvSpPr txBox="1"/>
+          <p:nvPr/>
+        </p:nvSpPr>
+        <p:spPr>
+          <a:xfrm>
+            <a:off x="3583445" y="1130263"/>
+            <a:ext cx="8608553" cy="954107"/>
+          </a:xfrm>
+          <a:prstGeom prst="rect">
+            <a:avLst/>
+          </a:prstGeom>
+          <a:noFill/>
+        </p:spPr>
+        <p:txBody>
+          <a:bodyPr wrap="square" rtlCol="0">
+            <a:spAutoFit/>
+          </a:bodyPr>
+          <a:lstStyle/>
+          <a:p>
+            <a:r>
+              <a:rPr lang="pt-BR" sz="2400" b="1" dirty="0" smtClean="0">
+                <a:solidFill>
+                  <a:schemeClr val="accent1">
+                    <a:lumMod val="50000"/>
+                  </a:schemeClr>
+                </a:solidFill>
+              </a:rPr>
+              <a:t>Engenharia de Atributos (</a:t>
+            </a:r>
+            <a:r>
+              <a:rPr lang="pt-BR" sz="2400" b="1" dirty="0" err="1" smtClean="0">
+                <a:solidFill>
+                  <a:schemeClr val="accent1">
+                    <a:lumMod val="50000"/>
+                  </a:schemeClr>
+                </a:solidFill>
+              </a:rPr>
+              <a:t>Feature</a:t>
+            </a:r>
+            <a:r>
+              <a:rPr lang="pt-BR" sz="2400" b="1" dirty="0" smtClean="0">
+                <a:solidFill>
+                  <a:schemeClr val="accent1">
+                    <a:lumMod val="50000"/>
+                  </a:schemeClr>
+                </a:solidFill>
+              </a:rPr>
+              <a:t> </a:t>
+            </a:r>
+            <a:r>
+              <a:rPr lang="pt-BR" sz="2400" b="1" dirty="0" err="1" smtClean="0">
+                <a:solidFill>
+                  <a:schemeClr val="accent1">
+                    <a:lumMod val="50000"/>
+                  </a:schemeClr>
+                </a:solidFill>
+              </a:rPr>
+              <a:t>Engineering</a:t>
+            </a:r>
+            <a:r>
+              <a:rPr lang="pt-BR" sz="2400" b="1" dirty="0" smtClean="0">
+                <a:solidFill>
+                  <a:schemeClr val="accent1">
+                    <a:lumMod val="50000"/>
+                  </a:schemeClr>
+                </a:solidFill>
+              </a:rPr>
+              <a:t>)</a:t>
+            </a:r>
+          </a:p>
+          <a:p>
+            <a:r>
+              <a:rPr lang="pt-BR" sz="1600" b="1" dirty="0" smtClean="0">
+                <a:solidFill>
+                  <a:schemeClr val="accent1">
+                    <a:lumMod val="50000"/>
+                  </a:schemeClr>
+                </a:solidFill>
+              </a:rPr>
+              <a:t>Criados os atributos </a:t>
+            </a:r>
+            <a:r>
+              <a:rPr lang="pt-BR" sz="1600" b="1" u="sng" dirty="0" err="1" smtClean="0">
+                <a:solidFill>
+                  <a:schemeClr val="accent1">
+                    <a:lumMod val="50000"/>
+                  </a:schemeClr>
+                </a:solidFill>
+              </a:rPr>
+              <a:t>dia_semana</a:t>
+            </a:r>
+            <a:r>
+              <a:rPr lang="pt-BR" sz="1600" b="1" dirty="0" smtClean="0">
+                <a:solidFill>
+                  <a:schemeClr val="accent1">
+                    <a:lumMod val="50000"/>
+                  </a:schemeClr>
+                </a:solidFill>
+              </a:rPr>
+              <a:t> e </a:t>
+            </a:r>
+            <a:r>
+              <a:rPr lang="pt-BR" sz="1600" b="1" u="sng" dirty="0" smtClean="0">
+                <a:solidFill>
+                  <a:schemeClr val="accent1">
+                    <a:lumMod val="50000"/>
+                  </a:schemeClr>
+                </a:solidFill>
+              </a:rPr>
+              <a:t>trimestre</a:t>
+            </a:r>
+            <a:r>
+              <a:rPr lang="pt-BR" sz="1600" b="1" dirty="0" smtClean="0">
+                <a:solidFill>
+                  <a:schemeClr val="accent1">
+                    <a:lumMod val="50000"/>
+                  </a:schemeClr>
+                </a:solidFill>
+              </a:rPr>
+              <a:t>, a partir do atributo </a:t>
+            </a:r>
+            <a:r>
+              <a:rPr lang="pt-BR" sz="1600" b="1" u="sng" dirty="0" smtClean="0">
+                <a:solidFill>
+                  <a:schemeClr val="accent1">
+                    <a:lumMod val="50000"/>
+                  </a:schemeClr>
+                </a:solidFill>
+              </a:rPr>
+              <a:t>data</a:t>
+            </a:r>
+          </a:p>
+          <a:p>
+            <a:r>
+              <a:rPr lang="pt-BR" sz="1600" b="1" dirty="0" smtClean="0">
+                <a:solidFill>
+                  <a:schemeClr val="accent1">
+                    <a:lumMod val="50000"/>
+                  </a:schemeClr>
+                </a:solidFill>
+              </a:rPr>
+              <a:t>Criados os atributos de pontuação recente dos clubes,  a partir dos atributos de gols</a:t>
+            </a:r>
+            <a:endParaRPr lang="pt-BR" sz="2400" b="1" dirty="0" smtClean="0">
+              <a:solidFill>
+                <a:schemeClr val="accent1">
+                  <a:lumMod val="50000"/>
+                </a:schemeClr>
+              </a:solidFill>
+            </a:endParaRPr>
+          </a:p>
+        </p:txBody>
+      </p:sp>
+      <p:sp>
+        <p:nvSpPr>
+          <p:cNvPr id="14" name="CaixaDeTexto 13"/>
+          <p:cNvSpPr txBox="1"/>
+          <p:nvPr/>
+        </p:nvSpPr>
+        <p:spPr>
+          <a:xfrm>
+            <a:off x="0" y="2524791"/>
+            <a:ext cx="2542031" cy="276999"/>
+          </a:xfrm>
+          <a:prstGeom prst="rect">
+            <a:avLst/>
+          </a:prstGeom>
+          <a:noFill/>
+        </p:spPr>
+        <p:txBody>
+          <a:bodyPr wrap="square" rtlCol="0">
+            <a:spAutoFit/>
+          </a:bodyPr>
+          <a:lstStyle/>
+          <a:p>
+            <a:r>
+              <a:rPr lang="pt-BR" sz="600" dirty="0">
+                <a:hlinkClick r:id="rId2"/>
+              </a:rPr>
+              <a:t>https://</a:t>
+            </a:r>
+            <a:r>
+              <a:rPr lang="pt-BR" sz="600" dirty="0" smtClean="0">
+                <a:hlinkClick r:id="rId2"/>
+              </a:rPr>
+              <a:t>pt.linkedin.com/pulse/s%C3%A9rie-analytics-cap%C3%ADtulo-iii-prepara%C3%A7%C3%A3o-dos-dados-marcelo-fernandes</a:t>
+            </a:r>
+            <a:endParaRPr lang="pt-BR" sz="600" dirty="0" smtClean="0"/>
+          </a:p>
+        </p:txBody>
+      </p:sp>
+      <p:pic>
+        <p:nvPicPr>
+          <p:cNvPr id="2" name="Imagem 1"/>
+          <p:cNvPicPr>
+            <a:picLocks noChangeAspect="1"/>
+          </p:cNvPicPr>
+          <p:nvPr/>
+        </p:nvPicPr>
+        <p:blipFill>
+          <a:blip r:embed="rId3">
+            <a:extLst>
+              <a:ext uri="{28A0092B-C50C-407E-A947-70E740481C1C}">
+                <a14:useLocalDpi xmlns:a14="http://schemas.microsoft.com/office/drawing/2010/main" val="0"/>
+              </a:ext>
+            </a:extLst>
+          </a:blip>
+          <a:stretch>
+            <a:fillRect/>
+          </a:stretch>
+        </p:blipFill>
+        <p:spPr>
+          <a:xfrm>
+            <a:off x="69402" y="688602"/>
+            <a:ext cx="3204150" cy="1836189"/>
+          </a:xfrm>
+          <a:prstGeom prst="rect">
+            <a:avLst/>
+          </a:prstGeom>
+        </p:spPr>
+      </p:pic>
+      <p:sp>
+        <p:nvSpPr>
+          <p:cNvPr id="10" name="CaixaDeTexto 9"/>
+          <p:cNvSpPr txBox="1"/>
+          <p:nvPr/>
+        </p:nvSpPr>
+        <p:spPr>
+          <a:xfrm>
+            <a:off x="3583444" y="2611765"/>
+            <a:ext cx="8608553" cy="954107"/>
+          </a:xfrm>
+          <a:prstGeom prst="rect">
+            <a:avLst/>
+          </a:prstGeom>
+          <a:noFill/>
+        </p:spPr>
+        <p:txBody>
+          <a:bodyPr wrap="square" rtlCol="0">
+            <a:spAutoFit/>
+          </a:bodyPr>
+          <a:lstStyle/>
+          <a:p>
+            <a:r>
+              <a:rPr lang="pt-BR" sz="2400" b="1" dirty="0" smtClean="0">
+                <a:solidFill>
+                  <a:schemeClr val="accent1">
+                    <a:lumMod val="50000"/>
+                  </a:schemeClr>
+                </a:solidFill>
+              </a:rPr>
+              <a:t>Categorização de Variáveis Numéricas</a:t>
+            </a:r>
+          </a:p>
+          <a:p>
+            <a:r>
+              <a:rPr lang="pt-BR" sz="1600" b="1" dirty="0" smtClean="0">
+                <a:solidFill>
+                  <a:schemeClr val="accent1">
+                    <a:lumMod val="50000"/>
+                  </a:schemeClr>
+                </a:solidFill>
+              </a:rPr>
+              <a:t>Atributos de valor de equipe foram categorizados por faixa de valor, nas categorias [</a:t>
+            </a:r>
+            <a:r>
+              <a:rPr lang="pt-BR" sz="1600" b="1" dirty="0" err="1" smtClean="0">
+                <a:solidFill>
+                  <a:schemeClr val="accent1">
+                    <a:lumMod val="50000"/>
+                  </a:schemeClr>
+                </a:solidFill>
+              </a:rPr>
+              <a:t>muito_baixo</a:t>
+            </a:r>
+            <a:r>
+              <a:rPr lang="pt-BR" sz="1600" b="1" dirty="0" smtClean="0">
+                <a:solidFill>
+                  <a:schemeClr val="accent1">
+                    <a:lumMod val="50000"/>
+                  </a:schemeClr>
+                </a:solidFill>
+              </a:rPr>
+              <a:t>, baixo, médio, alto, </a:t>
+            </a:r>
+            <a:r>
+              <a:rPr lang="pt-BR" sz="1600" b="1" dirty="0" err="1" smtClean="0">
+                <a:solidFill>
+                  <a:schemeClr val="accent1">
+                    <a:lumMod val="50000"/>
+                  </a:schemeClr>
+                </a:solidFill>
+              </a:rPr>
+              <a:t>muito_alto</a:t>
+            </a:r>
+            <a:r>
+              <a:rPr lang="pt-BR" sz="1600" b="1" dirty="0" smtClean="0">
+                <a:solidFill>
+                  <a:schemeClr val="accent1">
+                    <a:lumMod val="50000"/>
+                  </a:schemeClr>
+                </a:solidFill>
+              </a:rPr>
+              <a:t>], criando as variáveis de grau de investimento</a:t>
+            </a:r>
+            <a:endParaRPr lang="pt-BR" sz="2400" b="1" u="sng" dirty="0" smtClean="0">
+              <a:solidFill>
+                <a:schemeClr val="accent1">
+                  <a:lumMod val="50000"/>
+                </a:schemeClr>
+              </a:solidFill>
+            </a:endParaRPr>
+          </a:p>
+        </p:txBody>
+      </p:sp>
+      <p:sp>
+        <p:nvSpPr>
+          <p:cNvPr id="11" name="CaixaDeTexto 10"/>
+          <p:cNvSpPr txBox="1"/>
+          <p:nvPr/>
+        </p:nvSpPr>
+        <p:spPr>
+          <a:xfrm>
+            <a:off x="3583447" y="3943057"/>
+            <a:ext cx="8608553" cy="707886"/>
+          </a:xfrm>
+          <a:prstGeom prst="rect">
+            <a:avLst/>
+          </a:prstGeom>
+          <a:noFill/>
+        </p:spPr>
+        <p:txBody>
+          <a:bodyPr wrap="square" rtlCol="0">
+            <a:spAutoFit/>
+          </a:bodyPr>
+          <a:lstStyle/>
+          <a:p>
+            <a:r>
+              <a:rPr lang="pt-BR" sz="2400" b="1" dirty="0" smtClean="0">
+                <a:solidFill>
+                  <a:schemeClr val="accent1">
+                    <a:lumMod val="50000"/>
+                  </a:schemeClr>
+                </a:solidFill>
+              </a:rPr>
+              <a:t>Transformações de Valores Numéricos</a:t>
+            </a:r>
+          </a:p>
+          <a:p>
+            <a:r>
+              <a:rPr lang="pt-BR" sz="1600" b="1" dirty="0" smtClean="0">
+                <a:solidFill>
+                  <a:schemeClr val="accent1">
+                    <a:lumMod val="50000"/>
+                  </a:schemeClr>
+                </a:solidFill>
+              </a:rPr>
+              <a:t>Foi aplicada a normalização por escala nos atributos numéricos</a:t>
+            </a:r>
+            <a:endParaRPr lang="pt-BR" sz="2400" b="1" u="sng" dirty="0" smtClean="0">
+              <a:solidFill>
+                <a:schemeClr val="accent1">
+                  <a:lumMod val="50000"/>
+                </a:schemeClr>
+              </a:solidFill>
+            </a:endParaRPr>
+          </a:p>
+        </p:txBody>
+      </p:sp>
+      <p:sp>
+        <p:nvSpPr>
+          <p:cNvPr id="12" name="CaixaDeTexto 11"/>
+          <p:cNvSpPr txBox="1"/>
+          <p:nvPr/>
+        </p:nvSpPr>
+        <p:spPr>
+          <a:xfrm>
+            <a:off x="3583447" y="5117467"/>
+            <a:ext cx="8608553" cy="954107"/>
+          </a:xfrm>
+          <a:prstGeom prst="rect">
+            <a:avLst/>
+          </a:prstGeom>
+          <a:noFill/>
+        </p:spPr>
+        <p:txBody>
+          <a:bodyPr wrap="square" rtlCol="0">
+            <a:spAutoFit/>
+          </a:bodyPr>
+          <a:lstStyle/>
+          <a:p>
+            <a:r>
+              <a:rPr lang="pt-BR" sz="2400" b="1" dirty="0" smtClean="0">
+                <a:solidFill>
+                  <a:schemeClr val="accent1">
+                    <a:lumMod val="50000"/>
+                  </a:schemeClr>
+                </a:solidFill>
+              </a:rPr>
+              <a:t>Codificação de Variáveis Categóricas</a:t>
+            </a:r>
+          </a:p>
+          <a:p>
+            <a:r>
+              <a:rPr lang="pt-BR" sz="1600" b="1" dirty="0" smtClean="0">
+                <a:solidFill>
+                  <a:schemeClr val="accent1">
+                    <a:lumMod val="50000"/>
+                  </a:schemeClr>
+                </a:solidFill>
+              </a:rPr>
+              <a:t>Aplicado o </a:t>
+            </a:r>
+            <a:r>
+              <a:rPr lang="pt-BR" sz="1600" b="1" i="1" dirty="0" err="1" smtClean="0">
+                <a:solidFill>
+                  <a:schemeClr val="accent1">
+                    <a:lumMod val="50000"/>
+                  </a:schemeClr>
+                </a:solidFill>
+              </a:rPr>
+              <a:t>Label</a:t>
+            </a:r>
+            <a:r>
+              <a:rPr lang="pt-BR" sz="1600" b="1" i="1" dirty="0" smtClean="0">
+                <a:solidFill>
+                  <a:schemeClr val="accent1">
+                    <a:lumMod val="50000"/>
+                  </a:schemeClr>
+                </a:solidFill>
+              </a:rPr>
+              <a:t> </a:t>
+            </a:r>
+            <a:r>
+              <a:rPr lang="pt-BR" sz="1600" b="1" i="1" dirty="0" err="1" smtClean="0">
+                <a:solidFill>
+                  <a:schemeClr val="accent1">
+                    <a:lumMod val="50000"/>
+                  </a:schemeClr>
+                </a:solidFill>
+              </a:rPr>
+              <a:t>Encoding</a:t>
+            </a:r>
+            <a:r>
+              <a:rPr lang="pt-BR" sz="1600" b="1" i="1" dirty="0" smtClean="0">
+                <a:solidFill>
+                  <a:schemeClr val="accent1">
+                    <a:lumMod val="50000"/>
+                  </a:schemeClr>
+                </a:solidFill>
+              </a:rPr>
+              <a:t> </a:t>
+            </a:r>
+            <a:r>
+              <a:rPr lang="pt-BR" sz="1600" b="1" dirty="0" smtClean="0">
+                <a:solidFill>
+                  <a:schemeClr val="accent1">
+                    <a:lumMod val="50000"/>
+                  </a:schemeClr>
+                </a:solidFill>
+              </a:rPr>
+              <a:t>para as variáveis de grau de investimento</a:t>
+            </a:r>
+          </a:p>
+          <a:p>
+            <a:r>
+              <a:rPr lang="pt-BR" sz="1600" b="1" dirty="0" smtClean="0">
+                <a:solidFill>
+                  <a:schemeClr val="accent1">
+                    <a:lumMod val="50000"/>
+                  </a:schemeClr>
+                </a:solidFill>
+              </a:rPr>
+              <a:t>Aplicado o </a:t>
+            </a:r>
+            <a:r>
+              <a:rPr lang="pt-BR" sz="1600" b="1" i="1" dirty="0" err="1" smtClean="0">
+                <a:solidFill>
+                  <a:schemeClr val="accent1">
+                    <a:lumMod val="50000"/>
+                  </a:schemeClr>
+                </a:solidFill>
+              </a:rPr>
+              <a:t>Dummy</a:t>
+            </a:r>
+            <a:r>
+              <a:rPr lang="pt-BR" sz="1600" b="1" i="1" dirty="0" smtClean="0">
+                <a:solidFill>
+                  <a:schemeClr val="accent1">
+                    <a:lumMod val="50000"/>
+                  </a:schemeClr>
+                </a:solidFill>
+              </a:rPr>
+              <a:t> </a:t>
+            </a:r>
+            <a:r>
+              <a:rPr lang="pt-BR" sz="1600" b="1" i="1" dirty="0" err="1" smtClean="0">
+                <a:solidFill>
+                  <a:schemeClr val="accent1">
+                    <a:lumMod val="50000"/>
+                  </a:schemeClr>
+                </a:solidFill>
+              </a:rPr>
+              <a:t>Encoding</a:t>
+            </a:r>
+            <a:r>
+              <a:rPr lang="pt-BR" sz="1600" b="1" i="1" dirty="0" smtClean="0">
+                <a:solidFill>
+                  <a:schemeClr val="accent1">
+                    <a:lumMod val="50000"/>
+                  </a:schemeClr>
+                </a:solidFill>
+              </a:rPr>
+              <a:t> </a:t>
+            </a:r>
+            <a:r>
+              <a:rPr lang="pt-BR" sz="1600" b="1" dirty="0" smtClean="0">
+                <a:solidFill>
+                  <a:schemeClr val="accent1">
+                    <a:lumMod val="50000"/>
+                  </a:schemeClr>
+                </a:solidFill>
+              </a:rPr>
+              <a:t>para as demais variáveis categóricas</a:t>
+            </a:r>
+            <a:endParaRPr lang="pt-BR" sz="2400" b="1" dirty="0" smtClean="0">
+              <a:solidFill>
+                <a:schemeClr val="accent1">
+                  <a:lumMod val="50000"/>
+                </a:schemeClr>
+              </a:solidFill>
+            </a:endParaRPr>
+          </a:p>
+        </p:txBody>
+      </p:sp>
+      <p:pic>
+        <p:nvPicPr>
+          <p:cNvPr id="5" name="Imagem 4"/>
+          <p:cNvPicPr>
+            <a:picLocks noChangeAspect="1"/>
+          </p:cNvPicPr>
+          <p:nvPr/>
+        </p:nvPicPr>
+        <p:blipFill>
+          <a:blip r:embed="rId4">
+            <a:extLst>
+              <a:ext uri="{28A0092B-C50C-407E-A947-70E740481C1C}">
+                <a14:useLocalDpi xmlns:a14="http://schemas.microsoft.com/office/drawing/2010/main" val="0"/>
+              </a:ext>
+            </a:extLst>
+          </a:blip>
+          <a:stretch>
+            <a:fillRect/>
+          </a:stretch>
+        </p:blipFill>
+        <p:spPr>
+          <a:xfrm>
+            <a:off x="1325881" y="5098358"/>
+            <a:ext cx="1947672" cy="1524085"/>
+          </a:xfrm>
+          <a:prstGeom prst="rect">
+            <a:avLst/>
+          </a:prstGeom>
+        </p:spPr>
+      </p:pic>
+      <p:pic>
+        <p:nvPicPr>
+          <p:cNvPr id="7" name="Imagem 6"/>
+          <p:cNvPicPr>
+            <a:picLocks noChangeAspect="1"/>
+          </p:cNvPicPr>
+          <p:nvPr/>
+        </p:nvPicPr>
+        <p:blipFill>
+          <a:blip r:embed="rId5" cstate="print">
+            <a:extLst>
+              <a:ext uri="{28A0092B-C50C-407E-A947-70E740481C1C}">
+                <a14:useLocalDpi xmlns:a14="http://schemas.microsoft.com/office/drawing/2010/main" val="0"/>
+              </a:ext>
+            </a:extLst>
+          </a:blip>
+          <a:stretch>
+            <a:fillRect/>
+          </a:stretch>
+        </p:blipFill>
+        <p:spPr>
+          <a:xfrm>
+            <a:off x="69403" y="3690949"/>
+            <a:ext cx="3514042" cy="1459720"/>
+          </a:xfrm>
+          <a:prstGeom prst="rect">
+            <a:avLst/>
+          </a:prstGeom>
+        </p:spPr>
+      </p:pic>
+    </p:spTree>
+    <p:extLst>
+      <p:ext uri="{BB962C8B-B14F-4D97-AF65-F5344CB8AC3E}">
+        <p14:creationId xmlns:p14="http://schemas.microsoft.com/office/powerpoint/2010/main" val="2131319724"/>
+      </p:ext>
+    </p:extLst>
+  </p:cSld>
+  <p:clrMapOvr>
+    <a:masterClrMapping/>
+  </p:clrMapOvr>
+  <p:timing>
+    <p:tnLst>
+      <p:par>
+        <p:cTn id="1" dur="indefinite" restart="never" nodeType="tmRoot"/>
+      </p:par>
+    </p:tnLst>
+  </p:timing>
+</p:sld>
+</file>
+
+<file path=ppt/slides/slide13.xml><?xml version="1.0" encoding="utf-8"?>
+<p:sld xmlns:a="http://schemas.openxmlformats.org/drawingml/2006/main" xmlns:r="http://schemas.openxmlformats.org/officeDocument/2006/relationships" xmlns:p="http://schemas.openxmlformats.org/presentationml/2006/main">
+  <p:cSld>
+    <p:spTree>
+      <p:nvGrpSpPr>
+        <p:cNvPr id="1" name=""/>
+        <p:cNvGrpSpPr/>
+        <p:nvPr/>
+      </p:nvGrpSpPr>
+      <p:grpSpPr>
+        <a:xfrm>
+          <a:off x="0" y="0"/>
+          <a:ext cx="0" cy="0"/>
+          <a:chOff x="0" y="0"/>
+          <a:chExt cx="0" cy="0"/>
+        </a:xfrm>
+      </p:grpSpPr>
+      <p:pic>
+        <p:nvPicPr>
+          <p:cNvPr id="2" name="Imagem 1"/>
+          <p:cNvPicPr>
+            <a:picLocks noChangeAspect="1"/>
+          </p:cNvPicPr>
+          <p:nvPr/>
+        </p:nvPicPr>
+        <p:blipFill>
+          <a:blip r:embed="rId2" cstate="print">
+            <a:extLst>
+              <a:ext uri="{28A0092B-C50C-407E-A947-70E740481C1C}">
+                <a14:useLocalDpi xmlns:a14="http://schemas.microsoft.com/office/drawing/2010/main" val="0"/>
+              </a:ext>
+            </a:extLst>
+          </a:blip>
+          <a:stretch>
+            <a:fillRect/>
+          </a:stretch>
+        </p:blipFill>
+        <p:spPr>
+          <a:xfrm>
+            <a:off x="621102" y="97829"/>
+            <a:ext cx="10998678" cy="6692086"/>
+          </a:xfrm>
+          <a:prstGeom prst="rect">
+            <a:avLst/>
+          </a:prstGeom>
+        </p:spPr>
+      </p:pic>
+    </p:spTree>
+    <p:extLst>
+      <p:ext uri="{BB962C8B-B14F-4D97-AF65-F5344CB8AC3E}">
+        <p14:creationId xmlns:p14="http://schemas.microsoft.com/office/powerpoint/2010/main" val="3753929582"/>
+      </p:ext>
+    </p:extLst>
+  </p:cSld>
+  <p:clrMapOvr>
+    <a:masterClrMapping/>
+  </p:clrMapOvr>
+  <p:timing>
+    <p:tnLst>
+      <p:par>
+        <p:cTn id="1" dur="indefinite" restart="never" nodeType="tmRoot"/>
+      </p:par>
+    </p:tnLst>
+  </p:timing>
+</p:sld>
+</file>
+
 <file path=ppt/slides/slide2.xml><?xml version="1.0" encoding="utf-8"?>
 <p:sld xmlns:a="http://schemas.openxmlformats.org/drawingml/2006/main" xmlns:r="http://schemas.openxmlformats.org/officeDocument/2006/relationships" xmlns:p="http://schemas.openxmlformats.org/presentationml/2006/main">
   <p:cSld>
@@ -3248,11 +4885,7 @@
             </a:pPr>
             <a:r>
               <a:rPr lang="pt-BR" sz="2400" b="1" dirty="0" smtClean="0"/>
-              <a:t>Análise </a:t>
-            </a:r>
-            <a:r>
-              <a:rPr lang="pt-BR" sz="2400" b="1" dirty="0" smtClean="0"/>
-              <a:t>Exploratória dos Dados</a:t>
+              <a:t>Análise Exploratória dos Dados</a:t>
             </a:r>
           </a:p>
           <a:p>
@@ -3267,11 +4900,7 @@
             </a:pPr>
             <a:r>
               <a:rPr lang="pt-BR" sz="2400" b="1" dirty="0" smtClean="0"/>
-              <a:t>Preparação dos </a:t>
-            </a:r>
-            <a:r>
-              <a:rPr lang="pt-BR" sz="2400" b="1" dirty="0" smtClean="0"/>
-              <a:t>Dados</a:t>
+              <a:t>Preparação dos Dados</a:t>
             </a:r>
           </a:p>
           <a:p>
@@ -3286,15 +4915,7 @@
             </a:pPr>
             <a:r>
               <a:rPr lang="pt-BR" sz="2400" b="1" dirty="0" smtClean="0"/>
-              <a:t>Criação de </a:t>
-            </a:r>
-            <a:r>
-              <a:rPr lang="pt-BR" sz="2400" b="1" dirty="0" smtClean="0"/>
-              <a:t>Modelos </a:t>
-            </a:r>
-            <a:r>
-              <a:rPr lang="pt-BR" sz="2400" b="1" dirty="0" smtClean="0"/>
-              <a:t>de </a:t>
+              <a:t>Criação de Modelos de </a:t>
             </a:r>
             <a:r>
               <a:rPr lang="pt-BR" sz="2400" b="1" dirty="0" err="1" smtClean="0"/>
@@ -3479,7 +5100,6 @@
               <a:rPr lang="pt-BR" dirty="0"/>
               <a:t>MODELO CRISP-DM</a:t>
             </a:r>
-            <a:endParaRPr lang="pt-BR" dirty="0"/>
           </a:p>
         </p:txBody>
       </p:sp>
@@ -5126,7 +6746,7 @@
         <p:spPr>
           <a:xfrm>
             <a:off x="556507" y="2425238"/>
-            <a:ext cx="5060469" cy="2972778"/>
+            <a:ext cx="4722859" cy="2774449"/>
           </a:xfrm>
           <a:prstGeom prst="rect">
             <a:avLst/>
@@ -5213,8 +6833,8 @@
         </p:blipFill>
         <p:spPr>
           <a:xfrm>
-            <a:off x="6625566" y="2425239"/>
-            <a:ext cx="5488204" cy="2972777"/>
+            <a:off x="6849850" y="2425239"/>
+            <a:ext cx="5114985" cy="2770617"/>
           </a:xfrm>
           <a:prstGeom prst="rect">
             <a:avLst/>
@@ -5229,8 +6849,8 @@
         </p:nvSpPr>
         <p:spPr>
           <a:xfrm>
-            <a:off x="552091" y="2425239"/>
-            <a:ext cx="5072332" cy="2972777"/>
+            <a:off x="552091" y="2425240"/>
+            <a:ext cx="4727275" cy="2774448"/>
           </a:xfrm>
           <a:prstGeom prst="rect">
             <a:avLst/>
@@ -5284,60 +6904,14 @@
         </p:blipFill>
         <p:spPr>
           <a:xfrm>
-            <a:off x="1863303" y="1871466"/>
-            <a:ext cx="707368" cy="435916"/>
+            <a:off x="2094974" y="1807068"/>
+            <a:ext cx="951095" cy="586113"/>
           </a:xfrm>
           <a:prstGeom prst="rect">
             <a:avLst/>
           </a:prstGeom>
         </p:spPr>
       </p:pic>
-      <p:sp>
-        <p:nvSpPr>
-          <p:cNvPr id="23" name="CaixaDeTexto 22"/>
-          <p:cNvSpPr txBox="1"/>
-          <p:nvPr/>
-        </p:nvSpPr>
-        <p:spPr>
-          <a:xfrm>
-            <a:off x="2449901" y="1877669"/>
-            <a:ext cx="1596912" cy="400110"/>
-          </a:xfrm>
-          <a:prstGeom prst="rect">
-            <a:avLst/>
-          </a:prstGeom>
-          <a:noFill/>
-        </p:spPr>
-        <p:txBody>
-          <a:bodyPr wrap="none" rtlCol="0">
-            <a:spAutoFit/>
-          </a:bodyPr>
-          <a:lstStyle/>
-          <a:p>
-            <a:r>
-              <a:rPr lang="pt-BR" sz="2000" b="1" dirty="0" smtClean="0">
-                <a:solidFill>
-                  <a:schemeClr val="accent2"/>
-                </a:solidFill>
-              </a:rPr>
-              <a:t>Google </a:t>
-            </a:r>
-            <a:r>
-              <a:rPr lang="pt-BR" sz="2000" b="1" dirty="0" err="1" smtClean="0">
-                <a:solidFill>
-                  <a:schemeClr val="accent2"/>
-                </a:solidFill>
-              </a:rPr>
-              <a:t>Colab</a:t>
-            </a:r>
-            <a:endParaRPr lang="pt-BR" sz="2000" b="1" dirty="0">
-              <a:solidFill>
-                <a:schemeClr val="accent2"/>
-              </a:solidFill>
-            </a:endParaRPr>
-          </a:p>
-        </p:txBody>
-      </p:sp>
       <p:pic>
         <p:nvPicPr>
           <p:cNvPr id="27" name="Imagem 26"/>
@@ -5360,8 +6934,8 @@
         </p:blipFill>
         <p:spPr>
           <a:xfrm>
-            <a:off x="8039818" y="1807068"/>
-            <a:ext cx="618169" cy="618169"/>
+            <a:off x="8124502" y="1667468"/>
+            <a:ext cx="757769" cy="757769"/>
           </a:xfrm>
           <a:prstGeom prst="rect">
             <a:avLst/>
@@ -5376,8 +6950,8 @@
         </p:nvSpPr>
         <p:spPr>
           <a:xfrm>
-            <a:off x="8571212" y="1916097"/>
-            <a:ext cx="2172390" cy="400110"/>
+            <a:off x="8778243" y="1859148"/>
+            <a:ext cx="1774845" cy="338554"/>
           </a:xfrm>
           <a:prstGeom prst="rect">
             <a:avLst/>
@@ -5391,7 +6965,7 @@
           <a:lstStyle/>
           <a:p>
             <a:r>
-              <a:rPr lang="pt-BR" sz="2000" b="1" dirty="0" smtClean="0">
+              <a:rPr lang="pt-BR" sz="1600" b="1" dirty="0" smtClean="0">
                 <a:solidFill>
                   <a:schemeClr val="accent1">
                     <a:lumMod val="75000"/>
@@ -5401,7 +6975,7 @@
               <a:t>Visual Studio </a:t>
             </a:r>
             <a:r>
-              <a:rPr lang="pt-BR" sz="2000" b="1" dirty="0" err="1" smtClean="0">
+              <a:rPr lang="pt-BR" sz="1600" b="1" dirty="0" err="1" smtClean="0">
                 <a:solidFill>
                   <a:schemeClr val="accent1">
                     <a:lumMod val="75000"/>
@@ -5410,7 +6984,7 @@
               </a:rPr>
               <a:t>Code</a:t>
             </a:r>
-            <a:endParaRPr lang="pt-BR" sz="2000" b="1" dirty="0">
+            <a:endParaRPr lang="pt-BR" sz="1600" b="1" dirty="0">
               <a:solidFill>
                 <a:schemeClr val="accent1">
                   <a:lumMod val="75000"/>
@@ -5442,7 +7016,7 @@
         </p:blipFill>
         <p:spPr>
           <a:xfrm>
-            <a:off x="1088366" y="5788325"/>
+            <a:off x="1354419" y="5834125"/>
             <a:ext cx="455724" cy="455724"/>
           </a:xfrm>
           <a:prstGeom prst="rect">
@@ -5458,8 +7032,8 @@
         </p:nvSpPr>
         <p:spPr>
           <a:xfrm>
-            <a:off x="1462811" y="5816132"/>
-            <a:ext cx="954107" cy="400110"/>
+            <a:off x="1140745" y="6165038"/>
+            <a:ext cx="873957" cy="369332"/>
           </a:xfrm>
           <a:prstGeom prst="rect">
             <a:avLst/>
@@ -5473,7 +7047,7 @@
           <a:lstStyle/>
           <a:p>
             <a:r>
-              <a:rPr lang="pt-BR" sz="2000" b="1" dirty="0" smtClean="0">
+              <a:rPr lang="pt-BR" b="1" dirty="0" smtClean="0">
                 <a:solidFill>
                   <a:schemeClr val="accent5">
                     <a:lumMod val="50000"/>
@@ -5482,7 +7056,7 @@
               </a:rPr>
               <a:t>pandas</a:t>
             </a:r>
-            <a:endParaRPr lang="pt-BR" sz="2000" b="1" dirty="0">
+            <a:endParaRPr lang="pt-BR" b="1" dirty="0">
               <a:solidFill>
                 <a:schemeClr val="accent5">
                   <a:lumMod val="50000"/>
@@ -5494,14 +7068,14 @@
       </p:sp>
       <p:pic>
         <p:nvPicPr>
-          <p:cNvPr id="30" name="Imagem 29"/>
+          <p:cNvPr id="33" name="Imagem 32"/>
           <p:cNvPicPr>
             <a:picLocks noChangeAspect="1"/>
           </p:cNvPicPr>
           <p:nvPr/>
         </p:nvPicPr>
         <p:blipFill>
-          <a:blip r:embed="rId7" cstate="print">
+          <a:blip r:embed="rId7">
             <a:extLst>
               <a:ext uri="{28A0092B-C50C-407E-A947-70E740481C1C}">
                 <a14:useLocalDpi xmlns:a14="http://schemas.microsoft.com/office/drawing/2010/main" val="0"/>
@@ -5514,8 +7088,8 @@
         </p:blipFill>
         <p:spPr>
           <a:xfrm>
-            <a:off x="3521355" y="5788325"/>
-            <a:ext cx="597067" cy="400110"/>
+            <a:off x="4895885" y="3099115"/>
+            <a:ext cx="2337447" cy="1168724"/>
           </a:xfrm>
           <a:prstGeom prst="rect">
             <a:avLst/>
@@ -5524,7 +7098,7 @@
       </p:pic>
       <p:pic>
         <p:nvPicPr>
-          <p:cNvPr id="32" name="Imagem 31"/>
+          <p:cNvPr id="37" name="Imagem 36"/>
           <p:cNvPicPr>
             <a:picLocks noChangeAspect="1"/>
           </p:cNvPicPr>
@@ -5544,8 +7118,8 @@
         </p:blipFill>
         <p:spPr>
           <a:xfrm>
-            <a:off x="7618568" y="5847234"/>
-            <a:ext cx="730334" cy="396815"/>
+            <a:off x="4734638" y="6029514"/>
+            <a:ext cx="1361361" cy="326727"/>
           </a:xfrm>
           <a:prstGeom prst="rect">
             <a:avLst/>
@@ -5554,14 +7128,14 @@
       </p:pic>
       <p:pic>
         <p:nvPicPr>
-          <p:cNvPr id="33" name="Imagem 32"/>
+          <p:cNvPr id="3" name="Imagem 2"/>
           <p:cNvPicPr>
             <a:picLocks noChangeAspect="1"/>
           </p:cNvPicPr>
           <p:nvPr/>
         </p:nvPicPr>
         <p:blipFill>
-          <a:blip r:embed="rId9">
+          <a:blip r:embed="rId9" cstate="print">
             <a:extLst>
               <a:ext uri="{28A0092B-C50C-407E-A947-70E740481C1C}">
                 <a14:useLocalDpi xmlns:a14="http://schemas.microsoft.com/office/drawing/2010/main" val="0"/>
@@ -5574,8 +7148,8 @@
         </p:blipFill>
         <p:spPr>
           <a:xfrm>
-            <a:off x="5318857" y="1565975"/>
-            <a:ext cx="1718524" cy="859262"/>
+            <a:off x="3605537" y="5742515"/>
+            <a:ext cx="932328" cy="932328"/>
           </a:xfrm>
           <a:prstGeom prst="rect">
             <a:avLst/>
@@ -5584,7 +7158,7 @@
       </p:pic>
       <p:pic>
         <p:nvPicPr>
-          <p:cNvPr id="34" name="Imagem 33"/>
+          <p:cNvPr id="11" name="Imagem 10"/>
           <p:cNvPicPr>
             <a:picLocks noChangeAspect="1"/>
           </p:cNvPicPr>
@@ -5604,8 +7178,8 @@
         </p:blipFill>
         <p:spPr>
           <a:xfrm>
-            <a:off x="5002547" y="5816132"/>
-            <a:ext cx="466905" cy="466905"/>
+            <a:off x="3025880" y="1961475"/>
+            <a:ext cx="673930" cy="257419"/>
           </a:xfrm>
           <a:prstGeom prst="rect">
             <a:avLst/>
@@ -5614,7 +7188,7 @@
       </p:pic>
       <p:pic>
         <p:nvPicPr>
-          <p:cNvPr id="36" name="Imagem 35"/>
+          <p:cNvPr id="14" name="Imagem 13"/>
           <p:cNvPicPr>
             <a:picLocks noChangeAspect="1"/>
           </p:cNvPicPr>
@@ -5634,8 +7208,8 @@
         </p:blipFill>
         <p:spPr>
           <a:xfrm>
-            <a:off x="6198526" y="5762033"/>
-            <a:ext cx="636845" cy="679906"/>
+            <a:off x="6588198" y="5862126"/>
+            <a:ext cx="711673" cy="855446"/>
           </a:xfrm>
           <a:prstGeom prst="rect">
             <a:avLst/>
@@ -5644,7 +7218,7 @@
       </p:pic>
       <p:pic>
         <p:nvPicPr>
-          <p:cNvPr id="37" name="Imagem 36"/>
+          <p:cNvPr id="16" name="Imagem 15"/>
           <p:cNvPicPr>
             <a:picLocks noChangeAspect="1"/>
           </p:cNvPicPr>
@@ -5664,8 +7238,8 @@
         </p:blipFill>
         <p:spPr>
           <a:xfrm>
-            <a:off x="2348371" y="5604360"/>
-            <a:ext cx="1361361" cy="326727"/>
+            <a:off x="9672394" y="6020708"/>
+            <a:ext cx="1035384" cy="605754"/>
           </a:xfrm>
           <a:prstGeom prst="rect">
             <a:avLst/>
@@ -5674,7 +7248,7 @@
       </p:pic>
       <p:pic>
         <p:nvPicPr>
-          <p:cNvPr id="38" name="Imagem 37"/>
+          <p:cNvPr id="18" name="Imagem 17"/>
           <p:cNvPicPr>
             <a:picLocks noChangeAspect="1"/>
           </p:cNvPicPr>
@@ -5694,8 +7268,68 @@
         </p:blipFill>
         <p:spPr>
           <a:xfrm>
-            <a:off x="8999037" y="5675010"/>
-            <a:ext cx="741261" cy="741261"/>
+            <a:off x="2381757" y="5799140"/>
+            <a:ext cx="773513" cy="712073"/>
+          </a:xfrm>
+          <a:prstGeom prst="rect">
+            <a:avLst/>
+          </a:prstGeom>
+        </p:spPr>
+      </p:pic>
+      <p:pic>
+        <p:nvPicPr>
+          <p:cNvPr id="35" name="Imagem 34"/>
+          <p:cNvPicPr>
+            <a:picLocks noChangeAspect="1"/>
+          </p:cNvPicPr>
+          <p:nvPr/>
+        </p:nvPicPr>
+        <p:blipFill>
+          <a:blip r:embed="rId14" cstate="print">
+            <a:extLst>
+              <a:ext uri="{28A0092B-C50C-407E-A947-70E740481C1C}">
+                <a14:useLocalDpi xmlns:a14="http://schemas.microsoft.com/office/drawing/2010/main" val="0"/>
+              </a:ext>
+            </a:extLst>
+          </a:blip>
+          <a:stretch>
+            <a:fillRect/>
+          </a:stretch>
+        </p:blipFill>
+        <p:spPr>
+          <a:xfrm>
+            <a:off x="7925833" y="5899825"/>
+            <a:ext cx="1085378" cy="586104"/>
+          </a:xfrm>
+          <a:prstGeom prst="rect">
+            <a:avLst/>
+          </a:prstGeom>
+        </p:spPr>
+      </p:pic>
+      <p:pic>
+        <p:nvPicPr>
+          <p:cNvPr id="39" name="Imagem 38"/>
+          <p:cNvPicPr>
+            <a:picLocks noChangeAspect="1"/>
+          </p:cNvPicPr>
+          <p:nvPr/>
+        </p:nvPicPr>
+        <p:blipFill>
+          <a:blip r:embed="rId15" cstate="print">
+            <a:extLst>
+              <a:ext uri="{28A0092B-C50C-407E-A947-70E740481C1C}">
+                <a14:useLocalDpi xmlns:a14="http://schemas.microsoft.com/office/drawing/2010/main" val="0"/>
+              </a:ext>
+            </a:extLst>
+          </a:blip>
+          <a:stretch>
+            <a:fillRect/>
+          </a:stretch>
+        </p:blipFill>
+        <p:spPr>
+          <a:xfrm>
+            <a:off x="9745846" y="5849263"/>
+            <a:ext cx="843838" cy="458485"/>
           </a:xfrm>
           <a:prstGeom prst="rect">
             <a:avLst/>
@@ -5706,6 +7340,4221 @@
     <p:extLst>
       <p:ext uri="{BB962C8B-B14F-4D97-AF65-F5344CB8AC3E}">
         <p14:creationId xmlns:p14="http://schemas.microsoft.com/office/powerpoint/2010/main" val="4024159248"/>
+      </p:ext>
+    </p:extLst>
+  </p:cSld>
+  <p:clrMapOvr>
+    <a:masterClrMapping/>
+  </p:clrMapOvr>
+  <p:timing>
+    <p:tnLst>
+      <p:par>
+        <p:cTn id="1" dur="indefinite" restart="never" nodeType="tmRoot"/>
+      </p:par>
+    </p:tnLst>
+  </p:timing>
+</p:sld>
+</file>
+
+<file path=ppt/slides/slide4.xml><?xml version="1.0" encoding="utf-8"?>
+<p:sld xmlns:a="http://schemas.openxmlformats.org/drawingml/2006/main" xmlns:r="http://schemas.openxmlformats.org/officeDocument/2006/relationships" xmlns:p="http://schemas.openxmlformats.org/presentationml/2006/main">
+  <p:cSld>
+    <p:spTree>
+      <p:nvGrpSpPr>
+        <p:cNvPr id="1" name=""/>
+        <p:cNvGrpSpPr/>
+        <p:nvPr/>
+      </p:nvGrpSpPr>
+      <p:grpSpPr>
+        <a:xfrm>
+          <a:off x="0" y="0"/>
+          <a:ext cx="0" cy="0"/>
+          <a:chOff x="0" y="0"/>
+          <a:chExt cx="0" cy="0"/>
+        </a:xfrm>
+      </p:grpSpPr>
+      <p:sp>
+        <p:nvSpPr>
+          <p:cNvPr id="4" name="CaixaDeTexto 3"/>
+          <p:cNvSpPr txBox="1"/>
+          <p:nvPr/>
+        </p:nvSpPr>
+        <p:spPr>
+          <a:xfrm>
+            <a:off x="0" y="-1659"/>
+            <a:ext cx="12191999" cy="584775"/>
+          </a:xfrm>
+          <a:prstGeom prst="rect">
+            <a:avLst/>
+          </a:prstGeom>
+          <a:solidFill>
+            <a:schemeClr val="bg2">
+              <a:lumMod val="90000"/>
+            </a:schemeClr>
+          </a:solidFill>
+        </p:spPr>
+        <p:txBody>
+          <a:bodyPr wrap="square" rtlCol="0">
+            <a:spAutoFit/>
+          </a:bodyPr>
+          <a:lstStyle/>
+          <a:p>
+            <a:pPr algn="ctr"/>
+            <a:r>
+              <a:rPr lang="pt-BR" sz="3200" b="1" dirty="0" smtClean="0">
+                <a:solidFill>
+                  <a:schemeClr val="accent1">
+                    <a:lumMod val="50000"/>
+                  </a:schemeClr>
+                </a:solidFill>
+              </a:rPr>
+              <a:t>ENTENDIMENTO DO DOMÍNIO DO PROBLEMA</a:t>
+            </a:r>
+            <a:endParaRPr lang="pt-BR" sz="3200" dirty="0">
+              <a:solidFill>
+                <a:schemeClr val="accent1">
+                  <a:lumMod val="50000"/>
+                </a:schemeClr>
+              </a:solidFill>
+            </a:endParaRPr>
+          </a:p>
+        </p:txBody>
+      </p:sp>
+      <p:sp>
+        <p:nvSpPr>
+          <p:cNvPr id="23" name="CaixaDeTexto 22"/>
+          <p:cNvSpPr txBox="1"/>
+          <p:nvPr/>
+        </p:nvSpPr>
+        <p:spPr>
+          <a:xfrm>
+            <a:off x="3583446" y="983959"/>
+            <a:ext cx="7924192" cy="707886"/>
+          </a:xfrm>
+          <a:prstGeom prst="rect">
+            <a:avLst/>
+          </a:prstGeom>
+          <a:noFill/>
+        </p:spPr>
+        <p:txBody>
+          <a:bodyPr wrap="square" rtlCol="0">
+            <a:spAutoFit/>
+          </a:bodyPr>
+          <a:lstStyle/>
+          <a:p>
+            <a:r>
+              <a:rPr lang="pt-BR" sz="2400" b="1" dirty="0" smtClean="0">
+                <a:solidFill>
+                  <a:schemeClr val="accent1">
+                    <a:lumMod val="50000"/>
+                  </a:schemeClr>
+                </a:solidFill>
+              </a:rPr>
+              <a:t>Objetivo</a:t>
+            </a:r>
+          </a:p>
+          <a:p>
+            <a:r>
+              <a:rPr lang="pt-BR" sz="1600" b="1" dirty="0" smtClean="0">
+                <a:solidFill>
+                  <a:schemeClr val="accent1">
+                    <a:lumMod val="50000"/>
+                  </a:schemeClr>
+                </a:solidFill>
+              </a:rPr>
+              <a:t>Predição de Quantidade de Público em Jogos do Campeonato Brasileiro de Futebol</a:t>
+            </a:r>
+            <a:endParaRPr lang="pt-BR" sz="1600" b="1" dirty="0">
+              <a:solidFill>
+                <a:schemeClr val="accent1">
+                  <a:lumMod val="50000"/>
+                </a:schemeClr>
+              </a:solidFill>
+            </a:endParaRPr>
+          </a:p>
+        </p:txBody>
+      </p:sp>
+      <p:pic>
+        <p:nvPicPr>
+          <p:cNvPr id="6" name="Imagem 5"/>
+          <p:cNvPicPr>
+            <a:picLocks noChangeAspect="1"/>
+          </p:cNvPicPr>
+          <p:nvPr/>
+        </p:nvPicPr>
+        <p:blipFill>
+          <a:blip r:embed="rId2">
+            <a:extLst>
+              <a:ext uri="{28A0092B-C50C-407E-A947-70E740481C1C}">
+                <a14:useLocalDpi xmlns:a14="http://schemas.microsoft.com/office/drawing/2010/main" val="0"/>
+              </a:ext>
+            </a:extLst>
+          </a:blip>
+          <a:stretch>
+            <a:fillRect/>
+          </a:stretch>
+        </p:blipFill>
+        <p:spPr>
+          <a:xfrm>
+            <a:off x="144985" y="933189"/>
+            <a:ext cx="2642786" cy="2113382"/>
+          </a:xfrm>
+          <a:prstGeom prst="rect">
+            <a:avLst/>
+          </a:prstGeom>
+        </p:spPr>
+      </p:pic>
+      <p:sp>
+        <p:nvSpPr>
+          <p:cNvPr id="25" name="CaixaDeTexto 24"/>
+          <p:cNvSpPr txBox="1"/>
+          <p:nvPr/>
+        </p:nvSpPr>
+        <p:spPr>
+          <a:xfrm>
+            <a:off x="3583446" y="3085930"/>
+            <a:ext cx="7924192" cy="707886"/>
+          </a:xfrm>
+          <a:prstGeom prst="rect">
+            <a:avLst/>
+          </a:prstGeom>
+          <a:noFill/>
+        </p:spPr>
+        <p:txBody>
+          <a:bodyPr wrap="square" rtlCol="0">
+            <a:spAutoFit/>
+          </a:bodyPr>
+          <a:lstStyle/>
+          <a:p>
+            <a:r>
+              <a:rPr lang="pt-BR" sz="2400" b="1" dirty="0" smtClean="0">
+                <a:solidFill>
+                  <a:schemeClr val="accent1">
+                    <a:lumMod val="50000"/>
+                  </a:schemeClr>
+                </a:solidFill>
+              </a:rPr>
+              <a:t>Aplicabilidade</a:t>
+            </a:r>
+          </a:p>
+          <a:p>
+            <a:r>
+              <a:rPr lang="pt-BR" sz="1600" b="1" dirty="0" smtClean="0">
+                <a:solidFill>
+                  <a:schemeClr val="accent1">
+                    <a:lumMod val="50000"/>
+                  </a:schemeClr>
+                </a:solidFill>
+              </a:rPr>
+              <a:t>Apoio à Tomada de decisão em questões de Logística e Estratégias de marketing</a:t>
+            </a:r>
+            <a:endParaRPr lang="pt-BR" sz="1600" b="1" dirty="0">
+              <a:solidFill>
+                <a:schemeClr val="accent1">
+                  <a:lumMod val="50000"/>
+                </a:schemeClr>
+              </a:solidFill>
+            </a:endParaRPr>
+          </a:p>
+        </p:txBody>
+      </p:sp>
+      <p:sp>
+        <p:nvSpPr>
+          <p:cNvPr id="26" name="CaixaDeTexto 25"/>
+          <p:cNvSpPr txBox="1"/>
+          <p:nvPr/>
+        </p:nvSpPr>
+        <p:spPr>
+          <a:xfrm>
+            <a:off x="3520186" y="1938616"/>
+            <a:ext cx="7987452" cy="954107"/>
+          </a:xfrm>
+          <a:prstGeom prst="rect">
+            <a:avLst/>
+          </a:prstGeom>
+          <a:noFill/>
+        </p:spPr>
+        <p:txBody>
+          <a:bodyPr wrap="square" rtlCol="0">
+            <a:spAutoFit/>
+          </a:bodyPr>
+          <a:lstStyle/>
+          <a:p>
+            <a:r>
+              <a:rPr lang="pt-BR" sz="2400" b="1" dirty="0" smtClean="0">
+                <a:solidFill>
+                  <a:schemeClr val="accent1">
+                    <a:lumMod val="50000"/>
+                  </a:schemeClr>
+                </a:solidFill>
+              </a:rPr>
+              <a:t>Características Relevantes</a:t>
+            </a:r>
+          </a:p>
+          <a:p>
+            <a:r>
+              <a:rPr lang="pt-BR" sz="1600" b="1" dirty="0" smtClean="0">
+                <a:solidFill>
+                  <a:schemeClr val="accent1">
+                    <a:lumMod val="50000"/>
+                  </a:schemeClr>
+                </a:solidFill>
+              </a:rPr>
+              <a:t>Etapa do campeonato, Desempenho do mandante, Importância do visitante, Desempenho recente do mandante, Dia da semana, Período do ano</a:t>
+            </a:r>
+            <a:endParaRPr lang="pt-BR" sz="1600" b="1" dirty="0">
+              <a:solidFill>
+                <a:schemeClr val="accent1">
+                  <a:lumMod val="50000"/>
+                </a:schemeClr>
+              </a:solidFill>
+            </a:endParaRPr>
+          </a:p>
+        </p:txBody>
+      </p:sp>
+      <p:sp>
+        <p:nvSpPr>
+          <p:cNvPr id="30" name="CaixaDeTexto 29"/>
+          <p:cNvSpPr txBox="1"/>
+          <p:nvPr/>
+        </p:nvSpPr>
+        <p:spPr>
+          <a:xfrm>
+            <a:off x="3571946" y="4247617"/>
+            <a:ext cx="4755420" cy="707886"/>
+          </a:xfrm>
+          <a:prstGeom prst="rect">
+            <a:avLst/>
+          </a:prstGeom>
+          <a:noFill/>
+        </p:spPr>
+        <p:txBody>
+          <a:bodyPr wrap="square" rtlCol="0">
+            <a:spAutoFit/>
+          </a:bodyPr>
+          <a:lstStyle/>
+          <a:p>
+            <a:r>
+              <a:rPr lang="pt-BR" sz="2400" b="1" dirty="0" smtClean="0">
+                <a:solidFill>
+                  <a:schemeClr val="accent1">
+                    <a:lumMod val="50000"/>
+                  </a:schemeClr>
+                </a:solidFill>
+              </a:rPr>
+              <a:t>Escopo</a:t>
+            </a:r>
+          </a:p>
+          <a:p>
+            <a:r>
+              <a:rPr lang="pt-BR" sz="1600" b="1" dirty="0" smtClean="0">
+                <a:solidFill>
+                  <a:schemeClr val="accent1">
+                    <a:lumMod val="50000"/>
+                  </a:schemeClr>
+                </a:solidFill>
+              </a:rPr>
+              <a:t>Jogos do campeonato brasileiro de “pontos corridos”</a:t>
+            </a:r>
+            <a:endParaRPr lang="pt-BR" sz="1600" b="1" dirty="0">
+              <a:solidFill>
+                <a:schemeClr val="accent1">
+                  <a:lumMod val="50000"/>
+                </a:schemeClr>
+              </a:solidFill>
+            </a:endParaRPr>
+          </a:p>
+        </p:txBody>
+      </p:sp>
+      <p:pic>
+        <p:nvPicPr>
+          <p:cNvPr id="8" name="Imagem 7"/>
+          <p:cNvPicPr>
+            <a:picLocks noChangeAspect="1"/>
+          </p:cNvPicPr>
+          <p:nvPr/>
+        </p:nvPicPr>
+        <p:blipFill>
+          <a:blip r:embed="rId3" cstate="print">
+            <a:extLst>
+              <a:ext uri="{28A0092B-C50C-407E-A947-70E740481C1C}">
+                <a14:useLocalDpi xmlns:a14="http://schemas.microsoft.com/office/drawing/2010/main" val="0"/>
+              </a:ext>
+            </a:extLst>
+          </a:blip>
+          <a:stretch>
+            <a:fillRect/>
+          </a:stretch>
+        </p:blipFill>
+        <p:spPr>
+          <a:xfrm>
+            <a:off x="310381" y="4277924"/>
+            <a:ext cx="2905544" cy="2395410"/>
+          </a:xfrm>
+          <a:prstGeom prst="rect">
+            <a:avLst/>
+          </a:prstGeom>
+        </p:spPr>
+      </p:pic>
+      <p:pic>
+        <p:nvPicPr>
+          <p:cNvPr id="9" name="Imagem 8"/>
+          <p:cNvPicPr>
+            <a:picLocks noChangeAspect="1"/>
+          </p:cNvPicPr>
+          <p:nvPr/>
+        </p:nvPicPr>
+        <p:blipFill>
+          <a:blip r:embed="rId4" cstate="print">
+            <a:extLst>
+              <a:ext uri="{28A0092B-C50C-407E-A947-70E740481C1C}">
+                <a14:useLocalDpi xmlns:a14="http://schemas.microsoft.com/office/drawing/2010/main" val="0"/>
+              </a:ext>
+            </a:extLst>
+          </a:blip>
+          <a:stretch>
+            <a:fillRect/>
+          </a:stretch>
+        </p:blipFill>
+        <p:spPr>
+          <a:xfrm>
+            <a:off x="7582987" y="5148710"/>
+            <a:ext cx="4358845" cy="1709290"/>
+          </a:xfrm>
+          <a:prstGeom prst="rect">
+            <a:avLst/>
+          </a:prstGeom>
+        </p:spPr>
+      </p:pic>
+      <p:sp>
+        <p:nvSpPr>
+          <p:cNvPr id="32" name="CaixaDeTexto 31"/>
+          <p:cNvSpPr txBox="1"/>
+          <p:nvPr/>
+        </p:nvSpPr>
+        <p:spPr>
+          <a:xfrm>
+            <a:off x="3583446" y="5415602"/>
+            <a:ext cx="4755420" cy="707886"/>
+          </a:xfrm>
+          <a:prstGeom prst="rect">
+            <a:avLst/>
+          </a:prstGeom>
+          <a:noFill/>
+        </p:spPr>
+        <p:txBody>
+          <a:bodyPr wrap="square" rtlCol="0">
+            <a:spAutoFit/>
+          </a:bodyPr>
+          <a:lstStyle/>
+          <a:p>
+            <a:r>
+              <a:rPr lang="pt-BR" sz="2400" b="1" dirty="0" smtClean="0">
+                <a:solidFill>
+                  <a:schemeClr val="accent1">
+                    <a:lumMod val="50000"/>
+                  </a:schemeClr>
+                </a:solidFill>
+              </a:rPr>
+              <a:t>Técnica utilizada</a:t>
+            </a:r>
+          </a:p>
+          <a:p>
+            <a:r>
+              <a:rPr lang="pt-BR" sz="1600" b="1" dirty="0" smtClean="0">
+                <a:solidFill>
+                  <a:schemeClr val="accent1">
+                    <a:lumMod val="50000"/>
+                  </a:schemeClr>
+                </a:solidFill>
+              </a:rPr>
+              <a:t>Aprendizado supervisionado com Regressão</a:t>
+            </a:r>
+            <a:endParaRPr lang="pt-BR" sz="1600" b="1" dirty="0">
+              <a:solidFill>
+                <a:schemeClr val="accent1">
+                  <a:lumMod val="50000"/>
+                </a:schemeClr>
+              </a:solidFill>
+            </a:endParaRPr>
+          </a:p>
+        </p:txBody>
+      </p:sp>
+      <p:sp>
+        <p:nvSpPr>
+          <p:cNvPr id="10" name="CaixaDeTexto 9"/>
+          <p:cNvSpPr txBox="1"/>
+          <p:nvPr/>
+        </p:nvSpPr>
+        <p:spPr>
+          <a:xfrm>
+            <a:off x="9282130" y="6673334"/>
+            <a:ext cx="2659702" cy="184666"/>
+          </a:xfrm>
+          <a:prstGeom prst="rect">
+            <a:avLst/>
+          </a:prstGeom>
+          <a:noFill/>
+        </p:spPr>
+        <p:txBody>
+          <a:bodyPr wrap="none" rtlCol="0">
+            <a:spAutoFit/>
+          </a:bodyPr>
+          <a:lstStyle/>
+          <a:p>
+            <a:r>
+              <a:rPr lang="pt-BR" sz="600" dirty="0">
+                <a:hlinkClick r:id="rId5"/>
+              </a:rPr>
+              <a:t>https://medium.com/@</a:t>
+            </a:r>
+            <a:r>
+              <a:rPr lang="pt-BR" sz="600" dirty="0" smtClean="0">
+                <a:hlinkClick r:id="rId5"/>
+              </a:rPr>
+              <a:t>lauradamaceno/regress%C3%A3o-linear-6a7f247c3e29</a:t>
+            </a:r>
+            <a:endParaRPr lang="pt-BR" sz="600" dirty="0"/>
+          </a:p>
+        </p:txBody>
+      </p:sp>
+      <p:sp>
+        <p:nvSpPr>
+          <p:cNvPr id="36" name="CaixaDeTexto 35"/>
+          <p:cNvSpPr txBox="1"/>
+          <p:nvPr/>
+        </p:nvSpPr>
+        <p:spPr>
+          <a:xfrm>
+            <a:off x="144985" y="2901264"/>
+            <a:ext cx="918841" cy="184666"/>
+          </a:xfrm>
+          <a:prstGeom prst="rect">
+            <a:avLst/>
+          </a:prstGeom>
+          <a:noFill/>
+        </p:spPr>
+        <p:txBody>
+          <a:bodyPr wrap="none" rtlCol="0">
+            <a:spAutoFit/>
+          </a:bodyPr>
+          <a:lstStyle/>
+          <a:p>
+            <a:r>
+              <a:rPr lang="pt-BR" sz="600" dirty="0">
+                <a:hlinkClick r:id="rId6"/>
+              </a:rPr>
+              <a:t>https://br.freepik.com</a:t>
+            </a:r>
+            <a:r>
+              <a:rPr lang="pt-BR" sz="600" dirty="0" smtClean="0">
+                <a:hlinkClick r:id="rId6"/>
+              </a:rPr>
+              <a:t>/</a:t>
+            </a:r>
+            <a:endParaRPr lang="pt-BR" sz="600" dirty="0" smtClean="0"/>
+          </a:p>
+        </p:txBody>
+      </p:sp>
+    </p:spTree>
+    <p:extLst>
+      <p:ext uri="{BB962C8B-B14F-4D97-AF65-F5344CB8AC3E}">
+        <p14:creationId xmlns:p14="http://schemas.microsoft.com/office/powerpoint/2010/main" val="2649357461"/>
+      </p:ext>
+    </p:extLst>
+  </p:cSld>
+  <p:clrMapOvr>
+    <a:masterClrMapping/>
+  </p:clrMapOvr>
+  <p:timing>
+    <p:tnLst>
+      <p:par>
+        <p:cTn id="1" dur="indefinite" restart="never" nodeType="tmRoot"/>
+      </p:par>
+    </p:tnLst>
+  </p:timing>
+</p:sld>
+</file>
+
+<file path=ppt/slides/slide5.xml><?xml version="1.0" encoding="utf-8"?>
+<p:sld xmlns:a="http://schemas.openxmlformats.org/drawingml/2006/main" xmlns:r="http://schemas.openxmlformats.org/officeDocument/2006/relationships" xmlns:p="http://schemas.openxmlformats.org/presentationml/2006/main">
+  <p:cSld>
+    <p:spTree>
+      <p:nvGrpSpPr>
+        <p:cNvPr id="1" name=""/>
+        <p:cNvGrpSpPr/>
+        <p:nvPr/>
+      </p:nvGrpSpPr>
+      <p:grpSpPr>
+        <a:xfrm>
+          <a:off x="0" y="0"/>
+          <a:ext cx="0" cy="0"/>
+          <a:chOff x="0" y="0"/>
+          <a:chExt cx="0" cy="0"/>
+        </a:xfrm>
+      </p:grpSpPr>
+      <p:sp>
+        <p:nvSpPr>
+          <p:cNvPr id="4" name="CaixaDeTexto 3"/>
+          <p:cNvSpPr txBox="1"/>
+          <p:nvPr/>
+        </p:nvSpPr>
+        <p:spPr>
+          <a:xfrm>
+            <a:off x="0" y="-1659"/>
+            <a:ext cx="12191999" cy="584775"/>
+          </a:xfrm>
+          <a:prstGeom prst="rect">
+            <a:avLst/>
+          </a:prstGeom>
+          <a:solidFill>
+            <a:schemeClr val="bg2">
+              <a:lumMod val="90000"/>
+            </a:schemeClr>
+          </a:solidFill>
+        </p:spPr>
+        <p:txBody>
+          <a:bodyPr wrap="square" rtlCol="0">
+            <a:spAutoFit/>
+          </a:bodyPr>
+          <a:lstStyle/>
+          <a:p>
+            <a:pPr algn="ctr"/>
+            <a:r>
+              <a:rPr lang="pt-BR" sz="3200" b="1" dirty="0" smtClean="0">
+                <a:solidFill>
+                  <a:schemeClr val="accent1">
+                    <a:lumMod val="50000"/>
+                  </a:schemeClr>
+                </a:solidFill>
+              </a:rPr>
+              <a:t>COLETA DE DADOS</a:t>
+            </a:r>
+            <a:endParaRPr lang="pt-BR" sz="3200" dirty="0">
+              <a:solidFill>
+                <a:schemeClr val="accent1">
+                  <a:lumMod val="50000"/>
+                </a:schemeClr>
+              </a:solidFill>
+            </a:endParaRPr>
+          </a:p>
+        </p:txBody>
+      </p:sp>
+      <p:sp>
+        <p:nvSpPr>
+          <p:cNvPr id="23" name="CaixaDeTexto 22"/>
+          <p:cNvSpPr txBox="1"/>
+          <p:nvPr/>
+        </p:nvSpPr>
+        <p:spPr>
+          <a:xfrm>
+            <a:off x="3583445" y="983959"/>
+            <a:ext cx="8608553" cy="2492990"/>
+          </a:xfrm>
+          <a:prstGeom prst="rect">
+            <a:avLst/>
+          </a:prstGeom>
+          <a:noFill/>
+        </p:spPr>
+        <p:txBody>
+          <a:bodyPr wrap="square" rtlCol="0">
+            <a:spAutoFit/>
+          </a:bodyPr>
+          <a:lstStyle/>
+          <a:p>
+            <a:r>
+              <a:rPr lang="pt-BR" sz="2400" b="1" dirty="0" smtClean="0">
+                <a:solidFill>
+                  <a:schemeClr val="accent1">
+                    <a:lumMod val="50000"/>
+                  </a:schemeClr>
+                </a:solidFill>
+              </a:rPr>
+              <a:t>Fonte de Dados</a:t>
+            </a:r>
+          </a:p>
+          <a:p>
+            <a:r>
+              <a:rPr lang="pt-BR" b="1" dirty="0" smtClean="0">
+                <a:solidFill>
+                  <a:schemeClr val="accent1">
+                    <a:lumMod val="50000"/>
+                  </a:schemeClr>
+                </a:solidFill>
+              </a:rPr>
+              <a:t>1. BaseDosDados.org</a:t>
+            </a:r>
+            <a:endParaRPr lang="pt-BR" sz="2400" b="1" dirty="0" smtClean="0">
+              <a:solidFill>
+                <a:schemeClr val="accent1">
+                  <a:lumMod val="50000"/>
+                </a:schemeClr>
+              </a:solidFill>
+            </a:endParaRPr>
+          </a:p>
+          <a:p>
+            <a:r>
+              <a:rPr lang="pt-BR" sz="1600" b="1" dirty="0">
+                <a:solidFill>
+                  <a:schemeClr val="accent1">
+                    <a:lumMod val="50000"/>
+                  </a:schemeClr>
+                </a:solidFill>
+                <a:hlinkClick r:id="rId2"/>
+              </a:rPr>
+              <a:t>https://</a:t>
+            </a:r>
+            <a:r>
+              <a:rPr lang="pt-BR" sz="1600" b="1" dirty="0" smtClean="0">
+                <a:solidFill>
+                  <a:schemeClr val="accent1">
+                    <a:lumMod val="50000"/>
+                  </a:schemeClr>
+                </a:solidFill>
+                <a:hlinkClick r:id="rId2"/>
+              </a:rPr>
+              <a:t>basedosdados.org/dataset/c861330e-bca2-474d-9073-bc70744a1b23?table=18835b0d-233e-4857-b454-1fa34a81b4fa</a:t>
+            </a:r>
+            <a:endParaRPr lang="pt-BR" sz="1600" b="1" dirty="0" smtClean="0">
+              <a:solidFill>
+                <a:schemeClr val="accent1">
+                  <a:lumMod val="50000"/>
+                </a:schemeClr>
+              </a:solidFill>
+            </a:endParaRPr>
+          </a:p>
+          <a:p>
+            <a:r>
+              <a:rPr lang="pt-BR" sz="1600" b="1" dirty="0" err="1" smtClean="0">
+                <a:solidFill>
+                  <a:schemeClr val="accent1">
+                    <a:lumMod val="50000"/>
+                  </a:schemeClr>
+                </a:solidFill>
+              </a:rPr>
+              <a:t>Dataset</a:t>
+            </a:r>
+            <a:r>
+              <a:rPr lang="pt-BR" sz="1600" b="1" dirty="0" smtClean="0">
+                <a:solidFill>
+                  <a:schemeClr val="accent1">
+                    <a:lumMod val="50000"/>
+                  </a:schemeClr>
+                </a:solidFill>
+              </a:rPr>
+              <a:t> principal:  brasileirao_serie_a.csv</a:t>
+            </a:r>
+            <a:endParaRPr lang="pt-BR" sz="1600" b="1" dirty="0">
+              <a:solidFill>
+                <a:schemeClr val="accent1">
+                  <a:lumMod val="50000"/>
+                </a:schemeClr>
+              </a:solidFill>
+            </a:endParaRPr>
+          </a:p>
+          <a:p>
+            <a:endParaRPr lang="pt-BR" sz="1600" b="1" dirty="0" smtClean="0">
+              <a:solidFill>
+                <a:schemeClr val="accent1">
+                  <a:lumMod val="50000"/>
+                </a:schemeClr>
+              </a:solidFill>
+            </a:endParaRPr>
+          </a:p>
+          <a:p>
+            <a:r>
+              <a:rPr lang="pt-BR" b="1" dirty="0" smtClean="0">
+                <a:solidFill>
+                  <a:schemeClr val="accent1">
+                    <a:lumMod val="50000"/>
+                  </a:schemeClr>
+                </a:solidFill>
+              </a:rPr>
+              <a:t>2. SrGool.com</a:t>
+            </a:r>
+          </a:p>
+          <a:p>
+            <a:r>
+              <a:rPr lang="pt-BR" sz="1600" b="1" dirty="0">
+                <a:solidFill>
+                  <a:schemeClr val="accent1">
+                    <a:lumMod val="50000"/>
+                  </a:schemeClr>
+                </a:solidFill>
+                <a:hlinkClick r:id="rId3"/>
+              </a:rPr>
+              <a:t>https://</a:t>
+            </a:r>
+            <a:r>
+              <a:rPr lang="pt-BR" sz="1600" b="1" dirty="0" smtClean="0">
+                <a:solidFill>
+                  <a:schemeClr val="accent1">
+                    <a:lumMod val="50000"/>
+                  </a:schemeClr>
+                </a:solidFill>
+                <a:hlinkClick r:id="rId3"/>
+              </a:rPr>
+              <a:t>www.srgoool.com.br/classificacao/Brasileirao/Serie-A/2023</a:t>
+            </a:r>
+            <a:endParaRPr lang="pt-BR" sz="1600" b="1" dirty="0" smtClean="0">
+              <a:solidFill>
+                <a:schemeClr val="accent1">
+                  <a:lumMod val="50000"/>
+                </a:schemeClr>
+              </a:solidFill>
+            </a:endParaRPr>
+          </a:p>
+          <a:p>
+            <a:r>
+              <a:rPr lang="pt-BR" sz="1600" b="1" dirty="0" smtClean="0">
+                <a:solidFill>
+                  <a:schemeClr val="accent1">
+                    <a:lumMod val="50000"/>
+                  </a:schemeClr>
+                </a:solidFill>
+              </a:rPr>
+              <a:t>Informações para o </a:t>
+            </a:r>
+            <a:r>
+              <a:rPr lang="pt-BR" sz="1600" b="1" dirty="0" err="1" smtClean="0">
+                <a:solidFill>
+                  <a:schemeClr val="accent1">
+                    <a:lumMod val="50000"/>
+                  </a:schemeClr>
+                </a:solidFill>
+              </a:rPr>
+              <a:t>Dataset</a:t>
+            </a:r>
+            <a:r>
+              <a:rPr lang="pt-BR" sz="1600" b="1" dirty="0" smtClean="0">
+                <a:solidFill>
+                  <a:schemeClr val="accent1">
+                    <a:lumMod val="50000"/>
+                  </a:schemeClr>
+                </a:solidFill>
+              </a:rPr>
+              <a:t> complementar:  brasileirao_serie_a_dados_complementares_2023.csv</a:t>
+            </a:r>
+            <a:endParaRPr lang="pt-BR" sz="1600" b="1" dirty="0">
+              <a:solidFill>
+                <a:schemeClr val="accent1">
+                  <a:lumMod val="50000"/>
+                </a:schemeClr>
+              </a:solidFill>
+            </a:endParaRPr>
+          </a:p>
+        </p:txBody>
+      </p:sp>
+      <p:sp>
+        <p:nvSpPr>
+          <p:cNvPr id="25" name="CaixaDeTexto 24"/>
+          <p:cNvSpPr txBox="1"/>
+          <p:nvPr/>
+        </p:nvSpPr>
+        <p:spPr>
+          <a:xfrm>
+            <a:off x="3583446" y="3616282"/>
+            <a:ext cx="7924192" cy="461665"/>
+          </a:xfrm>
+          <a:prstGeom prst="rect">
+            <a:avLst/>
+          </a:prstGeom>
+          <a:noFill/>
+        </p:spPr>
+        <p:txBody>
+          <a:bodyPr wrap="square" rtlCol="0">
+            <a:spAutoFit/>
+          </a:bodyPr>
+          <a:lstStyle/>
+          <a:p>
+            <a:r>
+              <a:rPr lang="pt-BR" sz="2400" b="1" dirty="0" smtClean="0">
+                <a:solidFill>
+                  <a:schemeClr val="accent1">
+                    <a:lumMod val="50000"/>
+                  </a:schemeClr>
+                </a:solidFill>
+              </a:rPr>
+              <a:t>Estrutura dos </a:t>
+            </a:r>
+            <a:r>
+              <a:rPr lang="pt-BR" sz="2400" b="1" dirty="0" err="1" smtClean="0">
+                <a:solidFill>
+                  <a:schemeClr val="accent1">
+                    <a:lumMod val="50000"/>
+                  </a:schemeClr>
+                </a:solidFill>
+              </a:rPr>
+              <a:t>Datasets</a:t>
+            </a:r>
+            <a:endParaRPr lang="pt-BR" sz="1600" b="1" dirty="0">
+              <a:solidFill>
+                <a:schemeClr val="accent1">
+                  <a:lumMod val="50000"/>
+                </a:schemeClr>
+              </a:solidFill>
+            </a:endParaRPr>
+          </a:p>
+        </p:txBody>
+      </p:sp>
+      <p:pic>
+        <p:nvPicPr>
+          <p:cNvPr id="2" name="Imagem 1"/>
+          <p:cNvPicPr>
+            <a:picLocks noChangeAspect="1"/>
+          </p:cNvPicPr>
+          <p:nvPr/>
+        </p:nvPicPr>
+        <p:blipFill>
+          <a:blip r:embed="rId4">
+            <a:extLst>
+              <a:ext uri="{28A0092B-C50C-407E-A947-70E740481C1C}">
+                <a14:useLocalDpi xmlns:a14="http://schemas.microsoft.com/office/drawing/2010/main" val="0"/>
+              </a:ext>
+            </a:extLst>
+          </a:blip>
+          <a:stretch>
+            <a:fillRect/>
+          </a:stretch>
+        </p:blipFill>
+        <p:spPr>
+          <a:xfrm>
+            <a:off x="10374544" y="4540225"/>
+            <a:ext cx="1352550" cy="1323975"/>
+          </a:xfrm>
+          <a:prstGeom prst="rect">
+            <a:avLst/>
+          </a:prstGeom>
+        </p:spPr>
+      </p:pic>
+      <p:pic>
+        <p:nvPicPr>
+          <p:cNvPr id="3" name="Imagem 2"/>
+          <p:cNvPicPr>
+            <a:picLocks noChangeAspect="1"/>
+          </p:cNvPicPr>
+          <p:nvPr/>
+        </p:nvPicPr>
+        <p:blipFill>
+          <a:blip r:embed="rId5" cstate="print">
+            <a:extLst>
+              <a:ext uri="{28A0092B-C50C-407E-A947-70E740481C1C}">
+                <a14:useLocalDpi xmlns:a14="http://schemas.microsoft.com/office/drawing/2010/main" val="0"/>
+              </a:ext>
+            </a:extLst>
+          </a:blip>
+          <a:stretch>
+            <a:fillRect/>
+          </a:stretch>
+        </p:blipFill>
+        <p:spPr>
+          <a:xfrm>
+            <a:off x="130522" y="1207445"/>
+            <a:ext cx="3288464" cy="1914500"/>
+          </a:xfrm>
+          <a:prstGeom prst="rect">
+            <a:avLst/>
+          </a:prstGeom>
+        </p:spPr>
+      </p:pic>
+      <p:sp>
+        <p:nvSpPr>
+          <p:cNvPr id="5" name="Retângulo 4"/>
+          <p:cNvSpPr/>
+          <p:nvPr/>
+        </p:nvSpPr>
+        <p:spPr>
+          <a:xfrm>
+            <a:off x="130522" y="1207445"/>
+            <a:ext cx="3088166" cy="1914500"/>
+          </a:xfrm>
+          <a:prstGeom prst="rect">
+            <a:avLst/>
+          </a:prstGeom>
+          <a:noFill/>
+        </p:spPr>
+        <p:style>
+          <a:lnRef idx="2">
+            <a:schemeClr val="accent1">
+              <a:shade val="50000"/>
+            </a:schemeClr>
+          </a:lnRef>
+          <a:fillRef idx="1">
+            <a:schemeClr val="accent1"/>
+          </a:fillRef>
+          <a:effectRef idx="0">
+            <a:schemeClr val="accent1"/>
+          </a:effectRef>
+          <a:fontRef idx="minor">
+            <a:schemeClr val="lt1"/>
+          </a:fontRef>
+        </p:style>
+        <p:txBody>
+          <a:bodyPr rtlCol="0" anchor="ctr"/>
+          <a:lstStyle/>
+          <a:p>
+            <a:pPr algn="ctr"/>
+            <a:endParaRPr lang="pt-BR"/>
+          </a:p>
+        </p:txBody>
+      </p:sp>
+      <p:graphicFrame>
+        <p:nvGraphicFramePr>
+          <p:cNvPr id="7" name="Tabela 6"/>
+          <p:cNvGraphicFramePr>
+            <a:graphicFrameLocks noGrp="1"/>
+          </p:cNvGraphicFramePr>
+          <p:nvPr>
+            <p:extLst>
+              <p:ext uri="{D42A27DB-BD31-4B8C-83A1-F6EECF244321}">
+                <p14:modId xmlns:p14="http://schemas.microsoft.com/office/powerpoint/2010/main" val="4175780094"/>
+              </p:ext>
+            </p:extLst>
+          </p:nvPr>
+        </p:nvGraphicFramePr>
+        <p:xfrm>
+          <a:off x="3701859" y="3977640"/>
+          <a:ext cx="6383973" cy="2468880"/>
+        </p:xfrm>
+        <a:graphic>
+          <a:graphicData uri="http://schemas.openxmlformats.org/drawingml/2006/table">
+            <a:tbl>
+              <a:tblPr firstRow="1" firstCol="1" bandRow="1">
+                <a:tableStyleId>{BDBED569-4797-4DF1-A0F4-6AAB3CD982D8}</a:tableStyleId>
+              </a:tblPr>
+              <a:tblGrid>
+                <a:gridCol w="2159445"/>
+                <a:gridCol w="2176272"/>
+                <a:gridCol w="2048256"/>
+              </a:tblGrid>
+              <a:tr h="0">
+                <a:tc>
+                  <a:txBody>
+                    <a:bodyPr/>
+                    <a:lstStyle/>
+                    <a:p>
+                      <a:pPr indent="450215" algn="r">
+                        <a:lnSpc>
+                          <a:spcPct val="150000"/>
+                        </a:lnSpc>
+                        <a:spcAft>
+                          <a:spcPts val="0"/>
+                        </a:spcAft>
+                      </a:pPr>
+                      <a:r>
+                        <a:rPr lang="pt-BR" sz="900" b="1" dirty="0" err="1">
+                          <a:effectLst/>
+                        </a:rPr>
+                        <a:t>ano_campeonato</a:t>
+                      </a:r>
+                      <a:endParaRPr lang="pt-BR" sz="1200" b="1" dirty="0">
+                        <a:effectLst/>
+                        <a:latin typeface="Arial" panose="020B0604020202020204" pitchFamily="34" charset="0"/>
+                        <a:ea typeface="Calibri" panose="020F0502020204030204" pitchFamily="34" charset="0"/>
+                        <a:cs typeface="Times New Roman" panose="02020603050405020304" pitchFamily="18" charset="0"/>
+                      </a:endParaRPr>
+                    </a:p>
+                  </a:txBody>
+                  <a:tcPr marL="68580" marR="68580" marT="0" marB="0"/>
+                </a:tc>
+                <a:tc>
+                  <a:txBody>
+                    <a:bodyPr/>
+                    <a:lstStyle/>
+                    <a:p>
+                      <a:pPr indent="450215" algn="r">
+                        <a:lnSpc>
+                          <a:spcPct val="150000"/>
+                        </a:lnSpc>
+                        <a:spcAft>
+                          <a:spcPts val="0"/>
+                        </a:spcAft>
+                      </a:pPr>
+                      <a:r>
+                        <a:rPr lang="pt-BR" sz="900" b="1">
+                          <a:effectLst/>
+                        </a:rPr>
+                        <a:t> data</a:t>
+                      </a:r>
+                      <a:endParaRPr lang="pt-BR" sz="1200" b="1">
+                        <a:effectLst/>
+                        <a:latin typeface="Arial" panose="020B0604020202020204" pitchFamily="34" charset="0"/>
+                        <a:ea typeface="Calibri" panose="020F0502020204030204" pitchFamily="34" charset="0"/>
+                        <a:cs typeface="Times New Roman" panose="02020603050405020304" pitchFamily="18" charset="0"/>
+                      </a:endParaRPr>
+                    </a:p>
+                  </a:txBody>
+                  <a:tcPr marL="68580" marR="68580" marT="0" marB="0"/>
+                </a:tc>
+                <a:tc>
+                  <a:txBody>
+                    <a:bodyPr/>
+                    <a:lstStyle/>
+                    <a:p>
+                      <a:pPr indent="450215" algn="r">
+                        <a:lnSpc>
+                          <a:spcPct val="150000"/>
+                        </a:lnSpc>
+                        <a:spcAft>
+                          <a:spcPts val="0"/>
+                        </a:spcAft>
+                      </a:pPr>
+                      <a:r>
+                        <a:rPr lang="pt-BR" sz="900" b="1">
+                          <a:effectLst/>
+                        </a:rPr>
+                        <a:t> rodada</a:t>
+                      </a:r>
+                      <a:endParaRPr lang="pt-BR" sz="1200" b="1">
+                        <a:effectLst/>
+                        <a:latin typeface="Arial" panose="020B0604020202020204" pitchFamily="34" charset="0"/>
+                        <a:ea typeface="Calibri" panose="020F0502020204030204" pitchFamily="34" charset="0"/>
+                        <a:cs typeface="Times New Roman" panose="02020603050405020304" pitchFamily="18" charset="0"/>
+                      </a:endParaRPr>
+                    </a:p>
+                  </a:txBody>
+                  <a:tcPr marL="68580" marR="68580" marT="0" marB="0"/>
+                </a:tc>
+              </a:tr>
+              <a:tr h="0">
+                <a:tc>
+                  <a:txBody>
+                    <a:bodyPr/>
+                    <a:lstStyle/>
+                    <a:p>
+                      <a:pPr indent="450215" algn="r">
+                        <a:lnSpc>
+                          <a:spcPct val="150000"/>
+                        </a:lnSpc>
+                        <a:spcAft>
+                          <a:spcPts val="0"/>
+                        </a:spcAft>
+                      </a:pPr>
+                      <a:r>
+                        <a:rPr lang="pt-BR" sz="900" b="1" dirty="0" err="1" smtClean="0">
+                          <a:effectLst/>
+                        </a:rPr>
+                        <a:t>Estadio</a:t>
+                      </a:r>
+                      <a:endParaRPr lang="pt-BR" sz="1200" b="1" dirty="0">
+                        <a:effectLst/>
+                        <a:latin typeface="Arial" panose="020B0604020202020204" pitchFamily="34" charset="0"/>
+                        <a:ea typeface="Calibri" panose="020F0502020204030204" pitchFamily="34" charset="0"/>
+                        <a:cs typeface="Times New Roman" panose="02020603050405020304" pitchFamily="18" charset="0"/>
+                      </a:endParaRPr>
+                    </a:p>
+                  </a:txBody>
+                  <a:tcPr marL="68580" marR="68580" marT="0" marB="0"/>
+                </a:tc>
+                <a:tc>
+                  <a:txBody>
+                    <a:bodyPr/>
+                    <a:lstStyle/>
+                    <a:p>
+                      <a:pPr indent="450215" algn="r">
+                        <a:lnSpc>
+                          <a:spcPct val="150000"/>
+                        </a:lnSpc>
+                        <a:spcAft>
+                          <a:spcPts val="0"/>
+                        </a:spcAft>
+                      </a:pPr>
+                      <a:r>
+                        <a:rPr lang="pt-BR" sz="900" b="1">
+                          <a:effectLst/>
+                        </a:rPr>
+                        <a:t> arbitro</a:t>
+                      </a:r>
+                      <a:endParaRPr lang="pt-BR" sz="1200" b="1">
+                        <a:effectLst/>
+                        <a:latin typeface="Arial" panose="020B0604020202020204" pitchFamily="34" charset="0"/>
+                        <a:ea typeface="Calibri" panose="020F0502020204030204" pitchFamily="34" charset="0"/>
+                        <a:cs typeface="Times New Roman" panose="02020603050405020304" pitchFamily="18" charset="0"/>
+                      </a:endParaRPr>
+                    </a:p>
+                  </a:txBody>
+                  <a:tcPr marL="68580" marR="68580" marT="0" marB="0"/>
+                </a:tc>
+                <a:tc>
+                  <a:txBody>
+                    <a:bodyPr/>
+                    <a:lstStyle/>
+                    <a:p>
+                      <a:pPr indent="450215" algn="r">
+                        <a:lnSpc>
+                          <a:spcPct val="150000"/>
+                        </a:lnSpc>
+                        <a:spcAft>
+                          <a:spcPts val="0"/>
+                        </a:spcAft>
+                      </a:pPr>
+                      <a:r>
+                        <a:rPr lang="pt-BR" sz="900" b="1">
+                          <a:effectLst/>
+                        </a:rPr>
+                        <a:t> publico</a:t>
+                      </a:r>
+                      <a:endParaRPr lang="pt-BR" sz="1200" b="1">
+                        <a:effectLst/>
+                        <a:latin typeface="Arial" panose="020B0604020202020204" pitchFamily="34" charset="0"/>
+                        <a:ea typeface="Calibri" panose="020F0502020204030204" pitchFamily="34" charset="0"/>
+                        <a:cs typeface="Times New Roman" panose="02020603050405020304" pitchFamily="18" charset="0"/>
+                      </a:endParaRPr>
+                    </a:p>
+                  </a:txBody>
+                  <a:tcPr marL="68580" marR="68580" marT="0" marB="0"/>
+                </a:tc>
+              </a:tr>
+              <a:tr h="0">
+                <a:tc>
+                  <a:txBody>
+                    <a:bodyPr/>
+                    <a:lstStyle/>
+                    <a:p>
+                      <a:pPr indent="450215" algn="r">
+                        <a:lnSpc>
+                          <a:spcPct val="150000"/>
+                        </a:lnSpc>
+                        <a:spcAft>
+                          <a:spcPts val="0"/>
+                        </a:spcAft>
+                      </a:pPr>
+                      <a:r>
+                        <a:rPr lang="pt-BR" sz="900" b="1" dirty="0">
+                          <a:effectLst/>
+                        </a:rPr>
+                        <a:t> </a:t>
+                      </a:r>
+                      <a:r>
+                        <a:rPr lang="pt-BR" sz="900" b="1" dirty="0" err="1">
+                          <a:effectLst/>
+                        </a:rPr>
+                        <a:t>publico_max</a:t>
+                      </a:r>
+                      <a:endParaRPr lang="pt-BR" sz="1200" b="1" dirty="0">
+                        <a:effectLst/>
+                        <a:latin typeface="Arial" panose="020B0604020202020204" pitchFamily="34" charset="0"/>
+                        <a:ea typeface="Calibri" panose="020F0502020204030204" pitchFamily="34" charset="0"/>
+                        <a:cs typeface="Times New Roman" panose="02020603050405020304" pitchFamily="18" charset="0"/>
+                      </a:endParaRPr>
+                    </a:p>
+                  </a:txBody>
+                  <a:tcPr marL="68580" marR="68580" marT="0" marB="0"/>
+                </a:tc>
+                <a:tc>
+                  <a:txBody>
+                    <a:bodyPr/>
+                    <a:lstStyle/>
+                    <a:p>
+                      <a:pPr indent="450215" algn="r">
+                        <a:lnSpc>
+                          <a:spcPct val="150000"/>
+                        </a:lnSpc>
+                        <a:spcAft>
+                          <a:spcPts val="0"/>
+                        </a:spcAft>
+                      </a:pPr>
+                      <a:r>
+                        <a:rPr lang="pt-BR" sz="900" b="1">
+                          <a:effectLst/>
+                        </a:rPr>
+                        <a:t> time_mandante</a:t>
+                      </a:r>
+                      <a:endParaRPr lang="pt-BR" sz="1200" b="1">
+                        <a:effectLst/>
+                        <a:latin typeface="Arial" panose="020B0604020202020204" pitchFamily="34" charset="0"/>
+                        <a:ea typeface="Calibri" panose="020F0502020204030204" pitchFamily="34" charset="0"/>
+                        <a:cs typeface="Times New Roman" panose="02020603050405020304" pitchFamily="18" charset="0"/>
+                      </a:endParaRPr>
+                    </a:p>
+                  </a:txBody>
+                  <a:tcPr marL="68580" marR="68580" marT="0" marB="0"/>
+                </a:tc>
+                <a:tc>
+                  <a:txBody>
+                    <a:bodyPr/>
+                    <a:lstStyle/>
+                    <a:p>
+                      <a:pPr indent="450215" algn="r">
+                        <a:lnSpc>
+                          <a:spcPct val="150000"/>
+                        </a:lnSpc>
+                        <a:spcAft>
+                          <a:spcPts val="0"/>
+                        </a:spcAft>
+                      </a:pPr>
+                      <a:r>
+                        <a:rPr lang="pt-BR" sz="900" b="1" dirty="0">
+                          <a:effectLst/>
+                        </a:rPr>
+                        <a:t> </a:t>
+                      </a:r>
+                      <a:r>
+                        <a:rPr lang="pt-BR" sz="900" b="1" dirty="0" err="1">
+                          <a:effectLst/>
+                        </a:rPr>
+                        <a:t>time_visitante</a:t>
+                      </a:r>
+                      <a:endParaRPr lang="pt-BR" sz="1200" b="1" dirty="0">
+                        <a:effectLst/>
+                        <a:latin typeface="Arial" panose="020B0604020202020204" pitchFamily="34" charset="0"/>
+                        <a:ea typeface="Calibri" panose="020F0502020204030204" pitchFamily="34" charset="0"/>
+                        <a:cs typeface="Times New Roman" panose="02020603050405020304" pitchFamily="18" charset="0"/>
+                      </a:endParaRPr>
+                    </a:p>
+                  </a:txBody>
+                  <a:tcPr marL="68580" marR="68580" marT="0" marB="0"/>
+                </a:tc>
+              </a:tr>
+              <a:tr h="0">
+                <a:tc>
+                  <a:txBody>
+                    <a:bodyPr/>
+                    <a:lstStyle/>
+                    <a:p>
+                      <a:pPr indent="450215" algn="r">
+                        <a:lnSpc>
+                          <a:spcPct val="150000"/>
+                        </a:lnSpc>
+                        <a:spcAft>
+                          <a:spcPts val="0"/>
+                        </a:spcAft>
+                      </a:pPr>
+                      <a:r>
+                        <a:rPr lang="pt-BR" sz="900" b="1" dirty="0">
+                          <a:effectLst/>
+                        </a:rPr>
+                        <a:t> </a:t>
+                      </a:r>
+                      <a:r>
+                        <a:rPr lang="pt-BR" sz="900" b="1" dirty="0" err="1">
+                          <a:effectLst/>
+                        </a:rPr>
+                        <a:t>tecnico_mandante</a:t>
+                      </a:r>
+                      <a:endParaRPr lang="pt-BR" sz="1200" b="1" dirty="0">
+                        <a:effectLst/>
+                        <a:latin typeface="Arial" panose="020B0604020202020204" pitchFamily="34" charset="0"/>
+                        <a:ea typeface="Calibri" panose="020F0502020204030204" pitchFamily="34" charset="0"/>
+                        <a:cs typeface="Times New Roman" panose="02020603050405020304" pitchFamily="18" charset="0"/>
+                      </a:endParaRPr>
+                    </a:p>
+                  </a:txBody>
+                  <a:tcPr marL="68580" marR="68580" marT="0" marB="0"/>
+                </a:tc>
+                <a:tc>
+                  <a:txBody>
+                    <a:bodyPr/>
+                    <a:lstStyle/>
+                    <a:p>
+                      <a:pPr indent="450215" algn="r">
+                        <a:lnSpc>
+                          <a:spcPct val="150000"/>
+                        </a:lnSpc>
+                        <a:spcAft>
+                          <a:spcPts val="0"/>
+                        </a:spcAft>
+                      </a:pPr>
+                      <a:r>
+                        <a:rPr lang="pt-BR" sz="900" b="1">
+                          <a:effectLst/>
+                        </a:rPr>
+                        <a:t> tecnico_visitante</a:t>
+                      </a:r>
+                      <a:endParaRPr lang="pt-BR" sz="1200" b="1">
+                        <a:effectLst/>
+                        <a:latin typeface="Arial" panose="020B0604020202020204" pitchFamily="34" charset="0"/>
+                        <a:ea typeface="Calibri" panose="020F0502020204030204" pitchFamily="34" charset="0"/>
+                        <a:cs typeface="Times New Roman" panose="02020603050405020304" pitchFamily="18" charset="0"/>
+                      </a:endParaRPr>
+                    </a:p>
+                  </a:txBody>
+                  <a:tcPr marL="68580" marR="68580" marT="0" marB="0"/>
+                </a:tc>
+                <a:tc>
+                  <a:txBody>
+                    <a:bodyPr/>
+                    <a:lstStyle/>
+                    <a:p>
+                      <a:pPr indent="450215" algn="r">
+                        <a:lnSpc>
+                          <a:spcPct val="150000"/>
+                        </a:lnSpc>
+                        <a:spcAft>
+                          <a:spcPts val="0"/>
+                        </a:spcAft>
+                      </a:pPr>
+                      <a:r>
+                        <a:rPr lang="pt-BR" sz="900" b="1" dirty="0">
+                          <a:effectLst/>
+                        </a:rPr>
+                        <a:t> </a:t>
+                      </a:r>
+                      <a:r>
+                        <a:rPr lang="pt-BR" sz="900" b="1" dirty="0" err="1">
+                          <a:effectLst/>
+                        </a:rPr>
+                        <a:t>colocacao_mandante</a:t>
+                      </a:r>
+                      <a:endParaRPr lang="pt-BR" sz="1200" b="1" dirty="0">
+                        <a:effectLst/>
+                        <a:latin typeface="Arial" panose="020B0604020202020204" pitchFamily="34" charset="0"/>
+                        <a:ea typeface="Calibri" panose="020F0502020204030204" pitchFamily="34" charset="0"/>
+                        <a:cs typeface="Times New Roman" panose="02020603050405020304" pitchFamily="18" charset="0"/>
+                      </a:endParaRPr>
+                    </a:p>
+                  </a:txBody>
+                  <a:tcPr marL="68580" marR="68580" marT="0" marB="0"/>
+                </a:tc>
+              </a:tr>
+              <a:tr h="0">
+                <a:tc>
+                  <a:txBody>
+                    <a:bodyPr/>
+                    <a:lstStyle/>
+                    <a:p>
+                      <a:pPr indent="450215" algn="r">
+                        <a:lnSpc>
+                          <a:spcPct val="150000"/>
+                        </a:lnSpc>
+                        <a:spcAft>
+                          <a:spcPts val="0"/>
+                        </a:spcAft>
+                      </a:pPr>
+                      <a:r>
+                        <a:rPr lang="pt-BR" sz="900" b="1" dirty="0">
+                          <a:effectLst/>
+                        </a:rPr>
+                        <a:t> </a:t>
+                      </a:r>
+                      <a:r>
+                        <a:rPr lang="pt-BR" sz="900" b="1" dirty="0" err="1">
+                          <a:effectLst/>
+                        </a:rPr>
+                        <a:t>colocacao_visitante</a:t>
+                      </a:r>
+                      <a:endParaRPr lang="pt-BR" sz="1200" b="1" dirty="0">
+                        <a:effectLst/>
+                        <a:latin typeface="Arial" panose="020B0604020202020204" pitchFamily="34" charset="0"/>
+                        <a:ea typeface="Calibri" panose="020F0502020204030204" pitchFamily="34" charset="0"/>
+                        <a:cs typeface="Times New Roman" panose="02020603050405020304" pitchFamily="18" charset="0"/>
+                      </a:endParaRPr>
+                    </a:p>
+                  </a:txBody>
+                  <a:tcPr marL="68580" marR="68580" marT="0" marB="0"/>
+                </a:tc>
+                <a:tc>
+                  <a:txBody>
+                    <a:bodyPr/>
+                    <a:lstStyle/>
+                    <a:p>
+                      <a:pPr indent="450215" algn="r">
+                        <a:lnSpc>
+                          <a:spcPct val="150000"/>
+                        </a:lnSpc>
+                        <a:spcAft>
+                          <a:spcPts val="0"/>
+                        </a:spcAft>
+                      </a:pPr>
+                      <a:r>
+                        <a:rPr lang="pt-BR" sz="900" b="1" dirty="0" err="1" smtClean="0">
+                          <a:effectLst/>
+                        </a:rPr>
+                        <a:t>valor_equipe_titular_mandante</a:t>
+                      </a:r>
+                      <a:endParaRPr lang="pt-BR" sz="1200" b="1" dirty="0">
+                        <a:effectLst/>
+                        <a:latin typeface="Arial" panose="020B0604020202020204" pitchFamily="34" charset="0"/>
+                        <a:ea typeface="Calibri" panose="020F0502020204030204" pitchFamily="34" charset="0"/>
+                        <a:cs typeface="Times New Roman" panose="02020603050405020304" pitchFamily="18" charset="0"/>
+                      </a:endParaRPr>
+                    </a:p>
+                  </a:txBody>
+                  <a:tcPr marL="68580" marR="68580" marT="0" marB="0"/>
+                </a:tc>
+                <a:tc>
+                  <a:txBody>
+                    <a:bodyPr/>
+                    <a:lstStyle/>
+                    <a:p>
+                      <a:pPr indent="450215" algn="r">
+                        <a:lnSpc>
+                          <a:spcPct val="150000"/>
+                        </a:lnSpc>
+                        <a:spcAft>
+                          <a:spcPts val="0"/>
+                        </a:spcAft>
+                      </a:pPr>
+                      <a:r>
+                        <a:rPr lang="pt-BR" sz="900" b="1" dirty="0" err="1" smtClean="0">
+                          <a:effectLst/>
+                        </a:rPr>
+                        <a:t>valor_equipe_titular_visitante</a:t>
+                      </a:r>
+                      <a:endParaRPr lang="pt-BR" sz="1200" b="1" dirty="0">
+                        <a:effectLst/>
+                        <a:latin typeface="Arial" panose="020B0604020202020204" pitchFamily="34" charset="0"/>
+                        <a:ea typeface="Calibri" panose="020F0502020204030204" pitchFamily="34" charset="0"/>
+                        <a:cs typeface="Times New Roman" panose="02020603050405020304" pitchFamily="18" charset="0"/>
+                      </a:endParaRPr>
+                    </a:p>
+                  </a:txBody>
+                  <a:tcPr marL="68580" marR="68580" marT="0" marB="0"/>
+                </a:tc>
+              </a:tr>
+              <a:tr h="0">
+                <a:tc>
+                  <a:txBody>
+                    <a:bodyPr/>
+                    <a:lstStyle/>
+                    <a:p>
+                      <a:pPr indent="450215" algn="r">
+                        <a:lnSpc>
+                          <a:spcPct val="150000"/>
+                        </a:lnSpc>
+                        <a:spcAft>
+                          <a:spcPts val="0"/>
+                        </a:spcAft>
+                      </a:pPr>
+                      <a:r>
+                        <a:rPr lang="pt-BR" sz="900" b="1" dirty="0" err="1" smtClean="0">
+                          <a:effectLst/>
+                        </a:rPr>
+                        <a:t>idade_media_titular_mandante</a:t>
+                      </a:r>
+                      <a:endParaRPr lang="pt-BR" sz="1200" b="1" dirty="0">
+                        <a:effectLst/>
+                        <a:latin typeface="Arial" panose="020B0604020202020204" pitchFamily="34" charset="0"/>
+                        <a:ea typeface="Calibri" panose="020F0502020204030204" pitchFamily="34" charset="0"/>
+                        <a:cs typeface="Times New Roman" panose="02020603050405020304" pitchFamily="18" charset="0"/>
+                      </a:endParaRPr>
+                    </a:p>
+                  </a:txBody>
+                  <a:tcPr marL="68580" marR="68580" marT="0" marB="0"/>
+                </a:tc>
+                <a:tc>
+                  <a:txBody>
+                    <a:bodyPr/>
+                    <a:lstStyle/>
+                    <a:p>
+                      <a:pPr indent="450215" algn="r">
+                        <a:lnSpc>
+                          <a:spcPct val="150000"/>
+                        </a:lnSpc>
+                        <a:spcAft>
+                          <a:spcPts val="0"/>
+                        </a:spcAft>
+                      </a:pPr>
+                      <a:r>
+                        <a:rPr lang="pt-BR" sz="900" b="1" dirty="0">
+                          <a:effectLst/>
+                        </a:rPr>
+                        <a:t> </a:t>
+                      </a:r>
+                      <a:r>
+                        <a:rPr lang="pt-BR" sz="900" b="1" dirty="0" err="1">
+                          <a:effectLst/>
+                        </a:rPr>
+                        <a:t>idade_media_titular_visitante</a:t>
+                      </a:r>
+                      <a:endParaRPr lang="pt-BR" sz="1200" b="1" dirty="0">
+                        <a:effectLst/>
+                        <a:latin typeface="Arial" panose="020B0604020202020204" pitchFamily="34" charset="0"/>
+                        <a:ea typeface="Calibri" panose="020F0502020204030204" pitchFamily="34" charset="0"/>
+                        <a:cs typeface="Times New Roman" panose="02020603050405020304" pitchFamily="18" charset="0"/>
+                      </a:endParaRPr>
+                    </a:p>
+                  </a:txBody>
+                  <a:tcPr marL="68580" marR="68580" marT="0" marB="0"/>
+                </a:tc>
+                <a:tc>
+                  <a:txBody>
+                    <a:bodyPr/>
+                    <a:lstStyle/>
+                    <a:p>
+                      <a:pPr indent="450215" algn="r">
+                        <a:lnSpc>
+                          <a:spcPct val="150000"/>
+                        </a:lnSpc>
+                        <a:spcAft>
+                          <a:spcPts val="0"/>
+                        </a:spcAft>
+                      </a:pPr>
+                      <a:r>
+                        <a:rPr lang="pt-BR" sz="900" b="1" dirty="0">
+                          <a:effectLst/>
+                        </a:rPr>
+                        <a:t> </a:t>
+                      </a:r>
+                      <a:r>
+                        <a:rPr lang="pt-BR" sz="900" b="1" dirty="0" err="1">
+                          <a:effectLst/>
+                        </a:rPr>
+                        <a:t>gols_mandante</a:t>
+                      </a:r>
+                      <a:endParaRPr lang="pt-BR" sz="1200" b="1" dirty="0">
+                        <a:effectLst/>
+                        <a:latin typeface="Arial" panose="020B0604020202020204" pitchFamily="34" charset="0"/>
+                        <a:ea typeface="Calibri" panose="020F0502020204030204" pitchFamily="34" charset="0"/>
+                        <a:cs typeface="Times New Roman" panose="02020603050405020304" pitchFamily="18" charset="0"/>
+                      </a:endParaRPr>
+                    </a:p>
+                  </a:txBody>
+                  <a:tcPr marL="68580" marR="68580" marT="0" marB="0"/>
+                </a:tc>
+              </a:tr>
+              <a:tr h="0">
+                <a:tc>
+                  <a:txBody>
+                    <a:bodyPr/>
+                    <a:lstStyle/>
+                    <a:p>
+                      <a:pPr indent="450215" algn="r">
+                        <a:lnSpc>
+                          <a:spcPct val="150000"/>
+                        </a:lnSpc>
+                        <a:spcAft>
+                          <a:spcPts val="0"/>
+                        </a:spcAft>
+                      </a:pPr>
+                      <a:r>
+                        <a:rPr lang="pt-BR" sz="900" b="1">
+                          <a:effectLst/>
+                        </a:rPr>
+                        <a:t> gols_visitante</a:t>
+                      </a:r>
+                      <a:endParaRPr lang="pt-BR" sz="1200" b="1">
+                        <a:effectLst/>
+                        <a:latin typeface="Arial" panose="020B0604020202020204" pitchFamily="34" charset="0"/>
+                        <a:ea typeface="Calibri" panose="020F0502020204030204" pitchFamily="34" charset="0"/>
+                        <a:cs typeface="Times New Roman" panose="02020603050405020304" pitchFamily="18" charset="0"/>
+                      </a:endParaRPr>
+                    </a:p>
+                  </a:txBody>
+                  <a:tcPr marL="68580" marR="68580" marT="0" marB="0"/>
+                </a:tc>
+                <a:tc>
+                  <a:txBody>
+                    <a:bodyPr/>
+                    <a:lstStyle/>
+                    <a:p>
+                      <a:pPr indent="450215" algn="r">
+                        <a:lnSpc>
+                          <a:spcPct val="150000"/>
+                        </a:lnSpc>
+                        <a:spcAft>
+                          <a:spcPts val="0"/>
+                        </a:spcAft>
+                      </a:pPr>
+                      <a:r>
+                        <a:rPr lang="pt-BR" sz="900" b="1" dirty="0">
+                          <a:effectLst/>
+                        </a:rPr>
+                        <a:t> gols_1_tempo_mandante</a:t>
+                      </a:r>
+                      <a:endParaRPr lang="pt-BR" sz="1200" b="1" dirty="0">
+                        <a:effectLst/>
+                        <a:latin typeface="Arial" panose="020B0604020202020204" pitchFamily="34" charset="0"/>
+                        <a:ea typeface="Calibri" panose="020F0502020204030204" pitchFamily="34" charset="0"/>
+                        <a:cs typeface="Times New Roman" panose="02020603050405020304" pitchFamily="18" charset="0"/>
+                      </a:endParaRPr>
+                    </a:p>
+                  </a:txBody>
+                  <a:tcPr marL="68580" marR="68580" marT="0" marB="0"/>
+                </a:tc>
+                <a:tc>
+                  <a:txBody>
+                    <a:bodyPr/>
+                    <a:lstStyle/>
+                    <a:p>
+                      <a:pPr indent="450215" algn="r">
+                        <a:lnSpc>
+                          <a:spcPct val="150000"/>
+                        </a:lnSpc>
+                        <a:spcAft>
+                          <a:spcPts val="0"/>
+                        </a:spcAft>
+                      </a:pPr>
+                      <a:r>
+                        <a:rPr lang="pt-BR" sz="900" b="1">
+                          <a:effectLst/>
+                        </a:rPr>
+                        <a:t> gols_1_tempo_visitante</a:t>
+                      </a:r>
+                      <a:endParaRPr lang="pt-BR" sz="1200" b="1">
+                        <a:effectLst/>
+                        <a:latin typeface="Arial" panose="020B0604020202020204" pitchFamily="34" charset="0"/>
+                        <a:ea typeface="Calibri" panose="020F0502020204030204" pitchFamily="34" charset="0"/>
+                        <a:cs typeface="Times New Roman" panose="02020603050405020304" pitchFamily="18" charset="0"/>
+                      </a:endParaRPr>
+                    </a:p>
+                  </a:txBody>
+                  <a:tcPr marL="68580" marR="68580" marT="0" marB="0"/>
+                </a:tc>
+              </a:tr>
+              <a:tr h="0">
+                <a:tc>
+                  <a:txBody>
+                    <a:bodyPr/>
+                    <a:lstStyle/>
+                    <a:p>
+                      <a:pPr indent="450215" algn="r">
+                        <a:lnSpc>
+                          <a:spcPct val="150000"/>
+                        </a:lnSpc>
+                        <a:spcAft>
+                          <a:spcPts val="0"/>
+                        </a:spcAft>
+                      </a:pPr>
+                      <a:r>
+                        <a:rPr lang="pt-BR" sz="900" b="1">
+                          <a:effectLst/>
+                        </a:rPr>
+                        <a:t> escanteios_mandante</a:t>
+                      </a:r>
+                      <a:endParaRPr lang="pt-BR" sz="1200" b="1">
+                        <a:effectLst/>
+                        <a:latin typeface="Arial" panose="020B0604020202020204" pitchFamily="34" charset="0"/>
+                        <a:ea typeface="Calibri" panose="020F0502020204030204" pitchFamily="34" charset="0"/>
+                        <a:cs typeface="Times New Roman" panose="02020603050405020304" pitchFamily="18" charset="0"/>
+                      </a:endParaRPr>
+                    </a:p>
+                  </a:txBody>
+                  <a:tcPr marL="68580" marR="68580" marT="0" marB="0"/>
+                </a:tc>
+                <a:tc>
+                  <a:txBody>
+                    <a:bodyPr/>
+                    <a:lstStyle/>
+                    <a:p>
+                      <a:pPr indent="450215" algn="r">
+                        <a:lnSpc>
+                          <a:spcPct val="150000"/>
+                        </a:lnSpc>
+                        <a:spcAft>
+                          <a:spcPts val="0"/>
+                        </a:spcAft>
+                      </a:pPr>
+                      <a:r>
+                        <a:rPr lang="pt-BR" sz="900" b="1" dirty="0">
+                          <a:effectLst/>
+                        </a:rPr>
+                        <a:t> </a:t>
+                      </a:r>
+                      <a:r>
+                        <a:rPr lang="pt-BR" sz="900" b="1" dirty="0" err="1">
+                          <a:effectLst/>
+                        </a:rPr>
+                        <a:t>escanteios_visitante</a:t>
+                      </a:r>
+                      <a:endParaRPr lang="pt-BR" sz="1200" b="1" dirty="0">
+                        <a:effectLst/>
+                        <a:latin typeface="Arial" panose="020B0604020202020204" pitchFamily="34" charset="0"/>
+                        <a:ea typeface="Calibri" panose="020F0502020204030204" pitchFamily="34" charset="0"/>
+                        <a:cs typeface="Times New Roman" panose="02020603050405020304" pitchFamily="18" charset="0"/>
+                      </a:endParaRPr>
+                    </a:p>
+                  </a:txBody>
+                  <a:tcPr marL="68580" marR="68580" marT="0" marB="0"/>
+                </a:tc>
+                <a:tc>
+                  <a:txBody>
+                    <a:bodyPr/>
+                    <a:lstStyle/>
+                    <a:p>
+                      <a:pPr indent="450215" algn="r">
+                        <a:lnSpc>
+                          <a:spcPct val="150000"/>
+                        </a:lnSpc>
+                        <a:spcAft>
+                          <a:spcPts val="0"/>
+                        </a:spcAft>
+                      </a:pPr>
+                      <a:r>
+                        <a:rPr lang="pt-BR" sz="900" b="1">
+                          <a:effectLst/>
+                        </a:rPr>
+                        <a:t> faltas_mandante</a:t>
+                      </a:r>
+                      <a:endParaRPr lang="pt-BR" sz="1200" b="1">
+                        <a:effectLst/>
+                        <a:latin typeface="Arial" panose="020B0604020202020204" pitchFamily="34" charset="0"/>
+                        <a:ea typeface="Calibri" panose="020F0502020204030204" pitchFamily="34" charset="0"/>
+                        <a:cs typeface="Times New Roman" panose="02020603050405020304" pitchFamily="18" charset="0"/>
+                      </a:endParaRPr>
+                    </a:p>
+                  </a:txBody>
+                  <a:tcPr marL="68580" marR="68580" marT="0" marB="0"/>
+                </a:tc>
+              </a:tr>
+              <a:tr h="0">
+                <a:tc>
+                  <a:txBody>
+                    <a:bodyPr/>
+                    <a:lstStyle/>
+                    <a:p>
+                      <a:pPr indent="450215" algn="r">
+                        <a:lnSpc>
+                          <a:spcPct val="150000"/>
+                        </a:lnSpc>
+                        <a:spcAft>
+                          <a:spcPts val="0"/>
+                        </a:spcAft>
+                      </a:pPr>
+                      <a:r>
+                        <a:rPr lang="pt-BR" sz="900" b="1" dirty="0">
+                          <a:effectLst/>
+                        </a:rPr>
+                        <a:t> </a:t>
+                      </a:r>
+                      <a:r>
+                        <a:rPr lang="pt-BR" sz="900" b="1" dirty="0" err="1">
+                          <a:effectLst/>
+                        </a:rPr>
+                        <a:t>faltas_visitante</a:t>
+                      </a:r>
+                      <a:endParaRPr lang="pt-BR" sz="1200" b="1" dirty="0">
+                        <a:effectLst/>
+                        <a:latin typeface="Arial" panose="020B0604020202020204" pitchFamily="34" charset="0"/>
+                        <a:ea typeface="Calibri" panose="020F0502020204030204" pitchFamily="34" charset="0"/>
+                        <a:cs typeface="Times New Roman" panose="02020603050405020304" pitchFamily="18" charset="0"/>
+                      </a:endParaRPr>
+                    </a:p>
+                  </a:txBody>
+                  <a:tcPr marL="68580" marR="68580" marT="0" marB="0"/>
+                </a:tc>
+                <a:tc>
+                  <a:txBody>
+                    <a:bodyPr/>
+                    <a:lstStyle/>
+                    <a:p>
+                      <a:pPr indent="450215" algn="r">
+                        <a:lnSpc>
+                          <a:spcPct val="150000"/>
+                        </a:lnSpc>
+                        <a:spcAft>
+                          <a:spcPts val="0"/>
+                        </a:spcAft>
+                      </a:pPr>
+                      <a:r>
+                        <a:rPr lang="pt-BR" sz="900" b="1" dirty="0" err="1" smtClean="0">
+                          <a:effectLst/>
+                        </a:rPr>
+                        <a:t>chutes_bola_parada_mandante</a:t>
+                      </a:r>
+                      <a:endParaRPr lang="pt-BR" sz="1200" b="1" dirty="0">
+                        <a:effectLst/>
+                        <a:latin typeface="Arial" panose="020B0604020202020204" pitchFamily="34" charset="0"/>
+                        <a:ea typeface="Calibri" panose="020F0502020204030204" pitchFamily="34" charset="0"/>
+                        <a:cs typeface="Times New Roman" panose="02020603050405020304" pitchFamily="18" charset="0"/>
+                      </a:endParaRPr>
+                    </a:p>
+                  </a:txBody>
+                  <a:tcPr marL="68580" marR="68580" marT="0" marB="0"/>
+                </a:tc>
+                <a:tc>
+                  <a:txBody>
+                    <a:bodyPr/>
+                    <a:lstStyle/>
+                    <a:p>
+                      <a:pPr indent="450215" algn="r">
+                        <a:lnSpc>
+                          <a:spcPct val="150000"/>
+                        </a:lnSpc>
+                        <a:spcAft>
+                          <a:spcPts val="0"/>
+                        </a:spcAft>
+                      </a:pPr>
+                      <a:r>
+                        <a:rPr lang="pt-BR" sz="900" b="1" dirty="0" err="1" smtClean="0">
+                          <a:effectLst/>
+                        </a:rPr>
+                        <a:t>chutes_bola_parada_visitante</a:t>
+                      </a:r>
+                      <a:endParaRPr lang="pt-BR" sz="1200" b="1" dirty="0">
+                        <a:effectLst/>
+                        <a:latin typeface="Arial" panose="020B0604020202020204" pitchFamily="34" charset="0"/>
+                        <a:ea typeface="Calibri" panose="020F0502020204030204" pitchFamily="34" charset="0"/>
+                        <a:cs typeface="Times New Roman" panose="02020603050405020304" pitchFamily="18" charset="0"/>
+                      </a:endParaRPr>
+                    </a:p>
+                  </a:txBody>
+                  <a:tcPr marL="68580" marR="68580" marT="0" marB="0"/>
+                </a:tc>
+              </a:tr>
+              <a:tr h="0">
+                <a:tc>
+                  <a:txBody>
+                    <a:bodyPr/>
+                    <a:lstStyle/>
+                    <a:p>
+                      <a:pPr indent="450215" algn="r">
+                        <a:lnSpc>
+                          <a:spcPct val="150000"/>
+                        </a:lnSpc>
+                        <a:spcAft>
+                          <a:spcPts val="0"/>
+                        </a:spcAft>
+                      </a:pPr>
+                      <a:r>
+                        <a:rPr lang="pt-BR" sz="900" b="1">
+                          <a:effectLst/>
+                        </a:rPr>
+                        <a:t> defesas_mandante</a:t>
+                      </a:r>
+                      <a:endParaRPr lang="pt-BR" sz="1200" b="1">
+                        <a:effectLst/>
+                        <a:latin typeface="Arial" panose="020B0604020202020204" pitchFamily="34" charset="0"/>
+                        <a:ea typeface="Calibri" panose="020F0502020204030204" pitchFamily="34" charset="0"/>
+                        <a:cs typeface="Times New Roman" panose="02020603050405020304" pitchFamily="18" charset="0"/>
+                      </a:endParaRPr>
+                    </a:p>
+                  </a:txBody>
+                  <a:tcPr marL="68580" marR="68580" marT="0" marB="0"/>
+                </a:tc>
+                <a:tc>
+                  <a:txBody>
+                    <a:bodyPr/>
+                    <a:lstStyle/>
+                    <a:p>
+                      <a:pPr indent="450215" algn="r">
+                        <a:lnSpc>
+                          <a:spcPct val="150000"/>
+                        </a:lnSpc>
+                        <a:spcAft>
+                          <a:spcPts val="0"/>
+                        </a:spcAft>
+                      </a:pPr>
+                      <a:r>
+                        <a:rPr lang="pt-BR" sz="900" b="1" dirty="0">
+                          <a:effectLst/>
+                        </a:rPr>
+                        <a:t> </a:t>
+                      </a:r>
+                      <a:r>
+                        <a:rPr lang="pt-BR" sz="900" b="1" dirty="0" err="1">
+                          <a:effectLst/>
+                        </a:rPr>
+                        <a:t>defesas_visitante</a:t>
+                      </a:r>
+                      <a:endParaRPr lang="pt-BR" sz="1200" b="1" dirty="0">
+                        <a:effectLst/>
+                        <a:latin typeface="Arial" panose="020B0604020202020204" pitchFamily="34" charset="0"/>
+                        <a:ea typeface="Calibri" panose="020F0502020204030204" pitchFamily="34" charset="0"/>
+                        <a:cs typeface="Times New Roman" panose="02020603050405020304" pitchFamily="18" charset="0"/>
+                      </a:endParaRPr>
+                    </a:p>
+                  </a:txBody>
+                  <a:tcPr marL="68580" marR="68580" marT="0" marB="0"/>
+                </a:tc>
+                <a:tc>
+                  <a:txBody>
+                    <a:bodyPr/>
+                    <a:lstStyle/>
+                    <a:p>
+                      <a:pPr indent="450215" algn="r">
+                        <a:lnSpc>
+                          <a:spcPct val="150000"/>
+                        </a:lnSpc>
+                        <a:spcAft>
+                          <a:spcPts val="0"/>
+                        </a:spcAft>
+                      </a:pPr>
+                      <a:r>
+                        <a:rPr lang="pt-BR" sz="900" b="1" dirty="0" err="1" smtClean="0">
+                          <a:effectLst/>
+                        </a:rPr>
+                        <a:t>impedimentos_mandante</a:t>
+                      </a:r>
+                      <a:endParaRPr lang="pt-BR" sz="1200" b="1" dirty="0">
+                        <a:effectLst/>
+                        <a:latin typeface="Arial" panose="020B0604020202020204" pitchFamily="34" charset="0"/>
+                        <a:ea typeface="Calibri" panose="020F0502020204030204" pitchFamily="34" charset="0"/>
+                        <a:cs typeface="Times New Roman" panose="02020603050405020304" pitchFamily="18" charset="0"/>
+                      </a:endParaRPr>
+                    </a:p>
+                  </a:txBody>
+                  <a:tcPr marL="68580" marR="68580" marT="0" marB="0"/>
+                </a:tc>
+              </a:tr>
+              <a:tr h="0">
+                <a:tc>
+                  <a:txBody>
+                    <a:bodyPr/>
+                    <a:lstStyle/>
+                    <a:p>
+                      <a:pPr indent="450215" algn="r">
+                        <a:lnSpc>
+                          <a:spcPct val="150000"/>
+                        </a:lnSpc>
+                        <a:spcAft>
+                          <a:spcPts val="0"/>
+                        </a:spcAft>
+                      </a:pPr>
+                      <a:r>
+                        <a:rPr lang="pt-BR" sz="900" b="1">
+                          <a:effectLst/>
+                        </a:rPr>
+                        <a:t> impedimentos_visitante</a:t>
+                      </a:r>
+                      <a:endParaRPr lang="pt-BR" sz="1200" b="1">
+                        <a:effectLst/>
+                        <a:latin typeface="Arial" panose="020B0604020202020204" pitchFamily="34" charset="0"/>
+                        <a:ea typeface="Calibri" panose="020F0502020204030204" pitchFamily="34" charset="0"/>
+                        <a:cs typeface="Times New Roman" panose="02020603050405020304" pitchFamily="18" charset="0"/>
+                      </a:endParaRPr>
+                    </a:p>
+                  </a:txBody>
+                  <a:tcPr marL="68580" marR="68580" marT="0" marB="0"/>
+                </a:tc>
+                <a:tc>
+                  <a:txBody>
+                    <a:bodyPr/>
+                    <a:lstStyle/>
+                    <a:p>
+                      <a:pPr indent="450215" algn="r">
+                        <a:lnSpc>
+                          <a:spcPct val="150000"/>
+                        </a:lnSpc>
+                        <a:spcAft>
+                          <a:spcPts val="0"/>
+                        </a:spcAft>
+                      </a:pPr>
+                      <a:r>
+                        <a:rPr lang="pt-BR" sz="900" b="1" dirty="0">
+                          <a:effectLst/>
+                        </a:rPr>
+                        <a:t> </a:t>
+                      </a:r>
+                      <a:r>
+                        <a:rPr lang="pt-BR" sz="900" b="1" dirty="0" err="1">
+                          <a:effectLst/>
+                        </a:rPr>
+                        <a:t>chutes_mandante</a:t>
+                      </a:r>
+                      <a:endParaRPr lang="pt-BR" sz="1200" b="1" dirty="0">
+                        <a:effectLst/>
+                        <a:latin typeface="Arial" panose="020B0604020202020204" pitchFamily="34" charset="0"/>
+                        <a:ea typeface="Calibri" panose="020F0502020204030204" pitchFamily="34" charset="0"/>
+                        <a:cs typeface="Times New Roman" panose="02020603050405020304" pitchFamily="18" charset="0"/>
+                      </a:endParaRPr>
+                    </a:p>
+                  </a:txBody>
+                  <a:tcPr marL="68580" marR="68580" marT="0" marB="0"/>
+                </a:tc>
+                <a:tc>
+                  <a:txBody>
+                    <a:bodyPr/>
+                    <a:lstStyle/>
+                    <a:p>
+                      <a:pPr indent="450215" algn="r">
+                        <a:lnSpc>
+                          <a:spcPct val="150000"/>
+                        </a:lnSpc>
+                        <a:spcAft>
+                          <a:spcPts val="0"/>
+                        </a:spcAft>
+                      </a:pPr>
+                      <a:r>
+                        <a:rPr lang="pt-BR" sz="900" b="1" dirty="0">
+                          <a:effectLst/>
+                        </a:rPr>
+                        <a:t> </a:t>
+                      </a:r>
+                      <a:r>
+                        <a:rPr lang="pt-BR" sz="900" b="1" dirty="0" err="1">
+                          <a:effectLst/>
+                        </a:rPr>
+                        <a:t>chutes_visitante</a:t>
+                      </a:r>
+                      <a:endParaRPr lang="pt-BR" sz="1200" b="1" dirty="0">
+                        <a:effectLst/>
+                        <a:latin typeface="Arial" panose="020B0604020202020204" pitchFamily="34" charset="0"/>
+                        <a:ea typeface="Calibri" panose="020F0502020204030204" pitchFamily="34" charset="0"/>
+                        <a:cs typeface="Times New Roman" panose="02020603050405020304" pitchFamily="18" charset="0"/>
+                      </a:endParaRPr>
+                    </a:p>
+                  </a:txBody>
+                  <a:tcPr marL="68580" marR="68580" marT="0" marB="0"/>
+                </a:tc>
+              </a:tr>
+              <a:tr h="0">
+                <a:tc>
+                  <a:txBody>
+                    <a:bodyPr/>
+                    <a:lstStyle/>
+                    <a:p>
+                      <a:pPr indent="450215" algn="r">
+                        <a:lnSpc>
+                          <a:spcPct val="150000"/>
+                        </a:lnSpc>
+                        <a:spcAft>
+                          <a:spcPts val="0"/>
+                        </a:spcAft>
+                      </a:pPr>
+                      <a:r>
+                        <a:rPr lang="pt-BR" sz="900" b="1">
+                          <a:effectLst/>
+                        </a:rPr>
+                        <a:t> chutes_fora_mandante</a:t>
+                      </a:r>
+                      <a:endParaRPr lang="pt-BR" sz="1200" b="1">
+                        <a:effectLst/>
+                        <a:latin typeface="Arial" panose="020B0604020202020204" pitchFamily="34" charset="0"/>
+                        <a:ea typeface="Calibri" panose="020F0502020204030204" pitchFamily="34" charset="0"/>
+                        <a:cs typeface="Times New Roman" panose="02020603050405020304" pitchFamily="18" charset="0"/>
+                      </a:endParaRPr>
+                    </a:p>
+                  </a:txBody>
+                  <a:tcPr marL="68580" marR="68580" marT="0" marB="0"/>
+                </a:tc>
+                <a:tc>
+                  <a:txBody>
+                    <a:bodyPr/>
+                    <a:lstStyle/>
+                    <a:p>
+                      <a:pPr indent="450215" algn="r">
+                        <a:lnSpc>
+                          <a:spcPct val="150000"/>
+                        </a:lnSpc>
+                        <a:spcAft>
+                          <a:spcPts val="0"/>
+                        </a:spcAft>
+                      </a:pPr>
+                      <a:r>
+                        <a:rPr lang="pt-BR" sz="900" b="1" dirty="0">
+                          <a:effectLst/>
+                        </a:rPr>
+                        <a:t> </a:t>
+                      </a:r>
+                      <a:r>
+                        <a:rPr lang="pt-BR" sz="900" b="1" dirty="0" err="1">
+                          <a:effectLst/>
+                        </a:rPr>
+                        <a:t>chutes_fora_visitante</a:t>
+                      </a:r>
+                      <a:r>
+                        <a:rPr lang="pt-BR" sz="900" b="1" dirty="0">
+                          <a:effectLst/>
+                        </a:rPr>
+                        <a:t>.</a:t>
+                      </a:r>
+                      <a:endParaRPr lang="pt-BR" sz="1200" b="1" dirty="0">
+                        <a:effectLst/>
+                        <a:latin typeface="Arial" panose="020B0604020202020204" pitchFamily="34" charset="0"/>
+                        <a:ea typeface="Calibri" panose="020F0502020204030204" pitchFamily="34" charset="0"/>
+                        <a:cs typeface="Times New Roman" panose="02020603050405020304" pitchFamily="18" charset="0"/>
+                      </a:endParaRPr>
+                    </a:p>
+                  </a:txBody>
+                  <a:tcPr marL="68580" marR="68580" marT="0" marB="0"/>
+                </a:tc>
+                <a:tc>
+                  <a:txBody>
+                    <a:bodyPr/>
+                    <a:lstStyle/>
+                    <a:p>
+                      <a:pPr indent="450215" algn="r">
+                        <a:lnSpc>
+                          <a:spcPct val="150000"/>
+                        </a:lnSpc>
+                        <a:spcAft>
+                          <a:spcPts val="0"/>
+                        </a:spcAft>
+                      </a:pPr>
+                      <a:r>
+                        <a:rPr lang="pt-BR" sz="900" b="1" dirty="0">
+                          <a:effectLst/>
+                        </a:rPr>
+                        <a:t> </a:t>
+                      </a:r>
+                      <a:endParaRPr lang="pt-BR" sz="1200" b="1" dirty="0">
+                        <a:effectLst/>
+                        <a:latin typeface="Arial" panose="020B0604020202020204" pitchFamily="34" charset="0"/>
+                        <a:ea typeface="Calibri" panose="020F0502020204030204" pitchFamily="34" charset="0"/>
+                        <a:cs typeface="Times New Roman" panose="02020603050405020304" pitchFamily="18" charset="0"/>
+                      </a:endParaRPr>
+                    </a:p>
+                  </a:txBody>
+                  <a:tcPr marL="68580" marR="68580" marT="0" marB="0"/>
+                </a:tc>
+              </a:tr>
+            </a:tbl>
+          </a:graphicData>
+        </a:graphic>
+      </p:graphicFrame>
+      <p:pic>
+        <p:nvPicPr>
+          <p:cNvPr id="12" name="Imagem 11"/>
+          <p:cNvPicPr>
+            <a:picLocks noChangeAspect="1"/>
+          </p:cNvPicPr>
+          <p:nvPr/>
+        </p:nvPicPr>
+        <p:blipFill>
+          <a:blip r:embed="rId6" cstate="print">
+            <a:extLst>
+              <a:ext uri="{28A0092B-C50C-407E-A947-70E740481C1C}">
+                <a14:useLocalDpi xmlns:a14="http://schemas.microsoft.com/office/drawing/2010/main" val="0"/>
+              </a:ext>
+            </a:extLst>
+          </a:blip>
+          <a:stretch>
+            <a:fillRect/>
+          </a:stretch>
+        </p:blipFill>
+        <p:spPr>
+          <a:xfrm>
+            <a:off x="186085" y="3872314"/>
+            <a:ext cx="3032603" cy="2500161"/>
+          </a:xfrm>
+          <a:prstGeom prst="rect">
+            <a:avLst/>
+          </a:prstGeom>
+        </p:spPr>
+      </p:pic>
+      <p:sp>
+        <p:nvSpPr>
+          <p:cNvPr id="13" name="Retângulo 12"/>
+          <p:cNvSpPr/>
+          <p:nvPr/>
+        </p:nvSpPr>
+        <p:spPr>
+          <a:xfrm>
+            <a:off x="130523" y="3872314"/>
+            <a:ext cx="3161318" cy="2500161"/>
+          </a:xfrm>
+          <a:prstGeom prst="rect">
+            <a:avLst/>
+          </a:prstGeom>
+          <a:noFill/>
+        </p:spPr>
+        <p:style>
+          <a:lnRef idx="2">
+            <a:schemeClr val="accent1">
+              <a:shade val="50000"/>
+            </a:schemeClr>
+          </a:lnRef>
+          <a:fillRef idx="1">
+            <a:schemeClr val="accent1"/>
+          </a:fillRef>
+          <a:effectRef idx="0">
+            <a:schemeClr val="accent1"/>
+          </a:effectRef>
+          <a:fontRef idx="minor">
+            <a:schemeClr val="lt1"/>
+          </a:fontRef>
+        </p:style>
+        <p:txBody>
+          <a:bodyPr rtlCol="0" anchor="ctr"/>
+          <a:lstStyle/>
+          <a:p>
+            <a:pPr algn="ctr"/>
+            <a:endParaRPr lang="pt-BR"/>
+          </a:p>
+        </p:txBody>
+      </p:sp>
+    </p:spTree>
+    <p:extLst>
+      <p:ext uri="{BB962C8B-B14F-4D97-AF65-F5344CB8AC3E}">
+        <p14:creationId xmlns:p14="http://schemas.microsoft.com/office/powerpoint/2010/main" val="1488623238"/>
+      </p:ext>
+    </p:extLst>
+  </p:cSld>
+  <p:clrMapOvr>
+    <a:masterClrMapping/>
+  </p:clrMapOvr>
+  <p:timing>
+    <p:tnLst>
+      <p:par>
+        <p:cTn id="1" dur="indefinite" restart="never" nodeType="tmRoot"/>
+      </p:par>
+    </p:tnLst>
+  </p:timing>
+</p:sld>
+</file>
+
+<file path=ppt/slides/slide6.xml><?xml version="1.0" encoding="utf-8"?>
+<p:sld xmlns:a="http://schemas.openxmlformats.org/drawingml/2006/main" xmlns:r="http://schemas.openxmlformats.org/officeDocument/2006/relationships" xmlns:p="http://schemas.openxmlformats.org/presentationml/2006/main">
+  <p:cSld>
+    <p:spTree>
+      <p:nvGrpSpPr>
+        <p:cNvPr id="1" name=""/>
+        <p:cNvGrpSpPr/>
+        <p:nvPr/>
+      </p:nvGrpSpPr>
+      <p:grpSpPr>
+        <a:xfrm>
+          <a:off x="0" y="0"/>
+          <a:ext cx="0" cy="0"/>
+          <a:chOff x="0" y="0"/>
+          <a:chExt cx="0" cy="0"/>
+        </a:xfrm>
+      </p:grpSpPr>
+      <p:sp>
+        <p:nvSpPr>
+          <p:cNvPr id="4" name="CaixaDeTexto 3"/>
+          <p:cNvSpPr txBox="1"/>
+          <p:nvPr/>
+        </p:nvSpPr>
+        <p:spPr>
+          <a:xfrm>
+            <a:off x="0" y="-1659"/>
+            <a:ext cx="12191999" cy="584775"/>
+          </a:xfrm>
+          <a:prstGeom prst="rect">
+            <a:avLst/>
+          </a:prstGeom>
+          <a:solidFill>
+            <a:schemeClr val="bg2">
+              <a:lumMod val="90000"/>
+            </a:schemeClr>
+          </a:solidFill>
+        </p:spPr>
+        <p:txBody>
+          <a:bodyPr wrap="square" rtlCol="0">
+            <a:spAutoFit/>
+          </a:bodyPr>
+          <a:lstStyle/>
+          <a:p>
+            <a:pPr algn="ctr"/>
+            <a:r>
+              <a:rPr lang="pt-BR" sz="3200" b="1" dirty="0" smtClean="0">
+                <a:solidFill>
+                  <a:schemeClr val="accent1">
+                    <a:lumMod val="50000"/>
+                  </a:schemeClr>
+                </a:solidFill>
+              </a:rPr>
+              <a:t>ANÁLISE EXPLORATÓRIA DOS DADOS</a:t>
+            </a:r>
+            <a:endParaRPr lang="pt-BR" sz="3200" dirty="0">
+              <a:solidFill>
+                <a:schemeClr val="accent1">
+                  <a:lumMod val="50000"/>
+                </a:schemeClr>
+              </a:solidFill>
+            </a:endParaRPr>
+          </a:p>
+        </p:txBody>
+      </p:sp>
+      <p:sp>
+        <p:nvSpPr>
+          <p:cNvPr id="23" name="CaixaDeTexto 22"/>
+          <p:cNvSpPr txBox="1"/>
+          <p:nvPr/>
+        </p:nvSpPr>
+        <p:spPr>
+          <a:xfrm>
+            <a:off x="3583445" y="673063"/>
+            <a:ext cx="8608553" cy="3231654"/>
+          </a:xfrm>
+          <a:prstGeom prst="rect">
+            <a:avLst/>
+          </a:prstGeom>
+          <a:noFill/>
+        </p:spPr>
+        <p:txBody>
+          <a:bodyPr wrap="square" rtlCol="0">
+            <a:spAutoFit/>
+          </a:bodyPr>
+          <a:lstStyle/>
+          <a:p>
+            <a:r>
+              <a:rPr lang="pt-BR" sz="2400" b="1" dirty="0" smtClean="0">
+                <a:solidFill>
+                  <a:schemeClr val="accent1">
+                    <a:lumMod val="50000"/>
+                  </a:schemeClr>
+                </a:solidFill>
+              </a:rPr>
+              <a:t>Ações</a:t>
+            </a:r>
+          </a:p>
+          <a:p>
+            <a:endParaRPr lang="pt-BR" b="1" dirty="0" smtClean="0">
+              <a:solidFill>
+                <a:schemeClr val="accent1">
+                  <a:lumMod val="50000"/>
+                </a:schemeClr>
+              </a:solidFill>
+            </a:endParaRPr>
+          </a:p>
+          <a:p>
+            <a:pPr marL="342900" indent="-342900">
+              <a:buAutoNum type="arabicPeriod"/>
+            </a:pPr>
+            <a:r>
+              <a:rPr lang="pt-BR" b="1" dirty="0" smtClean="0">
+                <a:solidFill>
+                  <a:schemeClr val="accent1">
+                    <a:lumMod val="50000"/>
+                  </a:schemeClr>
+                </a:solidFill>
+              </a:rPr>
+              <a:t>Livre Exploração dos </a:t>
+            </a:r>
+            <a:r>
+              <a:rPr lang="pt-BR" b="1" dirty="0" err="1" smtClean="0">
+                <a:solidFill>
+                  <a:schemeClr val="accent1">
+                    <a:lumMod val="50000"/>
+                  </a:schemeClr>
+                </a:solidFill>
+              </a:rPr>
+              <a:t>Datasets</a:t>
+            </a:r>
+            <a:r>
+              <a:rPr lang="pt-BR" b="1" dirty="0" smtClean="0">
+                <a:solidFill>
+                  <a:schemeClr val="accent1">
+                    <a:lumMod val="50000"/>
+                  </a:schemeClr>
+                </a:solidFill>
+              </a:rPr>
+              <a:t> – Obtenção de “intimidade” com os dados</a:t>
+            </a:r>
+          </a:p>
+          <a:p>
+            <a:pPr marL="342900" indent="-342900">
+              <a:buAutoNum type="arabicPeriod"/>
+            </a:pPr>
+            <a:endParaRPr lang="pt-BR" b="1" dirty="0" smtClean="0">
+              <a:solidFill>
+                <a:schemeClr val="accent1">
+                  <a:lumMod val="50000"/>
+                </a:schemeClr>
+              </a:solidFill>
+            </a:endParaRPr>
+          </a:p>
+          <a:p>
+            <a:pPr marL="342900" indent="-342900">
+              <a:buAutoNum type="arabicPeriod"/>
+            </a:pPr>
+            <a:r>
+              <a:rPr lang="pt-BR" b="1" dirty="0" smtClean="0">
+                <a:solidFill>
+                  <a:schemeClr val="accent1">
+                    <a:lumMod val="50000"/>
+                  </a:schemeClr>
+                </a:solidFill>
+              </a:rPr>
+              <a:t>Aquisição de Conhecimento da Estrutura dos Dados: Atributos e Tipos de Dados</a:t>
+            </a:r>
+          </a:p>
+          <a:p>
+            <a:pPr marL="342900" indent="-342900">
+              <a:buAutoNum type="arabicPeriod"/>
+            </a:pPr>
+            <a:endParaRPr lang="pt-BR" b="1" dirty="0" smtClean="0">
+              <a:solidFill>
+                <a:schemeClr val="accent1">
+                  <a:lumMod val="50000"/>
+                </a:schemeClr>
+              </a:solidFill>
+            </a:endParaRPr>
+          </a:p>
+          <a:p>
+            <a:pPr marL="342900" indent="-342900">
+              <a:buAutoNum type="arabicPeriod"/>
+            </a:pPr>
+            <a:r>
+              <a:rPr lang="pt-BR" b="1" dirty="0" smtClean="0">
+                <a:solidFill>
+                  <a:schemeClr val="accent1">
+                    <a:lumMod val="50000"/>
+                  </a:schemeClr>
+                </a:solidFill>
+              </a:rPr>
+              <a:t>Exploração Visual dos Dados</a:t>
+            </a:r>
+          </a:p>
+          <a:p>
+            <a:pPr marL="342900" indent="-342900">
+              <a:buAutoNum type="arabicPeriod"/>
+            </a:pPr>
+            <a:endParaRPr lang="pt-BR" b="1" dirty="0" smtClean="0">
+              <a:solidFill>
+                <a:schemeClr val="accent1">
+                  <a:lumMod val="50000"/>
+                </a:schemeClr>
+              </a:solidFill>
+            </a:endParaRPr>
+          </a:p>
+          <a:p>
+            <a:pPr marL="342900" indent="-342900">
+              <a:buAutoNum type="arabicPeriod"/>
+            </a:pPr>
+            <a:r>
+              <a:rPr lang="pt-BR" b="1" dirty="0" smtClean="0">
+                <a:solidFill>
+                  <a:schemeClr val="accent1">
+                    <a:lumMod val="50000"/>
+                  </a:schemeClr>
+                </a:solidFill>
+              </a:rPr>
+              <a:t>Estatística Descritiva e Tabelas de Frequência dos Atributos</a:t>
+            </a:r>
+          </a:p>
+          <a:p>
+            <a:pPr marL="342900" indent="-342900">
+              <a:buAutoNum type="arabicPeriod"/>
+            </a:pPr>
+            <a:endParaRPr lang="pt-BR" b="1" dirty="0" smtClean="0">
+              <a:solidFill>
+                <a:schemeClr val="accent1">
+                  <a:lumMod val="50000"/>
+                </a:schemeClr>
+              </a:solidFill>
+            </a:endParaRPr>
+          </a:p>
+          <a:p>
+            <a:pPr marL="342900" indent="-342900">
+              <a:buAutoNum type="arabicPeriod"/>
+            </a:pPr>
+            <a:r>
+              <a:rPr lang="pt-BR" b="1" dirty="0" smtClean="0">
+                <a:solidFill>
+                  <a:schemeClr val="accent1">
+                    <a:lumMod val="50000"/>
+                  </a:schemeClr>
+                </a:solidFill>
+              </a:rPr>
+              <a:t>Identificação Inicial de Dados Inconsistentes, Valores Nulos e </a:t>
+            </a:r>
+            <a:r>
+              <a:rPr lang="pt-BR" b="1" dirty="0" err="1" smtClean="0">
+                <a:solidFill>
+                  <a:schemeClr val="accent1">
+                    <a:lumMod val="50000"/>
+                  </a:schemeClr>
+                </a:solidFill>
+              </a:rPr>
+              <a:t>Outliers</a:t>
+            </a:r>
+            <a:endParaRPr lang="pt-BR" b="1" dirty="0">
+              <a:solidFill>
+                <a:schemeClr val="accent1">
+                  <a:lumMod val="50000"/>
+                </a:schemeClr>
+              </a:solidFill>
+            </a:endParaRPr>
+          </a:p>
+        </p:txBody>
+      </p:sp>
+      <p:pic>
+        <p:nvPicPr>
+          <p:cNvPr id="6" name="Imagem 5"/>
+          <p:cNvPicPr>
+            <a:picLocks noChangeAspect="1"/>
+          </p:cNvPicPr>
+          <p:nvPr/>
+        </p:nvPicPr>
+        <p:blipFill>
+          <a:blip r:embed="rId2">
+            <a:extLst>
+              <a:ext uri="{28A0092B-C50C-407E-A947-70E740481C1C}">
+                <a14:useLocalDpi xmlns:a14="http://schemas.microsoft.com/office/drawing/2010/main" val="0"/>
+              </a:ext>
+            </a:extLst>
+          </a:blip>
+          <a:stretch>
+            <a:fillRect/>
+          </a:stretch>
+        </p:blipFill>
+        <p:spPr>
+          <a:xfrm>
+            <a:off x="457200" y="4010203"/>
+            <a:ext cx="5056676" cy="2517847"/>
+          </a:xfrm>
+          <a:prstGeom prst="rect">
+            <a:avLst/>
+          </a:prstGeom>
+        </p:spPr>
+      </p:pic>
+      <p:pic>
+        <p:nvPicPr>
+          <p:cNvPr id="8" name="Imagem 7"/>
+          <p:cNvPicPr>
+            <a:picLocks noChangeAspect="1"/>
+          </p:cNvPicPr>
+          <p:nvPr/>
+        </p:nvPicPr>
+        <p:blipFill>
+          <a:blip r:embed="rId3" cstate="print">
+            <a:extLst>
+              <a:ext uri="{28A0092B-C50C-407E-A947-70E740481C1C}">
+                <a14:useLocalDpi xmlns:a14="http://schemas.microsoft.com/office/drawing/2010/main" val="0"/>
+              </a:ext>
+            </a:extLst>
+          </a:blip>
+          <a:stretch>
+            <a:fillRect/>
+          </a:stretch>
+        </p:blipFill>
+        <p:spPr>
+          <a:xfrm>
+            <a:off x="7530041" y="4010203"/>
+            <a:ext cx="3793850" cy="2475869"/>
+          </a:xfrm>
+          <a:prstGeom prst="rect">
+            <a:avLst/>
+          </a:prstGeom>
+        </p:spPr>
+      </p:pic>
+      <p:pic>
+        <p:nvPicPr>
+          <p:cNvPr id="9" name="Imagem 8"/>
+          <p:cNvPicPr>
+            <a:picLocks noChangeAspect="1"/>
+          </p:cNvPicPr>
+          <p:nvPr/>
+        </p:nvPicPr>
+        <p:blipFill>
+          <a:blip r:embed="rId4" cstate="print">
+            <a:extLst>
+              <a:ext uri="{28A0092B-C50C-407E-A947-70E740481C1C}">
+                <a14:useLocalDpi xmlns:a14="http://schemas.microsoft.com/office/drawing/2010/main" val="0"/>
+              </a:ext>
+            </a:extLst>
+          </a:blip>
+          <a:stretch>
+            <a:fillRect/>
+          </a:stretch>
+        </p:blipFill>
+        <p:spPr>
+          <a:xfrm>
+            <a:off x="68476" y="688602"/>
+            <a:ext cx="3347901" cy="1825998"/>
+          </a:xfrm>
+          <a:prstGeom prst="rect">
+            <a:avLst/>
+          </a:prstGeom>
+        </p:spPr>
+      </p:pic>
+      <p:sp>
+        <p:nvSpPr>
+          <p:cNvPr id="14" name="CaixaDeTexto 13"/>
+          <p:cNvSpPr txBox="1"/>
+          <p:nvPr/>
+        </p:nvSpPr>
+        <p:spPr>
+          <a:xfrm>
+            <a:off x="0" y="2495049"/>
+            <a:ext cx="1463862" cy="184666"/>
+          </a:xfrm>
+          <a:prstGeom prst="rect">
+            <a:avLst/>
+          </a:prstGeom>
+          <a:noFill/>
+        </p:spPr>
+        <p:txBody>
+          <a:bodyPr wrap="none" rtlCol="0">
+            <a:spAutoFit/>
+          </a:bodyPr>
+          <a:lstStyle/>
+          <a:p>
+            <a:r>
+              <a:rPr lang="pt-BR" sz="600" dirty="0">
+                <a:hlinkClick r:id="rId5"/>
+              </a:rPr>
+              <a:t>https://blog.unipar.br/analise-de-dados</a:t>
+            </a:r>
+            <a:r>
+              <a:rPr lang="pt-BR" sz="600" dirty="0" smtClean="0">
+                <a:hlinkClick r:id="rId5"/>
+              </a:rPr>
+              <a:t>/</a:t>
+            </a:r>
+            <a:endParaRPr lang="pt-BR" sz="600" dirty="0" smtClean="0"/>
+          </a:p>
+        </p:txBody>
+      </p:sp>
+    </p:spTree>
+    <p:extLst>
+      <p:ext uri="{BB962C8B-B14F-4D97-AF65-F5344CB8AC3E}">
+        <p14:creationId xmlns:p14="http://schemas.microsoft.com/office/powerpoint/2010/main" val="1517849246"/>
+      </p:ext>
+    </p:extLst>
+  </p:cSld>
+  <p:clrMapOvr>
+    <a:masterClrMapping/>
+  </p:clrMapOvr>
+  <p:timing>
+    <p:tnLst>
+      <p:par>
+        <p:cTn id="1" dur="indefinite" restart="never" nodeType="tmRoot"/>
+      </p:par>
+    </p:tnLst>
+  </p:timing>
+</p:sld>
+</file>
+
+<file path=ppt/slides/slide7.xml><?xml version="1.0" encoding="utf-8"?>
+<p:sld xmlns:a="http://schemas.openxmlformats.org/drawingml/2006/main" xmlns:r="http://schemas.openxmlformats.org/officeDocument/2006/relationships" xmlns:p="http://schemas.openxmlformats.org/presentationml/2006/main">
+  <p:cSld>
+    <p:spTree>
+      <p:nvGrpSpPr>
+        <p:cNvPr id="1" name=""/>
+        <p:cNvGrpSpPr/>
+        <p:nvPr/>
+      </p:nvGrpSpPr>
+      <p:grpSpPr>
+        <a:xfrm>
+          <a:off x="0" y="0"/>
+          <a:ext cx="0" cy="0"/>
+          <a:chOff x="0" y="0"/>
+          <a:chExt cx="0" cy="0"/>
+        </a:xfrm>
+      </p:grpSpPr>
+      <p:sp>
+        <p:nvSpPr>
+          <p:cNvPr id="4" name="CaixaDeTexto 3"/>
+          <p:cNvSpPr txBox="1"/>
+          <p:nvPr/>
+        </p:nvSpPr>
+        <p:spPr>
+          <a:xfrm>
+            <a:off x="0" y="-1659"/>
+            <a:ext cx="12191999" cy="584775"/>
+          </a:xfrm>
+          <a:prstGeom prst="rect">
+            <a:avLst/>
+          </a:prstGeom>
+          <a:solidFill>
+            <a:schemeClr val="bg2">
+              <a:lumMod val="90000"/>
+            </a:schemeClr>
+          </a:solidFill>
+        </p:spPr>
+        <p:txBody>
+          <a:bodyPr wrap="square" rtlCol="0">
+            <a:spAutoFit/>
+          </a:bodyPr>
+          <a:lstStyle/>
+          <a:p>
+            <a:pPr algn="ctr"/>
+            <a:r>
+              <a:rPr lang="pt-BR" sz="3200" b="1" dirty="0" smtClean="0">
+                <a:solidFill>
+                  <a:schemeClr val="accent1">
+                    <a:lumMod val="50000"/>
+                  </a:schemeClr>
+                </a:solidFill>
+              </a:rPr>
+              <a:t>PREPARAÇÃO DOS DADOS</a:t>
+            </a:r>
+            <a:endParaRPr lang="pt-BR" sz="3200" dirty="0">
+              <a:solidFill>
+                <a:schemeClr val="accent1">
+                  <a:lumMod val="50000"/>
+                </a:schemeClr>
+              </a:solidFill>
+            </a:endParaRPr>
+          </a:p>
+        </p:txBody>
+      </p:sp>
+      <p:sp>
+        <p:nvSpPr>
+          <p:cNvPr id="23" name="CaixaDeTexto 22"/>
+          <p:cNvSpPr txBox="1"/>
+          <p:nvPr/>
+        </p:nvSpPr>
+        <p:spPr>
+          <a:xfrm>
+            <a:off x="4543565" y="1127093"/>
+            <a:ext cx="7572236" cy="1200329"/>
+          </a:xfrm>
+          <a:prstGeom prst="rect">
+            <a:avLst/>
+          </a:prstGeom>
+          <a:noFill/>
+        </p:spPr>
+        <p:txBody>
+          <a:bodyPr wrap="square" rtlCol="0">
+            <a:spAutoFit/>
+          </a:bodyPr>
+          <a:lstStyle/>
+          <a:p>
+            <a:r>
+              <a:rPr lang="pt-BR" sz="2400" b="1" dirty="0" smtClean="0">
+                <a:solidFill>
+                  <a:schemeClr val="accent1">
+                    <a:lumMod val="50000"/>
+                  </a:schemeClr>
+                </a:solidFill>
+              </a:rPr>
+              <a:t>Seleção Inicial de Atributos (</a:t>
+            </a:r>
+            <a:r>
+              <a:rPr lang="pt-BR" sz="2400" b="1" dirty="0" err="1" smtClean="0">
+                <a:solidFill>
+                  <a:schemeClr val="accent1">
+                    <a:lumMod val="50000"/>
+                  </a:schemeClr>
+                </a:solidFill>
+              </a:rPr>
+              <a:t>Feature</a:t>
+            </a:r>
+            <a:r>
+              <a:rPr lang="pt-BR" sz="2400" b="1" dirty="0" smtClean="0">
+                <a:solidFill>
+                  <a:schemeClr val="accent1">
+                    <a:lumMod val="50000"/>
+                  </a:schemeClr>
+                </a:solidFill>
+              </a:rPr>
+              <a:t> </a:t>
+            </a:r>
+            <a:r>
+              <a:rPr lang="pt-BR" sz="2400" b="1" dirty="0" err="1" smtClean="0">
+                <a:solidFill>
+                  <a:schemeClr val="accent1">
+                    <a:lumMod val="50000"/>
+                  </a:schemeClr>
+                </a:solidFill>
+              </a:rPr>
+              <a:t>Selection</a:t>
+            </a:r>
+            <a:r>
+              <a:rPr lang="pt-BR" sz="2400" b="1" dirty="0" smtClean="0">
+                <a:solidFill>
+                  <a:schemeClr val="accent1">
+                    <a:lumMod val="50000"/>
+                  </a:schemeClr>
+                </a:solidFill>
+              </a:rPr>
+              <a:t>)</a:t>
+            </a:r>
+          </a:p>
+          <a:p>
+            <a:r>
+              <a:rPr lang="pt-BR" sz="1600" b="1" dirty="0" smtClean="0">
+                <a:solidFill>
+                  <a:schemeClr val="accent1">
+                    <a:lumMod val="50000"/>
+                  </a:schemeClr>
+                </a:solidFill>
+              </a:rPr>
+              <a:t>[</a:t>
+            </a:r>
+            <a:r>
+              <a:rPr lang="pt-BR" sz="1600" b="1" dirty="0" err="1" smtClean="0">
+                <a:solidFill>
+                  <a:schemeClr val="accent1">
+                    <a:lumMod val="50000"/>
+                  </a:schemeClr>
+                </a:solidFill>
+              </a:rPr>
+              <a:t>ano_campeonato</a:t>
+            </a:r>
+            <a:r>
+              <a:rPr lang="pt-BR" sz="1600" b="1" dirty="0">
+                <a:solidFill>
+                  <a:schemeClr val="accent1">
+                    <a:lumMod val="50000"/>
+                  </a:schemeClr>
+                </a:solidFill>
+              </a:rPr>
+              <a:t>, data, rodada, publico, </a:t>
+            </a:r>
+            <a:r>
+              <a:rPr lang="pt-BR" sz="1600" b="1" dirty="0" err="1">
+                <a:solidFill>
+                  <a:schemeClr val="accent1">
+                    <a:lumMod val="50000"/>
+                  </a:schemeClr>
+                </a:solidFill>
+              </a:rPr>
+              <a:t>time_mandante</a:t>
+            </a:r>
+            <a:r>
+              <a:rPr lang="pt-BR" sz="1600" b="1" dirty="0">
+                <a:solidFill>
+                  <a:schemeClr val="accent1">
+                    <a:lumMod val="50000"/>
+                  </a:schemeClr>
+                </a:solidFill>
+              </a:rPr>
+              <a:t>, </a:t>
+            </a:r>
+            <a:r>
+              <a:rPr lang="pt-BR" sz="1600" b="1" dirty="0" err="1">
+                <a:solidFill>
+                  <a:schemeClr val="accent1">
+                    <a:lumMod val="50000"/>
+                  </a:schemeClr>
+                </a:solidFill>
+              </a:rPr>
+              <a:t>time_visitante</a:t>
+            </a:r>
+            <a:r>
+              <a:rPr lang="pt-BR" sz="1600" b="1" dirty="0">
+                <a:solidFill>
+                  <a:schemeClr val="accent1">
+                    <a:lumMod val="50000"/>
+                  </a:schemeClr>
+                </a:solidFill>
+              </a:rPr>
+              <a:t>, </a:t>
+            </a:r>
+            <a:r>
+              <a:rPr lang="pt-BR" sz="1600" b="1" dirty="0" err="1">
+                <a:solidFill>
+                  <a:schemeClr val="accent1">
+                    <a:lumMod val="50000"/>
+                  </a:schemeClr>
+                </a:solidFill>
+              </a:rPr>
+              <a:t>colocacao_mandante</a:t>
+            </a:r>
+            <a:r>
+              <a:rPr lang="pt-BR" sz="1600" b="1" dirty="0">
+                <a:solidFill>
+                  <a:schemeClr val="accent1">
+                    <a:lumMod val="50000"/>
+                  </a:schemeClr>
+                </a:solidFill>
+              </a:rPr>
+              <a:t>, </a:t>
+            </a:r>
+            <a:r>
+              <a:rPr lang="pt-BR" sz="1600" b="1" dirty="0" err="1">
+                <a:solidFill>
+                  <a:schemeClr val="accent1">
+                    <a:lumMod val="50000"/>
+                  </a:schemeClr>
+                </a:solidFill>
+              </a:rPr>
+              <a:t>colocação_visitante</a:t>
+            </a:r>
+            <a:r>
+              <a:rPr lang="pt-BR" sz="1600" b="1" dirty="0">
+                <a:solidFill>
+                  <a:schemeClr val="accent1">
+                    <a:lumMod val="50000"/>
+                  </a:schemeClr>
+                </a:solidFill>
+              </a:rPr>
+              <a:t>, </a:t>
+            </a:r>
+            <a:r>
+              <a:rPr lang="pt-BR" sz="1600" b="1" dirty="0" err="1">
+                <a:solidFill>
+                  <a:schemeClr val="accent1">
+                    <a:lumMod val="50000"/>
+                  </a:schemeClr>
+                </a:solidFill>
+              </a:rPr>
+              <a:t>valor_equipe_titular_mandante</a:t>
+            </a:r>
+            <a:r>
+              <a:rPr lang="pt-BR" sz="1600" b="1" dirty="0">
+                <a:solidFill>
+                  <a:schemeClr val="accent1">
+                    <a:lumMod val="50000"/>
+                  </a:schemeClr>
+                </a:solidFill>
+              </a:rPr>
+              <a:t>, </a:t>
+            </a:r>
+            <a:r>
+              <a:rPr lang="pt-BR" sz="1600" b="1" dirty="0" err="1">
+                <a:solidFill>
+                  <a:schemeClr val="accent1">
+                    <a:lumMod val="50000"/>
+                  </a:schemeClr>
+                </a:solidFill>
+              </a:rPr>
+              <a:t>valor_equipe_titular_visitante</a:t>
+            </a:r>
+            <a:r>
+              <a:rPr lang="pt-BR" sz="1600" b="1" dirty="0">
+                <a:solidFill>
+                  <a:schemeClr val="accent1">
+                    <a:lumMod val="50000"/>
+                  </a:schemeClr>
+                </a:solidFill>
+              </a:rPr>
+              <a:t>, </a:t>
+            </a:r>
+            <a:r>
+              <a:rPr lang="pt-BR" sz="1600" b="1" dirty="0" err="1">
+                <a:solidFill>
+                  <a:schemeClr val="accent1">
+                    <a:lumMod val="50000"/>
+                  </a:schemeClr>
+                </a:solidFill>
+              </a:rPr>
+              <a:t>gols_mandante</a:t>
+            </a:r>
+            <a:r>
+              <a:rPr lang="pt-BR" sz="1600" b="1" dirty="0">
+                <a:solidFill>
+                  <a:schemeClr val="accent1">
+                    <a:lumMod val="50000"/>
+                  </a:schemeClr>
+                </a:solidFill>
+              </a:rPr>
+              <a:t> e </a:t>
+            </a:r>
+            <a:r>
+              <a:rPr lang="pt-BR" sz="1600" b="1" dirty="0" err="1" smtClean="0">
+                <a:solidFill>
+                  <a:schemeClr val="accent1">
+                    <a:lumMod val="50000"/>
+                  </a:schemeClr>
+                </a:solidFill>
+              </a:rPr>
+              <a:t>gols_visitante</a:t>
+            </a:r>
+            <a:r>
+              <a:rPr lang="pt-BR" sz="1600" b="1" dirty="0" smtClean="0">
+                <a:solidFill>
+                  <a:schemeClr val="accent1">
+                    <a:lumMod val="50000"/>
+                  </a:schemeClr>
+                </a:solidFill>
+              </a:rPr>
+              <a:t>]</a:t>
+            </a:r>
+            <a:endParaRPr lang="pt-BR" sz="2400" b="1" dirty="0" smtClean="0">
+              <a:solidFill>
+                <a:schemeClr val="accent1">
+                  <a:lumMod val="50000"/>
+                </a:schemeClr>
+              </a:solidFill>
+            </a:endParaRPr>
+          </a:p>
+        </p:txBody>
+      </p:sp>
+      <p:sp>
+        <p:nvSpPr>
+          <p:cNvPr id="14" name="CaixaDeTexto 13"/>
+          <p:cNvSpPr txBox="1"/>
+          <p:nvPr/>
+        </p:nvSpPr>
+        <p:spPr>
+          <a:xfrm>
+            <a:off x="169986" y="2396384"/>
+            <a:ext cx="2542031" cy="276999"/>
+          </a:xfrm>
+          <a:prstGeom prst="rect">
+            <a:avLst/>
+          </a:prstGeom>
+          <a:noFill/>
+        </p:spPr>
+        <p:txBody>
+          <a:bodyPr wrap="square" rtlCol="0">
+            <a:spAutoFit/>
+          </a:bodyPr>
+          <a:lstStyle/>
+          <a:p>
+            <a:r>
+              <a:rPr lang="pt-BR" sz="600" dirty="0">
+                <a:hlinkClick r:id="rId2"/>
+              </a:rPr>
+              <a:t>https://</a:t>
+            </a:r>
+            <a:r>
+              <a:rPr lang="pt-BR" sz="600" dirty="0" smtClean="0">
+                <a:hlinkClick r:id="rId2"/>
+              </a:rPr>
+              <a:t>pt.linkedin.com/pulse/s%C3%A9rie-analytics-cap%C3%ADtulo-iii-prepara%C3%A7%C3%A3o-dos-dados-marcelo-fernandes</a:t>
+            </a:r>
+            <a:endParaRPr lang="pt-BR" sz="600" dirty="0" smtClean="0"/>
+          </a:p>
+        </p:txBody>
+      </p:sp>
+      <p:pic>
+        <p:nvPicPr>
+          <p:cNvPr id="2" name="Imagem 1"/>
+          <p:cNvPicPr>
+            <a:picLocks noChangeAspect="1"/>
+          </p:cNvPicPr>
+          <p:nvPr/>
+        </p:nvPicPr>
+        <p:blipFill>
+          <a:blip r:embed="rId3">
+            <a:extLst>
+              <a:ext uri="{28A0092B-C50C-407E-A947-70E740481C1C}">
+                <a14:useLocalDpi xmlns:a14="http://schemas.microsoft.com/office/drawing/2010/main" val="0"/>
+              </a:ext>
+            </a:extLst>
+          </a:blip>
+          <a:stretch>
+            <a:fillRect/>
+          </a:stretch>
+        </p:blipFill>
+        <p:spPr>
+          <a:xfrm>
+            <a:off x="169986" y="583116"/>
+            <a:ext cx="3204150" cy="1836189"/>
+          </a:xfrm>
+          <a:prstGeom prst="rect">
+            <a:avLst/>
+          </a:prstGeom>
+        </p:spPr>
+      </p:pic>
+      <p:sp>
+        <p:nvSpPr>
+          <p:cNvPr id="10" name="CaixaDeTexto 9"/>
+          <p:cNvSpPr txBox="1"/>
+          <p:nvPr/>
+        </p:nvSpPr>
+        <p:spPr>
+          <a:xfrm>
+            <a:off x="4543564" y="2611765"/>
+            <a:ext cx="7572237" cy="954107"/>
+          </a:xfrm>
+          <a:prstGeom prst="rect">
+            <a:avLst/>
+          </a:prstGeom>
+          <a:noFill/>
+        </p:spPr>
+        <p:txBody>
+          <a:bodyPr wrap="square" rtlCol="0">
+            <a:spAutoFit/>
+          </a:bodyPr>
+          <a:lstStyle/>
+          <a:p>
+            <a:r>
+              <a:rPr lang="pt-BR" sz="2400" b="1" dirty="0" smtClean="0">
+                <a:solidFill>
+                  <a:schemeClr val="accent1">
+                    <a:lumMod val="50000"/>
+                  </a:schemeClr>
+                </a:solidFill>
+              </a:rPr>
+              <a:t>Ajustes de Valores e Tipos de Dados</a:t>
+            </a:r>
+          </a:p>
+          <a:p>
+            <a:r>
+              <a:rPr lang="pt-BR" sz="1600" b="1" dirty="0" smtClean="0">
+                <a:solidFill>
+                  <a:schemeClr val="accent1">
+                    <a:lumMod val="50000"/>
+                  </a:schemeClr>
+                </a:solidFill>
+              </a:rPr>
+              <a:t>Uniformização dos nomes dos clubes: Goiás EC -&gt; Goiás</a:t>
+            </a:r>
+          </a:p>
+          <a:p>
+            <a:r>
+              <a:rPr lang="pt-BR" sz="1600" b="1" dirty="0" smtClean="0">
+                <a:solidFill>
+                  <a:schemeClr val="accent1">
+                    <a:lumMod val="50000"/>
+                  </a:schemeClr>
+                </a:solidFill>
+              </a:rPr>
+              <a:t>Ajustes tipo de dados do atributos </a:t>
+            </a:r>
+            <a:r>
+              <a:rPr lang="pt-BR" sz="1600" b="1" u="sng" dirty="0" smtClean="0">
+                <a:solidFill>
+                  <a:schemeClr val="accent1">
+                    <a:lumMod val="50000"/>
+                  </a:schemeClr>
+                </a:solidFill>
+              </a:rPr>
+              <a:t>data</a:t>
+            </a:r>
+            <a:endParaRPr lang="pt-BR" sz="2400" b="1" u="sng" dirty="0" smtClean="0">
+              <a:solidFill>
+                <a:schemeClr val="accent1">
+                  <a:lumMod val="50000"/>
+                </a:schemeClr>
+              </a:solidFill>
+            </a:endParaRPr>
+          </a:p>
+        </p:txBody>
+      </p:sp>
+      <p:sp>
+        <p:nvSpPr>
+          <p:cNvPr id="11" name="CaixaDeTexto 10"/>
+          <p:cNvSpPr txBox="1"/>
+          <p:nvPr/>
+        </p:nvSpPr>
+        <p:spPr>
+          <a:xfrm>
+            <a:off x="4543567" y="3819613"/>
+            <a:ext cx="7648433" cy="1200329"/>
+          </a:xfrm>
+          <a:prstGeom prst="rect">
+            <a:avLst/>
+          </a:prstGeom>
+          <a:noFill/>
+        </p:spPr>
+        <p:txBody>
+          <a:bodyPr wrap="square" rtlCol="0">
+            <a:spAutoFit/>
+          </a:bodyPr>
+          <a:lstStyle/>
+          <a:p>
+            <a:r>
+              <a:rPr lang="pt-BR" sz="2400" b="1" dirty="0" smtClean="0">
+                <a:solidFill>
+                  <a:schemeClr val="accent1">
+                    <a:lumMod val="50000"/>
+                  </a:schemeClr>
+                </a:solidFill>
+              </a:rPr>
+              <a:t>Tratamento de Valores Nulos</a:t>
+            </a:r>
+          </a:p>
+          <a:p>
+            <a:r>
+              <a:rPr lang="pt-BR" sz="1600" b="1" dirty="0" smtClean="0">
+                <a:solidFill>
+                  <a:schemeClr val="accent1">
+                    <a:lumMod val="50000"/>
+                  </a:schemeClr>
+                </a:solidFill>
+              </a:rPr>
+              <a:t>Atributos de gols: 1 linha com valores nulos excluída (Chapecoense x Atlético-MG, 2016)</a:t>
+            </a:r>
+          </a:p>
+          <a:p>
+            <a:r>
+              <a:rPr lang="pt-BR" sz="1600" b="1" dirty="0" smtClean="0">
+                <a:solidFill>
+                  <a:schemeClr val="accent1">
+                    <a:lumMod val="50000"/>
+                  </a:schemeClr>
+                </a:solidFill>
+              </a:rPr>
+              <a:t>Atributos de valor de equipe: preenchimento com a média do clube no ano</a:t>
+            </a:r>
+          </a:p>
+          <a:p>
+            <a:r>
+              <a:rPr lang="pt-BR" sz="1600" b="1" dirty="0" smtClean="0">
+                <a:solidFill>
+                  <a:schemeClr val="accent1">
+                    <a:lumMod val="50000"/>
+                  </a:schemeClr>
+                </a:solidFill>
+              </a:rPr>
+              <a:t>Exclusão de algumas linhas onde não foi possível estimar </a:t>
+            </a:r>
+            <a:r>
+              <a:rPr lang="pt-BR" sz="1600" b="1" u="sng" dirty="0" smtClean="0">
+                <a:solidFill>
+                  <a:schemeClr val="accent1">
+                    <a:lumMod val="50000"/>
+                  </a:schemeClr>
+                </a:solidFill>
+              </a:rPr>
+              <a:t>(anos 2003 a 2006)</a:t>
+            </a:r>
+            <a:endParaRPr lang="pt-BR" sz="2400" b="1" u="sng" dirty="0" smtClean="0">
+              <a:solidFill>
+                <a:schemeClr val="accent1">
+                  <a:lumMod val="50000"/>
+                </a:schemeClr>
+              </a:solidFill>
+            </a:endParaRPr>
+          </a:p>
+        </p:txBody>
+      </p:sp>
+      <p:sp>
+        <p:nvSpPr>
+          <p:cNvPr id="12" name="CaixaDeTexto 11"/>
+          <p:cNvSpPr txBox="1"/>
+          <p:nvPr/>
+        </p:nvSpPr>
+        <p:spPr>
+          <a:xfrm>
+            <a:off x="4543567" y="5272058"/>
+            <a:ext cx="8608553" cy="707886"/>
+          </a:xfrm>
+          <a:prstGeom prst="rect">
+            <a:avLst/>
+          </a:prstGeom>
+          <a:noFill/>
+        </p:spPr>
+        <p:txBody>
+          <a:bodyPr wrap="square" rtlCol="0">
+            <a:spAutoFit/>
+          </a:bodyPr>
+          <a:lstStyle/>
+          <a:p>
+            <a:r>
+              <a:rPr lang="pt-BR" sz="2400" b="1" dirty="0" smtClean="0">
+                <a:solidFill>
+                  <a:schemeClr val="accent1">
+                    <a:lumMod val="50000"/>
+                  </a:schemeClr>
+                </a:solidFill>
+              </a:rPr>
+              <a:t>Análise de Correlação de Variáveis</a:t>
+            </a:r>
+          </a:p>
+          <a:p>
+            <a:r>
+              <a:rPr lang="pt-BR" sz="1600" b="1" dirty="0" smtClean="0">
+                <a:solidFill>
+                  <a:schemeClr val="accent1">
+                    <a:lumMod val="50000"/>
+                  </a:schemeClr>
+                </a:solidFill>
+              </a:rPr>
+              <a:t>Nenhum par de variáveis com correlação forte (-1, 1)</a:t>
+            </a:r>
+            <a:endParaRPr lang="pt-BR" sz="2400" b="1" u="sng" dirty="0" smtClean="0">
+              <a:solidFill>
+                <a:schemeClr val="accent1">
+                  <a:lumMod val="50000"/>
+                </a:schemeClr>
+              </a:solidFill>
+            </a:endParaRPr>
+          </a:p>
+        </p:txBody>
+      </p:sp>
+      <p:pic>
+        <p:nvPicPr>
+          <p:cNvPr id="3" name="Imagem 2"/>
+          <p:cNvPicPr>
+            <a:picLocks noChangeAspect="1"/>
+          </p:cNvPicPr>
+          <p:nvPr/>
+        </p:nvPicPr>
+        <p:blipFill>
+          <a:blip r:embed="rId4" cstate="print">
+            <a:extLst>
+              <a:ext uri="{28A0092B-C50C-407E-A947-70E740481C1C}">
+                <a14:useLocalDpi xmlns:a14="http://schemas.microsoft.com/office/drawing/2010/main" val="0"/>
+              </a:ext>
+            </a:extLst>
+          </a:blip>
+          <a:stretch>
+            <a:fillRect/>
+          </a:stretch>
+        </p:blipFill>
+        <p:spPr>
+          <a:xfrm>
+            <a:off x="1130106" y="4957094"/>
+            <a:ext cx="3278542" cy="1857704"/>
+          </a:xfrm>
+          <a:prstGeom prst="rect">
+            <a:avLst/>
+          </a:prstGeom>
+        </p:spPr>
+      </p:pic>
+      <p:pic>
+        <p:nvPicPr>
+          <p:cNvPr id="5" name="Imagem 4"/>
+          <p:cNvPicPr>
+            <a:picLocks noChangeAspect="1"/>
+          </p:cNvPicPr>
+          <p:nvPr/>
+        </p:nvPicPr>
+        <p:blipFill>
+          <a:blip r:embed="rId5" cstate="print">
+            <a:extLst>
+              <a:ext uri="{28A0092B-C50C-407E-A947-70E740481C1C}">
+                <a14:useLocalDpi xmlns:a14="http://schemas.microsoft.com/office/drawing/2010/main" val="0"/>
+              </a:ext>
+            </a:extLst>
+          </a:blip>
+          <a:stretch>
+            <a:fillRect/>
+          </a:stretch>
+        </p:blipFill>
+        <p:spPr>
+          <a:xfrm>
+            <a:off x="69402" y="2801790"/>
+            <a:ext cx="4425696" cy="1988852"/>
+          </a:xfrm>
+          <a:prstGeom prst="rect">
+            <a:avLst/>
+          </a:prstGeom>
+        </p:spPr>
+      </p:pic>
+    </p:spTree>
+    <p:extLst>
+      <p:ext uri="{BB962C8B-B14F-4D97-AF65-F5344CB8AC3E}">
+        <p14:creationId xmlns:p14="http://schemas.microsoft.com/office/powerpoint/2010/main" val="115822915"/>
+      </p:ext>
+    </p:extLst>
+  </p:cSld>
+  <p:clrMapOvr>
+    <a:masterClrMapping/>
+  </p:clrMapOvr>
+  <p:timing>
+    <p:tnLst>
+      <p:par>
+        <p:cTn id="1" dur="indefinite" restart="never" nodeType="tmRoot"/>
+      </p:par>
+    </p:tnLst>
+  </p:timing>
+</p:sld>
+</file>
+
+<file path=ppt/slides/slide8.xml><?xml version="1.0" encoding="utf-8"?>
+<p:sld xmlns:a="http://schemas.openxmlformats.org/drawingml/2006/main" xmlns:r="http://schemas.openxmlformats.org/officeDocument/2006/relationships" xmlns:p="http://schemas.openxmlformats.org/presentationml/2006/main">
+  <p:cSld>
+    <p:spTree>
+      <p:nvGrpSpPr>
+        <p:cNvPr id="1" name=""/>
+        <p:cNvGrpSpPr/>
+        <p:nvPr/>
+      </p:nvGrpSpPr>
+      <p:grpSpPr>
+        <a:xfrm>
+          <a:off x="0" y="0"/>
+          <a:ext cx="0" cy="0"/>
+          <a:chOff x="0" y="0"/>
+          <a:chExt cx="0" cy="0"/>
+        </a:xfrm>
+      </p:grpSpPr>
+      <p:sp>
+        <p:nvSpPr>
+          <p:cNvPr id="4" name="CaixaDeTexto 3"/>
+          <p:cNvSpPr txBox="1"/>
+          <p:nvPr/>
+        </p:nvSpPr>
+        <p:spPr>
+          <a:xfrm>
+            <a:off x="0" y="-1659"/>
+            <a:ext cx="12191999" cy="584775"/>
+          </a:xfrm>
+          <a:prstGeom prst="rect">
+            <a:avLst/>
+          </a:prstGeom>
+          <a:solidFill>
+            <a:schemeClr val="bg2">
+              <a:lumMod val="90000"/>
+            </a:schemeClr>
+          </a:solidFill>
+        </p:spPr>
+        <p:txBody>
+          <a:bodyPr wrap="square" rtlCol="0">
+            <a:spAutoFit/>
+          </a:bodyPr>
+          <a:lstStyle/>
+          <a:p>
+            <a:pPr algn="ctr"/>
+            <a:r>
+              <a:rPr lang="pt-BR" sz="3200" b="1" dirty="0" smtClean="0">
+                <a:solidFill>
+                  <a:schemeClr val="accent1">
+                    <a:lumMod val="50000"/>
+                  </a:schemeClr>
+                </a:solidFill>
+              </a:rPr>
+              <a:t>PREPARAÇÃO DOS DADOS</a:t>
+            </a:r>
+            <a:endParaRPr lang="pt-BR" sz="3200" dirty="0">
+              <a:solidFill>
+                <a:schemeClr val="accent1">
+                  <a:lumMod val="50000"/>
+                </a:schemeClr>
+              </a:solidFill>
+            </a:endParaRPr>
+          </a:p>
+        </p:txBody>
+      </p:sp>
+      <p:sp>
+        <p:nvSpPr>
+          <p:cNvPr id="13" name="CaixaDeTexto 12"/>
+          <p:cNvSpPr txBox="1"/>
+          <p:nvPr/>
+        </p:nvSpPr>
+        <p:spPr>
+          <a:xfrm>
+            <a:off x="309895" y="805780"/>
+            <a:ext cx="11805905" cy="707886"/>
+          </a:xfrm>
+          <a:prstGeom prst="rect">
+            <a:avLst/>
+          </a:prstGeom>
+          <a:noFill/>
+        </p:spPr>
+        <p:txBody>
+          <a:bodyPr wrap="square" rtlCol="0">
+            <a:spAutoFit/>
+          </a:bodyPr>
+          <a:lstStyle/>
+          <a:p>
+            <a:r>
+              <a:rPr lang="pt-BR" sz="2400" b="1" dirty="0" smtClean="0">
+                <a:solidFill>
+                  <a:schemeClr val="accent1">
+                    <a:lumMod val="50000"/>
+                  </a:schemeClr>
+                </a:solidFill>
+              </a:rPr>
+              <a:t>Análise de </a:t>
+            </a:r>
+            <a:r>
+              <a:rPr lang="pt-BR" sz="2400" b="1" dirty="0" err="1" smtClean="0">
+                <a:solidFill>
+                  <a:schemeClr val="accent1">
+                    <a:lumMod val="50000"/>
+                  </a:schemeClr>
+                </a:solidFill>
+              </a:rPr>
+              <a:t>Outliers</a:t>
+            </a:r>
+            <a:endParaRPr lang="pt-BR" sz="2400" b="1" dirty="0" smtClean="0">
+              <a:solidFill>
+                <a:schemeClr val="accent1">
+                  <a:lumMod val="50000"/>
+                </a:schemeClr>
+              </a:solidFill>
+            </a:endParaRPr>
+          </a:p>
+          <a:p>
+            <a:r>
+              <a:rPr lang="pt-BR" sz="1600" b="1" dirty="0" err="1" smtClean="0">
+                <a:solidFill>
+                  <a:schemeClr val="accent1">
+                    <a:lumMod val="50000"/>
+                  </a:schemeClr>
+                </a:solidFill>
+              </a:rPr>
+              <a:t>Outliers</a:t>
+            </a:r>
+            <a:r>
+              <a:rPr lang="pt-BR" sz="1600" b="1" dirty="0" smtClean="0">
+                <a:solidFill>
+                  <a:schemeClr val="accent1">
+                    <a:lumMod val="50000"/>
+                  </a:schemeClr>
+                </a:solidFill>
+              </a:rPr>
+              <a:t> identificados tratavam-se de valores reais: gols em grandes goleadas, jogos com grandes públicos, equipes com alto investimento</a:t>
+            </a:r>
+            <a:endParaRPr lang="pt-BR" sz="2400" b="1" u="sng" dirty="0" smtClean="0">
+              <a:solidFill>
+                <a:schemeClr val="accent1">
+                  <a:lumMod val="50000"/>
+                </a:schemeClr>
+              </a:solidFill>
+            </a:endParaRPr>
+          </a:p>
+        </p:txBody>
+      </p:sp>
+      <p:pic>
+        <p:nvPicPr>
+          <p:cNvPr id="5" name="Imagem 4"/>
+          <p:cNvPicPr>
+            <a:picLocks noChangeAspect="1"/>
+          </p:cNvPicPr>
+          <p:nvPr/>
+        </p:nvPicPr>
+        <p:blipFill>
+          <a:blip r:embed="rId2">
+            <a:extLst>
+              <a:ext uri="{28A0092B-C50C-407E-A947-70E740481C1C}">
+                <a14:useLocalDpi xmlns:a14="http://schemas.microsoft.com/office/drawing/2010/main" val="0"/>
+              </a:ext>
+            </a:extLst>
+          </a:blip>
+          <a:stretch>
+            <a:fillRect/>
+          </a:stretch>
+        </p:blipFill>
+        <p:spPr>
+          <a:xfrm>
+            <a:off x="1170432" y="1631871"/>
+            <a:ext cx="9610344" cy="4990446"/>
+          </a:xfrm>
+          <a:prstGeom prst="rect">
+            <a:avLst/>
+          </a:prstGeom>
+        </p:spPr>
+      </p:pic>
+    </p:spTree>
+    <p:extLst>
+      <p:ext uri="{BB962C8B-B14F-4D97-AF65-F5344CB8AC3E}">
+        <p14:creationId xmlns:p14="http://schemas.microsoft.com/office/powerpoint/2010/main" val="3485161776"/>
+      </p:ext>
+    </p:extLst>
+  </p:cSld>
+  <p:clrMapOvr>
+    <a:masterClrMapping/>
+  </p:clrMapOvr>
+  <p:timing>
+    <p:tnLst>
+      <p:par>
+        <p:cTn id="1" dur="indefinite" restart="never" nodeType="tmRoot"/>
+      </p:par>
+    </p:tnLst>
+  </p:timing>
+</p:sld>
+</file>
+
+<file path=ppt/slides/slide9.xml><?xml version="1.0" encoding="utf-8"?>
+<p:sld xmlns:a="http://schemas.openxmlformats.org/drawingml/2006/main" xmlns:r="http://schemas.openxmlformats.org/officeDocument/2006/relationships" xmlns:p="http://schemas.openxmlformats.org/presentationml/2006/main">
+  <p:cSld>
+    <p:spTree>
+      <p:nvGrpSpPr>
+        <p:cNvPr id="1" name=""/>
+        <p:cNvGrpSpPr/>
+        <p:nvPr/>
+      </p:nvGrpSpPr>
+      <p:grpSpPr>
+        <a:xfrm>
+          <a:off x="0" y="0"/>
+          <a:ext cx="0" cy="0"/>
+          <a:chOff x="0" y="0"/>
+          <a:chExt cx="0" cy="0"/>
+        </a:xfrm>
+      </p:grpSpPr>
+      <p:sp>
+        <p:nvSpPr>
+          <p:cNvPr id="4" name="CaixaDeTexto 3"/>
+          <p:cNvSpPr txBox="1"/>
+          <p:nvPr/>
+        </p:nvSpPr>
+        <p:spPr>
+          <a:xfrm>
+            <a:off x="0" y="-1659"/>
+            <a:ext cx="12191999" cy="584775"/>
+          </a:xfrm>
+          <a:prstGeom prst="rect">
+            <a:avLst/>
+          </a:prstGeom>
+          <a:solidFill>
+            <a:schemeClr val="bg2">
+              <a:lumMod val="90000"/>
+            </a:schemeClr>
+          </a:solidFill>
+        </p:spPr>
+        <p:txBody>
+          <a:bodyPr wrap="square" rtlCol="0">
+            <a:spAutoFit/>
+          </a:bodyPr>
+          <a:lstStyle/>
+          <a:p>
+            <a:pPr algn="ctr"/>
+            <a:r>
+              <a:rPr lang="pt-BR" sz="3200" b="1" dirty="0" smtClean="0">
+                <a:solidFill>
+                  <a:schemeClr val="accent1">
+                    <a:lumMod val="50000"/>
+                  </a:schemeClr>
+                </a:solidFill>
+              </a:rPr>
+              <a:t>PREPARAÇÃO DOS DADOS</a:t>
+            </a:r>
+            <a:endParaRPr lang="pt-BR" sz="3200" dirty="0">
+              <a:solidFill>
+                <a:schemeClr val="accent1">
+                  <a:lumMod val="50000"/>
+                </a:schemeClr>
+              </a:solidFill>
+            </a:endParaRPr>
+          </a:p>
+        </p:txBody>
+      </p:sp>
+      <p:sp>
+        <p:nvSpPr>
+          <p:cNvPr id="23" name="CaixaDeTexto 22"/>
+          <p:cNvSpPr txBox="1"/>
+          <p:nvPr/>
+        </p:nvSpPr>
+        <p:spPr>
+          <a:xfrm>
+            <a:off x="3583445" y="1130263"/>
+            <a:ext cx="8608553" cy="954107"/>
+          </a:xfrm>
+          <a:prstGeom prst="rect">
+            <a:avLst/>
+          </a:prstGeom>
+          <a:noFill/>
+        </p:spPr>
+        <p:txBody>
+          <a:bodyPr wrap="square" rtlCol="0">
+            <a:spAutoFit/>
+          </a:bodyPr>
+          <a:lstStyle/>
+          <a:p>
+            <a:r>
+              <a:rPr lang="pt-BR" sz="2400" b="1" dirty="0" smtClean="0">
+                <a:solidFill>
+                  <a:schemeClr val="accent1">
+                    <a:lumMod val="50000"/>
+                  </a:schemeClr>
+                </a:solidFill>
+              </a:rPr>
+              <a:t>Engenharia de Atributos (</a:t>
+            </a:r>
+            <a:r>
+              <a:rPr lang="pt-BR" sz="2400" b="1" dirty="0" err="1" smtClean="0">
+                <a:solidFill>
+                  <a:schemeClr val="accent1">
+                    <a:lumMod val="50000"/>
+                  </a:schemeClr>
+                </a:solidFill>
+              </a:rPr>
+              <a:t>Feature</a:t>
+            </a:r>
+            <a:r>
+              <a:rPr lang="pt-BR" sz="2400" b="1" dirty="0" smtClean="0">
+                <a:solidFill>
+                  <a:schemeClr val="accent1">
+                    <a:lumMod val="50000"/>
+                  </a:schemeClr>
+                </a:solidFill>
+              </a:rPr>
+              <a:t> </a:t>
+            </a:r>
+            <a:r>
+              <a:rPr lang="pt-BR" sz="2400" b="1" dirty="0" err="1" smtClean="0">
+                <a:solidFill>
+                  <a:schemeClr val="accent1">
+                    <a:lumMod val="50000"/>
+                  </a:schemeClr>
+                </a:solidFill>
+              </a:rPr>
+              <a:t>Engineering</a:t>
+            </a:r>
+            <a:r>
+              <a:rPr lang="pt-BR" sz="2400" b="1" dirty="0" smtClean="0">
+                <a:solidFill>
+                  <a:schemeClr val="accent1">
+                    <a:lumMod val="50000"/>
+                  </a:schemeClr>
+                </a:solidFill>
+              </a:rPr>
+              <a:t>)</a:t>
+            </a:r>
+          </a:p>
+          <a:p>
+            <a:r>
+              <a:rPr lang="pt-BR" sz="1600" b="1" dirty="0" smtClean="0">
+                <a:solidFill>
+                  <a:schemeClr val="accent1">
+                    <a:lumMod val="50000"/>
+                  </a:schemeClr>
+                </a:solidFill>
+              </a:rPr>
+              <a:t>Criados os atributos </a:t>
+            </a:r>
+            <a:r>
+              <a:rPr lang="pt-BR" sz="1600" b="1" u="sng" dirty="0" err="1" smtClean="0">
+                <a:solidFill>
+                  <a:schemeClr val="accent1">
+                    <a:lumMod val="50000"/>
+                  </a:schemeClr>
+                </a:solidFill>
+              </a:rPr>
+              <a:t>dia_semana</a:t>
+            </a:r>
+            <a:r>
+              <a:rPr lang="pt-BR" sz="1600" b="1" dirty="0" smtClean="0">
+                <a:solidFill>
+                  <a:schemeClr val="accent1">
+                    <a:lumMod val="50000"/>
+                  </a:schemeClr>
+                </a:solidFill>
+              </a:rPr>
+              <a:t> e </a:t>
+            </a:r>
+            <a:r>
+              <a:rPr lang="pt-BR" sz="1600" b="1" u="sng" dirty="0" smtClean="0">
+                <a:solidFill>
+                  <a:schemeClr val="accent1">
+                    <a:lumMod val="50000"/>
+                  </a:schemeClr>
+                </a:solidFill>
+              </a:rPr>
+              <a:t>trimestre</a:t>
+            </a:r>
+            <a:r>
+              <a:rPr lang="pt-BR" sz="1600" b="1" dirty="0" smtClean="0">
+                <a:solidFill>
+                  <a:schemeClr val="accent1">
+                    <a:lumMod val="50000"/>
+                  </a:schemeClr>
+                </a:solidFill>
+              </a:rPr>
+              <a:t>, a partir do atributo </a:t>
+            </a:r>
+            <a:r>
+              <a:rPr lang="pt-BR" sz="1600" b="1" u="sng" dirty="0" smtClean="0">
+                <a:solidFill>
+                  <a:schemeClr val="accent1">
+                    <a:lumMod val="50000"/>
+                  </a:schemeClr>
+                </a:solidFill>
+              </a:rPr>
+              <a:t>data</a:t>
+            </a:r>
+          </a:p>
+          <a:p>
+            <a:r>
+              <a:rPr lang="pt-BR" sz="1600" b="1" dirty="0" smtClean="0">
+                <a:solidFill>
+                  <a:schemeClr val="accent1">
+                    <a:lumMod val="50000"/>
+                  </a:schemeClr>
+                </a:solidFill>
+              </a:rPr>
+              <a:t>Criados os atributos de pontuação recente dos clubes,  a partir dos atributos de gols</a:t>
+            </a:r>
+            <a:endParaRPr lang="pt-BR" sz="2400" b="1" dirty="0" smtClean="0">
+              <a:solidFill>
+                <a:schemeClr val="accent1">
+                  <a:lumMod val="50000"/>
+                </a:schemeClr>
+              </a:solidFill>
+            </a:endParaRPr>
+          </a:p>
+        </p:txBody>
+      </p:sp>
+      <p:sp>
+        <p:nvSpPr>
+          <p:cNvPr id="14" name="CaixaDeTexto 13"/>
+          <p:cNvSpPr txBox="1"/>
+          <p:nvPr/>
+        </p:nvSpPr>
+        <p:spPr>
+          <a:xfrm>
+            <a:off x="0" y="2524791"/>
+            <a:ext cx="2542031" cy="276999"/>
+          </a:xfrm>
+          <a:prstGeom prst="rect">
+            <a:avLst/>
+          </a:prstGeom>
+          <a:noFill/>
+        </p:spPr>
+        <p:txBody>
+          <a:bodyPr wrap="square" rtlCol="0">
+            <a:spAutoFit/>
+          </a:bodyPr>
+          <a:lstStyle/>
+          <a:p>
+            <a:r>
+              <a:rPr lang="pt-BR" sz="600" dirty="0">
+                <a:hlinkClick r:id="rId2"/>
+              </a:rPr>
+              <a:t>https://</a:t>
+            </a:r>
+            <a:r>
+              <a:rPr lang="pt-BR" sz="600" dirty="0" smtClean="0">
+                <a:hlinkClick r:id="rId2"/>
+              </a:rPr>
+              <a:t>pt.linkedin.com/pulse/s%C3%A9rie-analytics-cap%C3%ADtulo-iii-prepara%C3%A7%C3%A3o-dos-dados-marcelo-fernandes</a:t>
+            </a:r>
+            <a:endParaRPr lang="pt-BR" sz="600" dirty="0" smtClean="0"/>
+          </a:p>
+        </p:txBody>
+      </p:sp>
+      <p:pic>
+        <p:nvPicPr>
+          <p:cNvPr id="2" name="Imagem 1"/>
+          <p:cNvPicPr>
+            <a:picLocks noChangeAspect="1"/>
+          </p:cNvPicPr>
+          <p:nvPr/>
+        </p:nvPicPr>
+        <p:blipFill>
+          <a:blip r:embed="rId3">
+            <a:extLst>
+              <a:ext uri="{28A0092B-C50C-407E-A947-70E740481C1C}">
+                <a14:useLocalDpi xmlns:a14="http://schemas.microsoft.com/office/drawing/2010/main" val="0"/>
+              </a:ext>
+            </a:extLst>
+          </a:blip>
+          <a:stretch>
+            <a:fillRect/>
+          </a:stretch>
+        </p:blipFill>
+        <p:spPr>
+          <a:xfrm>
+            <a:off x="69402" y="688602"/>
+            <a:ext cx="3204150" cy="1836189"/>
+          </a:xfrm>
+          <a:prstGeom prst="rect">
+            <a:avLst/>
+          </a:prstGeom>
+        </p:spPr>
+      </p:pic>
+      <p:sp>
+        <p:nvSpPr>
+          <p:cNvPr id="10" name="CaixaDeTexto 9"/>
+          <p:cNvSpPr txBox="1"/>
+          <p:nvPr/>
+        </p:nvSpPr>
+        <p:spPr>
+          <a:xfrm>
+            <a:off x="3583444" y="2611765"/>
+            <a:ext cx="8608553" cy="954107"/>
+          </a:xfrm>
+          <a:prstGeom prst="rect">
+            <a:avLst/>
+          </a:prstGeom>
+          <a:noFill/>
+        </p:spPr>
+        <p:txBody>
+          <a:bodyPr wrap="square" rtlCol="0">
+            <a:spAutoFit/>
+          </a:bodyPr>
+          <a:lstStyle/>
+          <a:p>
+            <a:r>
+              <a:rPr lang="pt-BR" sz="2400" b="1" dirty="0" smtClean="0">
+                <a:solidFill>
+                  <a:schemeClr val="accent1">
+                    <a:lumMod val="50000"/>
+                  </a:schemeClr>
+                </a:solidFill>
+              </a:rPr>
+              <a:t>Categorização de Variáveis Numéricas</a:t>
+            </a:r>
+          </a:p>
+          <a:p>
+            <a:r>
+              <a:rPr lang="pt-BR" sz="1600" b="1" dirty="0" smtClean="0">
+                <a:solidFill>
+                  <a:schemeClr val="accent1">
+                    <a:lumMod val="50000"/>
+                  </a:schemeClr>
+                </a:solidFill>
+              </a:rPr>
+              <a:t>Atributos de valor de equipe foram categorizados por faixa de valor, nas categorias [</a:t>
+            </a:r>
+            <a:r>
+              <a:rPr lang="pt-BR" sz="1600" b="1" dirty="0" err="1" smtClean="0">
+                <a:solidFill>
+                  <a:schemeClr val="accent1">
+                    <a:lumMod val="50000"/>
+                  </a:schemeClr>
+                </a:solidFill>
+              </a:rPr>
+              <a:t>muito_baixo</a:t>
+            </a:r>
+            <a:r>
+              <a:rPr lang="pt-BR" sz="1600" b="1" dirty="0" smtClean="0">
+                <a:solidFill>
+                  <a:schemeClr val="accent1">
+                    <a:lumMod val="50000"/>
+                  </a:schemeClr>
+                </a:solidFill>
+              </a:rPr>
+              <a:t>, baixo, médio, alto, </a:t>
+            </a:r>
+            <a:r>
+              <a:rPr lang="pt-BR" sz="1600" b="1" dirty="0" err="1" smtClean="0">
+                <a:solidFill>
+                  <a:schemeClr val="accent1">
+                    <a:lumMod val="50000"/>
+                  </a:schemeClr>
+                </a:solidFill>
+              </a:rPr>
+              <a:t>muito_alto</a:t>
+            </a:r>
+            <a:r>
+              <a:rPr lang="pt-BR" sz="1600" b="1" dirty="0" smtClean="0">
+                <a:solidFill>
+                  <a:schemeClr val="accent1">
+                    <a:lumMod val="50000"/>
+                  </a:schemeClr>
+                </a:solidFill>
+              </a:rPr>
+              <a:t>], criando as variáveis de grau de investimento</a:t>
+            </a:r>
+            <a:endParaRPr lang="pt-BR" sz="2400" b="1" u="sng" dirty="0" smtClean="0">
+              <a:solidFill>
+                <a:schemeClr val="accent1">
+                  <a:lumMod val="50000"/>
+                </a:schemeClr>
+              </a:solidFill>
+            </a:endParaRPr>
+          </a:p>
+        </p:txBody>
+      </p:sp>
+      <p:sp>
+        <p:nvSpPr>
+          <p:cNvPr id="11" name="CaixaDeTexto 10"/>
+          <p:cNvSpPr txBox="1"/>
+          <p:nvPr/>
+        </p:nvSpPr>
+        <p:spPr>
+          <a:xfrm>
+            <a:off x="3583447" y="3943057"/>
+            <a:ext cx="8608553" cy="707886"/>
+          </a:xfrm>
+          <a:prstGeom prst="rect">
+            <a:avLst/>
+          </a:prstGeom>
+          <a:noFill/>
+        </p:spPr>
+        <p:txBody>
+          <a:bodyPr wrap="square" rtlCol="0">
+            <a:spAutoFit/>
+          </a:bodyPr>
+          <a:lstStyle/>
+          <a:p>
+            <a:r>
+              <a:rPr lang="pt-BR" sz="2400" b="1" dirty="0" smtClean="0">
+                <a:solidFill>
+                  <a:schemeClr val="accent1">
+                    <a:lumMod val="50000"/>
+                  </a:schemeClr>
+                </a:solidFill>
+              </a:rPr>
+              <a:t>Transformações de Valores Numéricos</a:t>
+            </a:r>
+          </a:p>
+          <a:p>
+            <a:r>
+              <a:rPr lang="pt-BR" sz="1600" b="1" dirty="0" smtClean="0">
+                <a:solidFill>
+                  <a:schemeClr val="accent1">
+                    <a:lumMod val="50000"/>
+                  </a:schemeClr>
+                </a:solidFill>
+              </a:rPr>
+              <a:t>Foi aplicada a normalização por escala nos atributos numéricos</a:t>
+            </a:r>
+            <a:endParaRPr lang="pt-BR" sz="2400" b="1" u="sng" dirty="0" smtClean="0">
+              <a:solidFill>
+                <a:schemeClr val="accent1">
+                  <a:lumMod val="50000"/>
+                </a:schemeClr>
+              </a:solidFill>
+            </a:endParaRPr>
+          </a:p>
+        </p:txBody>
+      </p:sp>
+      <p:sp>
+        <p:nvSpPr>
+          <p:cNvPr id="12" name="CaixaDeTexto 11"/>
+          <p:cNvSpPr txBox="1"/>
+          <p:nvPr/>
+        </p:nvSpPr>
+        <p:spPr>
+          <a:xfrm>
+            <a:off x="3583447" y="5117467"/>
+            <a:ext cx="8608553" cy="954107"/>
+          </a:xfrm>
+          <a:prstGeom prst="rect">
+            <a:avLst/>
+          </a:prstGeom>
+          <a:noFill/>
+        </p:spPr>
+        <p:txBody>
+          <a:bodyPr wrap="square" rtlCol="0">
+            <a:spAutoFit/>
+          </a:bodyPr>
+          <a:lstStyle/>
+          <a:p>
+            <a:r>
+              <a:rPr lang="pt-BR" sz="2400" b="1" dirty="0" smtClean="0">
+                <a:solidFill>
+                  <a:schemeClr val="accent1">
+                    <a:lumMod val="50000"/>
+                  </a:schemeClr>
+                </a:solidFill>
+              </a:rPr>
+              <a:t>Codificação de Variáveis Categóricas</a:t>
+            </a:r>
+          </a:p>
+          <a:p>
+            <a:r>
+              <a:rPr lang="pt-BR" sz="1600" b="1" dirty="0" smtClean="0">
+                <a:solidFill>
+                  <a:schemeClr val="accent1">
+                    <a:lumMod val="50000"/>
+                  </a:schemeClr>
+                </a:solidFill>
+              </a:rPr>
+              <a:t>Aplicado o </a:t>
+            </a:r>
+            <a:r>
+              <a:rPr lang="pt-BR" sz="1600" b="1" i="1" dirty="0" err="1" smtClean="0">
+                <a:solidFill>
+                  <a:schemeClr val="accent1">
+                    <a:lumMod val="50000"/>
+                  </a:schemeClr>
+                </a:solidFill>
+              </a:rPr>
+              <a:t>Label</a:t>
+            </a:r>
+            <a:r>
+              <a:rPr lang="pt-BR" sz="1600" b="1" i="1" dirty="0" smtClean="0">
+                <a:solidFill>
+                  <a:schemeClr val="accent1">
+                    <a:lumMod val="50000"/>
+                  </a:schemeClr>
+                </a:solidFill>
+              </a:rPr>
+              <a:t> </a:t>
+            </a:r>
+            <a:r>
+              <a:rPr lang="pt-BR" sz="1600" b="1" i="1" dirty="0" err="1" smtClean="0">
+                <a:solidFill>
+                  <a:schemeClr val="accent1">
+                    <a:lumMod val="50000"/>
+                  </a:schemeClr>
+                </a:solidFill>
+              </a:rPr>
+              <a:t>Encoding</a:t>
+            </a:r>
+            <a:r>
+              <a:rPr lang="pt-BR" sz="1600" b="1" i="1" dirty="0" smtClean="0">
+                <a:solidFill>
+                  <a:schemeClr val="accent1">
+                    <a:lumMod val="50000"/>
+                  </a:schemeClr>
+                </a:solidFill>
+              </a:rPr>
+              <a:t> </a:t>
+            </a:r>
+            <a:r>
+              <a:rPr lang="pt-BR" sz="1600" b="1" dirty="0" smtClean="0">
+                <a:solidFill>
+                  <a:schemeClr val="accent1">
+                    <a:lumMod val="50000"/>
+                  </a:schemeClr>
+                </a:solidFill>
+              </a:rPr>
+              <a:t>para as variáveis de grau de investimento</a:t>
+            </a:r>
+          </a:p>
+          <a:p>
+            <a:r>
+              <a:rPr lang="pt-BR" sz="1600" b="1" dirty="0" smtClean="0">
+                <a:solidFill>
+                  <a:schemeClr val="accent1">
+                    <a:lumMod val="50000"/>
+                  </a:schemeClr>
+                </a:solidFill>
+              </a:rPr>
+              <a:t>Aplicado o </a:t>
+            </a:r>
+            <a:r>
+              <a:rPr lang="pt-BR" sz="1600" b="1" i="1" dirty="0" err="1" smtClean="0">
+                <a:solidFill>
+                  <a:schemeClr val="accent1">
+                    <a:lumMod val="50000"/>
+                  </a:schemeClr>
+                </a:solidFill>
+              </a:rPr>
+              <a:t>Dummy</a:t>
+            </a:r>
+            <a:r>
+              <a:rPr lang="pt-BR" sz="1600" b="1" i="1" dirty="0" smtClean="0">
+                <a:solidFill>
+                  <a:schemeClr val="accent1">
+                    <a:lumMod val="50000"/>
+                  </a:schemeClr>
+                </a:solidFill>
+              </a:rPr>
+              <a:t> </a:t>
+            </a:r>
+            <a:r>
+              <a:rPr lang="pt-BR" sz="1600" b="1" i="1" dirty="0" err="1" smtClean="0">
+                <a:solidFill>
+                  <a:schemeClr val="accent1">
+                    <a:lumMod val="50000"/>
+                  </a:schemeClr>
+                </a:solidFill>
+              </a:rPr>
+              <a:t>Encoding</a:t>
+            </a:r>
+            <a:r>
+              <a:rPr lang="pt-BR" sz="1600" b="1" i="1" dirty="0" smtClean="0">
+                <a:solidFill>
+                  <a:schemeClr val="accent1">
+                    <a:lumMod val="50000"/>
+                  </a:schemeClr>
+                </a:solidFill>
+              </a:rPr>
+              <a:t> </a:t>
+            </a:r>
+            <a:r>
+              <a:rPr lang="pt-BR" sz="1600" b="1" dirty="0" smtClean="0">
+                <a:solidFill>
+                  <a:schemeClr val="accent1">
+                    <a:lumMod val="50000"/>
+                  </a:schemeClr>
+                </a:solidFill>
+              </a:rPr>
+              <a:t>para as demais variáveis categóricas</a:t>
+            </a:r>
+            <a:endParaRPr lang="pt-BR" sz="2400" b="1" dirty="0" smtClean="0">
+              <a:solidFill>
+                <a:schemeClr val="accent1">
+                  <a:lumMod val="50000"/>
+                </a:schemeClr>
+              </a:solidFill>
+            </a:endParaRPr>
+          </a:p>
+        </p:txBody>
+      </p:sp>
+      <p:pic>
+        <p:nvPicPr>
+          <p:cNvPr id="5" name="Imagem 4"/>
+          <p:cNvPicPr>
+            <a:picLocks noChangeAspect="1"/>
+          </p:cNvPicPr>
+          <p:nvPr/>
+        </p:nvPicPr>
+        <p:blipFill>
+          <a:blip r:embed="rId4">
+            <a:extLst>
+              <a:ext uri="{28A0092B-C50C-407E-A947-70E740481C1C}">
+                <a14:useLocalDpi xmlns:a14="http://schemas.microsoft.com/office/drawing/2010/main" val="0"/>
+              </a:ext>
+            </a:extLst>
+          </a:blip>
+          <a:stretch>
+            <a:fillRect/>
+          </a:stretch>
+        </p:blipFill>
+        <p:spPr>
+          <a:xfrm>
+            <a:off x="1325881" y="5098358"/>
+            <a:ext cx="1947672" cy="1524085"/>
+          </a:xfrm>
+          <a:prstGeom prst="rect">
+            <a:avLst/>
+          </a:prstGeom>
+        </p:spPr>
+      </p:pic>
+      <p:pic>
+        <p:nvPicPr>
+          <p:cNvPr id="7" name="Imagem 6"/>
+          <p:cNvPicPr>
+            <a:picLocks noChangeAspect="1"/>
+          </p:cNvPicPr>
+          <p:nvPr/>
+        </p:nvPicPr>
+        <p:blipFill>
+          <a:blip r:embed="rId5" cstate="print">
+            <a:extLst>
+              <a:ext uri="{28A0092B-C50C-407E-A947-70E740481C1C}">
+                <a14:useLocalDpi xmlns:a14="http://schemas.microsoft.com/office/drawing/2010/main" val="0"/>
+              </a:ext>
+            </a:extLst>
+          </a:blip>
+          <a:stretch>
+            <a:fillRect/>
+          </a:stretch>
+        </p:blipFill>
+        <p:spPr>
+          <a:xfrm>
+            <a:off x="69403" y="3690949"/>
+            <a:ext cx="3514042" cy="1459720"/>
+          </a:xfrm>
+          <a:prstGeom prst="rect">
+            <a:avLst/>
+          </a:prstGeom>
+        </p:spPr>
+      </p:pic>
+    </p:spTree>
+    <p:extLst>
+      <p:ext uri="{BB962C8B-B14F-4D97-AF65-F5344CB8AC3E}">
+        <p14:creationId xmlns:p14="http://schemas.microsoft.com/office/powerpoint/2010/main" val="3736087968"/>
       </p:ext>
     </p:extLst>
   </p:cSld>
